--- a/publications/presentation-2024-01-peds-residents-qi/crdw-2024-01.pptx
+++ b/publications/presentation-2024-01-peds-residents-qi/crdw-2024-01.pptx
@@ -5,7 +5,7 @@
     <p:sldMasterId id="2147483648" r:id="rId1"/>
   </p:sldMasterIdLst>
   <p:notesMasterIdLst>
-    <p:notesMasterId r:id="rId35"/>
+    <p:notesMasterId r:id="rId37"/>
   </p:notesMasterIdLst>
   <p:sldIdLst>
     <p:sldId id="292" r:id="rId2"/>
@@ -17,30 +17,32 @@
     <p:sldId id="276" r:id="rId8"/>
     <p:sldId id="443" r:id="rId9"/>
     <p:sldId id="444" r:id="rId10"/>
-    <p:sldId id="400" r:id="rId11"/>
-    <p:sldId id="442" r:id="rId12"/>
+    <p:sldId id="449" r:id="rId11"/>
+    <p:sldId id="400" r:id="rId12"/>
     <p:sldId id="424" r:id="rId13"/>
     <p:sldId id="447" r:id="rId14"/>
-    <p:sldId id="430" r:id="rId15"/>
-    <p:sldId id="393" r:id="rId16"/>
+    <p:sldId id="450" r:id="rId15"/>
+    <p:sldId id="430" r:id="rId16"/>
     <p:sldId id="367" r:id="rId17"/>
-    <p:sldId id="441" r:id="rId18"/>
-    <p:sldId id="426" r:id="rId19"/>
-    <p:sldId id="296" r:id="rId20"/>
-    <p:sldId id="434" r:id="rId21"/>
-    <p:sldId id="435" r:id="rId22"/>
-    <p:sldId id="436" r:id="rId23"/>
-    <p:sldId id="437" r:id="rId24"/>
-    <p:sldId id="340" r:id="rId25"/>
-    <p:sldId id="390" r:id="rId26"/>
-    <p:sldId id="428" r:id="rId27"/>
-    <p:sldId id="427" r:id="rId28"/>
-    <p:sldId id="433" r:id="rId29"/>
-    <p:sldId id="391" r:id="rId30"/>
-    <p:sldId id="438" r:id="rId31"/>
-    <p:sldId id="439" r:id="rId32"/>
-    <p:sldId id="440" r:id="rId33"/>
-    <p:sldId id="401" r:id="rId34"/>
+    <p:sldId id="426" r:id="rId18"/>
+    <p:sldId id="296" r:id="rId19"/>
+    <p:sldId id="441" r:id="rId20"/>
+    <p:sldId id="442" r:id="rId21"/>
+    <p:sldId id="393" r:id="rId22"/>
+    <p:sldId id="434" r:id="rId23"/>
+    <p:sldId id="435" r:id="rId24"/>
+    <p:sldId id="436" r:id="rId25"/>
+    <p:sldId id="437" r:id="rId26"/>
+    <p:sldId id="340" r:id="rId27"/>
+    <p:sldId id="390" r:id="rId28"/>
+    <p:sldId id="428" r:id="rId29"/>
+    <p:sldId id="427" r:id="rId30"/>
+    <p:sldId id="433" r:id="rId31"/>
+    <p:sldId id="391" r:id="rId32"/>
+    <p:sldId id="438" r:id="rId33"/>
+    <p:sldId id="439" r:id="rId34"/>
+    <p:sldId id="440" r:id="rId35"/>
+    <p:sldId id="401" r:id="rId36"/>
   </p:sldIdLst>
   <p:sldSz cx="12192000" cy="6858000"/>
   <p:notesSz cx="6858000" cy="9144000"/>
@@ -2117,13 +2119,6 @@
         </dgm:presLayoutVars>
       </dgm:prSet>
       <dgm:spPr/>
-      <dgm:t>
-        <a:bodyPr/>
-        <a:lstStyle/>
-        <a:p>
-          <a:endParaRPr lang="en-US"/>
-        </a:p>
-      </dgm:t>
     </dgm:pt>
     <dgm:pt modelId="{C24CF265-89BA-4CC5-B2E0-D2EB87594CC8}" type="pres">
       <dgm:prSet presAssocID="{0010D89C-854E-448B-8127-DA3929F939E8}" presName="Triangle" presStyleLbl="alignNode1" presStyleIdx="1" presStyleCnt="13" custLinFactNeighborY="3848"/>
@@ -2154,13 +2149,6 @@
         </dgm:presLayoutVars>
       </dgm:prSet>
       <dgm:spPr/>
-      <dgm:t>
-        <a:bodyPr/>
-        <a:lstStyle/>
-        <a:p>
-          <a:endParaRPr lang="en-US"/>
-        </a:p>
-      </dgm:t>
     </dgm:pt>
     <dgm:pt modelId="{9FF3722C-A49D-4CC5-8B70-771495A0D233}" type="pres">
       <dgm:prSet presAssocID="{BD10A304-1F73-43DD-9545-9D1E21226479}" presName="Triangle" presStyleLbl="alignNode1" presStyleIdx="3" presStyleCnt="13"/>
@@ -2191,13 +2179,6 @@
         </dgm:presLayoutVars>
       </dgm:prSet>
       <dgm:spPr/>
-      <dgm:t>
-        <a:bodyPr/>
-        <a:lstStyle/>
-        <a:p>
-          <a:endParaRPr lang="en-US"/>
-        </a:p>
-      </dgm:t>
     </dgm:pt>
     <dgm:pt modelId="{3A7C4B3F-4FAC-4EF5-9512-913D53308C24}" type="pres">
       <dgm:prSet presAssocID="{01F32B2A-131E-4E9C-A1D5-1461015E0B2C}" presName="Triangle" presStyleLbl="alignNode1" presStyleIdx="5" presStyleCnt="13" custLinFactNeighborY="3848"/>
@@ -2228,13 +2209,6 @@
         </dgm:presLayoutVars>
       </dgm:prSet>
       <dgm:spPr/>
-      <dgm:t>
-        <a:bodyPr/>
-        <a:lstStyle/>
-        <a:p>
-          <a:endParaRPr lang="en-US"/>
-        </a:p>
-      </dgm:t>
     </dgm:pt>
     <dgm:pt modelId="{EDA7D529-A34E-4829-9CB2-E4F3E98F14B1}" type="pres">
       <dgm:prSet presAssocID="{9F2B29A3-676C-48AE-825C-3DC60DBF2AE2}" presName="Triangle" presStyleLbl="alignNode1" presStyleIdx="7" presStyleCnt="13" custLinFactNeighborY="3848"/>
@@ -2265,13 +2239,6 @@
         </dgm:presLayoutVars>
       </dgm:prSet>
       <dgm:spPr/>
-      <dgm:t>
-        <a:bodyPr/>
-        <a:lstStyle/>
-        <a:p>
-          <a:endParaRPr lang="en-US"/>
-        </a:p>
-      </dgm:t>
     </dgm:pt>
     <dgm:pt modelId="{8570A94F-040C-4CB8-9C06-F728965276B3}" type="pres">
       <dgm:prSet presAssocID="{9299490E-690A-47A2-BF79-343CFAE5FE79}" presName="Triangle" presStyleLbl="alignNode1" presStyleIdx="9" presStyleCnt="13" custLinFactNeighborY="3848"/>
@@ -2302,13 +2269,6 @@
         </dgm:presLayoutVars>
       </dgm:prSet>
       <dgm:spPr/>
-      <dgm:t>
-        <a:bodyPr/>
-        <a:lstStyle/>
-        <a:p>
-          <a:endParaRPr lang="en-US"/>
-        </a:p>
-      </dgm:t>
     </dgm:pt>
     <dgm:pt modelId="{6971FD88-FFEC-4FBF-B3CC-DD255AA67870}" type="pres">
       <dgm:prSet presAssocID="{CE924409-C179-4A2D-B64D-C1667C924238}" presName="Triangle" presStyleLbl="alignNode1" presStyleIdx="11" presStyleCnt="13" custLinFactNeighborY="3848"/>
@@ -2339,77 +2299,70 @@
         </dgm:presLayoutVars>
       </dgm:prSet>
       <dgm:spPr/>
-      <dgm:t>
-        <a:bodyPr/>
-        <a:lstStyle/>
-        <a:p>
-          <a:endParaRPr lang="en-US"/>
-        </a:p>
-      </dgm:t>
     </dgm:pt>
   </dgm:ptLst>
   <dgm:cxnLst>
+    <dgm:cxn modelId="{C5E55304-620F-404E-82A8-9A6F75606ECF}" type="presOf" srcId="{9299490E-690A-47A2-BF79-343CFAE5FE79}" destId="{170748FF-6039-443C-8193-92C430D0DFAA}" srcOrd="0" destOrd="0" presId="urn:microsoft.com/office/officeart/2009/3/layout/StepUpProcess"/>
     <dgm:cxn modelId="{B3134007-4773-4C24-B20E-F02605591D9D}" srcId="{6474E90C-A3F5-4C40-8CEB-46B153A00DEE}" destId="{CE924409-C179-4A2D-B64D-C1667C924238}" srcOrd="5" destOrd="0" parTransId="{75A1A668-D881-42BC-92F5-74B80995D5C7}" sibTransId="{FB48574C-4914-4B07-BE09-AF8B154B2CB4}"/>
+    <dgm:cxn modelId="{86B4FB07-3C60-4EBD-8E76-5E72C2E0AB90}" srcId="{037EC5A9-860F-45A9-97E8-A8AEEA9BB793}" destId="{266FBCAC-8055-4D37-AE88-C83AA214ACFC}" srcOrd="1" destOrd="0" parTransId="{EF20783E-2A4A-4E1F-8E4B-60244D876521}" sibTransId="{39F87B8E-0C0E-4761-B82F-E2DDCD7410C5}"/>
+    <dgm:cxn modelId="{0BF5620A-B547-450F-9BA4-3A5421A8E374}" srcId="{9F2B29A3-676C-48AE-825C-3DC60DBF2AE2}" destId="{E8E0BA16-10CE-416E-9136-84998F596AE2}" srcOrd="0" destOrd="0" parTransId="{6D3E105B-45E6-424E-B1D5-A553183D47AE}" sibTransId="{B7C06EB8-35FC-4988-9A19-996AFBDCA4DB}"/>
+    <dgm:cxn modelId="{44E7C80A-C63B-4697-BEEC-F40FE819AFB5}" type="presOf" srcId="{1DD8B8D3-226B-49C2-8005-4A91E508846C}" destId="{C5F5F110-BA5D-47A9-BE05-32B627697E7C}" srcOrd="0" destOrd="4" presId="urn:microsoft.com/office/officeart/2009/3/layout/StepUpProcess"/>
+    <dgm:cxn modelId="{0258DA0D-C91C-443D-81F4-7B6A5C31306D}" type="presOf" srcId="{9F2B29A3-676C-48AE-825C-3DC60DBF2AE2}" destId="{BE86AFED-F9A0-4F8A-8A27-B836B6B098D1}" srcOrd="0" destOrd="0" presId="urn:microsoft.com/office/officeart/2009/3/layout/StepUpProcess"/>
+    <dgm:cxn modelId="{796A9A11-4EE8-4CB6-A640-23509BC79688}" srcId="{BD10A304-1F73-43DD-9545-9D1E21226479}" destId="{A1286503-101C-4D1A-BFA0-02F11B235340}" srcOrd="3" destOrd="0" parTransId="{A09C0865-2C33-4203-A575-3FB8B0463913}" sibTransId="{26949491-263A-4D5F-B058-36C67CBF157A}"/>
+    <dgm:cxn modelId="{4A47BA19-6F43-48D7-808A-4FFD39949DC7}" type="presOf" srcId="{B97F914E-93D2-4D63-AE6C-21B1DB78616D}" destId="{C5F5F110-BA5D-47A9-BE05-32B627697E7C}" srcOrd="0" destOrd="2" presId="urn:microsoft.com/office/officeart/2009/3/layout/StepUpProcess"/>
+    <dgm:cxn modelId="{2298BF1B-966E-4966-8AD9-B0EDD901F0B7}" type="presOf" srcId="{E8E0BA16-10CE-416E-9136-84998F596AE2}" destId="{BE86AFED-F9A0-4F8A-8A27-B836B6B098D1}" srcOrd="0" destOrd="1" presId="urn:microsoft.com/office/officeart/2009/3/layout/StepUpProcess"/>
+    <dgm:cxn modelId="{61DE9222-ED43-4411-A227-A9576786E346}" srcId="{6474E90C-A3F5-4C40-8CEB-46B153A00DEE}" destId="{9F2B29A3-676C-48AE-825C-3DC60DBF2AE2}" srcOrd="3" destOrd="0" parTransId="{3B7E9C7A-3EA1-4A88-A8B1-9E17FD1DBB3E}" sibTransId="{05F740F7-02EF-46A6-BCD4-1932D8C87C34}"/>
+    <dgm:cxn modelId="{3FDD9922-917A-4B8C-8227-A2B10608F731}" type="presOf" srcId="{25953BB6-850A-47EF-A2B2-98ACD9BBD186}" destId="{074DB80F-68BF-4581-AF84-D0386B780F14}" srcOrd="0" destOrd="1" presId="urn:microsoft.com/office/officeart/2009/3/layout/StepUpProcess"/>
+    <dgm:cxn modelId="{97CC5824-09CC-465D-AFF4-18B539F9D065}" type="presOf" srcId="{0010D89C-854E-448B-8127-DA3929F939E8}" destId="{5C43E3DF-F0B8-40ED-80D3-88AAF8CEA4CB}" srcOrd="0" destOrd="0" presId="urn:microsoft.com/office/officeart/2009/3/layout/StepUpProcess"/>
+    <dgm:cxn modelId="{6C885D36-EA41-4E3E-AB2F-530415C94F72}" type="presOf" srcId="{2E844D7E-8FE8-4447-9546-5BF641386BE4}" destId="{BE86AFED-F9A0-4F8A-8A27-B836B6B098D1}" srcOrd="0" destOrd="3" presId="urn:microsoft.com/office/officeart/2009/3/layout/StepUpProcess"/>
+    <dgm:cxn modelId="{714F4B39-6556-4C0C-A8F4-1AFFCBBC1CCF}" srcId="{CE924409-C179-4A2D-B64D-C1667C924238}" destId="{2EBE0A9F-2B2E-4C90-ACF1-A3020FD7B251}" srcOrd="0" destOrd="0" parTransId="{1C17A13E-522B-472E-B60D-ED0B56F458C9}" sibTransId="{0B787E35-75DD-415C-8C78-69DFE5BDD12D}"/>
+    <dgm:cxn modelId="{082AE83C-0F42-43B0-BB02-A36D712BAF7A}" srcId="{BD10A304-1F73-43DD-9545-9D1E21226479}" destId="{0CD4120B-D47E-4785-9E77-E9C10337775D}" srcOrd="5" destOrd="0" parTransId="{775394F6-A4A9-4424-A0E8-6D46946F5B58}" sibTransId="{5E9CC7AC-8D8C-4DFA-A2B9-17F05C5AB103}"/>
+    <dgm:cxn modelId="{C896745D-32AB-4630-A4C9-46AE35CAEA16}" type="presOf" srcId="{CE924409-C179-4A2D-B64D-C1667C924238}" destId="{C5F5F110-BA5D-47A9-BE05-32B627697E7C}" srcOrd="0" destOrd="0" presId="urn:microsoft.com/office/officeart/2009/3/layout/StepUpProcess"/>
+    <dgm:cxn modelId="{26B98641-5BB7-468A-A496-259B5263EB31}" srcId="{037EC5A9-860F-45A9-97E8-A8AEEA9BB793}" destId="{922EFE4D-47F8-46C3-B467-3FB1F4D3DAE7}" srcOrd="0" destOrd="0" parTransId="{B562972B-83BB-4C51-AE66-6611FC0484BC}" sibTransId="{A1353CEC-4052-4C7C-A1D4-61FF73AD4BF3}"/>
+    <dgm:cxn modelId="{C3A44365-9B22-4CD9-9BF5-55706FA57043}" type="presOf" srcId="{01F32B2A-131E-4E9C-A1D5-1461015E0B2C}" destId="{12426410-9ECE-4540-990B-004F5AD61A12}" srcOrd="0" destOrd="0" presId="urn:microsoft.com/office/officeart/2009/3/layout/StepUpProcess"/>
+    <dgm:cxn modelId="{CF4C2B66-FD39-45E9-BE5C-B464C37250E9}" type="presOf" srcId="{266FBCAC-8055-4D37-AE88-C83AA214ACFC}" destId="{7577EDBA-79C8-47EE-9C48-8258D6199F02}" srcOrd="0" destOrd="2" presId="urn:microsoft.com/office/officeart/2009/3/layout/StepUpProcess"/>
+    <dgm:cxn modelId="{D5D9D066-03C7-499E-BC25-10844D15C44B}" type="presOf" srcId="{8E0C9345-2A16-4BE3-8E86-AA4D49067A7F}" destId="{12426410-9ECE-4540-990B-004F5AD61A12}" srcOrd="0" destOrd="2" presId="urn:microsoft.com/office/officeart/2009/3/layout/StepUpProcess"/>
+    <dgm:cxn modelId="{D0794A49-4C58-4D75-AD10-20CD20475A2B}" type="presOf" srcId="{A1286503-101C-4D1A-BFA0-02F11B235340}" destId="{074DB80F-68BF-4581-AF84-D0386B780F14}" srcOrd="0" destOrd="4" presId="urn:microsoft.com/office/officeart/2009/3/layout/StepUpProcess"/>
+    <dgm:cxn modelId="{63E1B369-A07A-4AF4-8ACA-6D0289E80719}" srcId="{6474E90C-A3F5-4C40-8CEB-46B153A00DEE}" destId="{037EC5A9-860F-45A9-97E8-A8AEEA9BB793}" srcOrd="6" destOrd="0" parTransId="{965C5703-C172-43BA-A947-D2654C3E41F8}" sibTransId="{C02B8F31-CDDD-4163-8613-368B89AB05F2}"/>
+    <dgm:cxn modelId="{323DD34C-9266-49AD-83BA-374612208AEC}" srcId="{037EC5A9-860F-45A9-97E8-A8AEEA9BB793}" destId="{4BE9C7D6-461A-44C8-B607-EDEF2EA077EC}" srcOrd="3" destOrd="0" parTransId="{21ED4C84-2CAB-47DE-B1D0-EEEEB48B552F}" sibTransId="{A31ACD74-4C55-4E1B-8BF0-1A889A0EBBCF}"/>
+    <dgm:cxn modelId="{6CD03455-961E-4C9D-A840-748AA20E2BAB}" srcId="{BD10A304-1F73-43DD-9545-9D1E21226479}" destId="{EE6CC463-806B-49F1-9D27-85973620214C}" srcOrd="2" destOrd="0" parTransId="{EDB78E5F-2374-4BE3-9191-627E4C1A88C2}" sibTransId="{CD35F4D9-030E-448B-8470-FAEF90CD08CD}"/>
+    <dgm:cxn modelId="{40F0A875-0765-4769-8E84-FF710BEDC598}" srcId="{9F2B29A3-676C-48AE-825C-3DC60DBF2AE2}" destId="{2E844D7E-8FE8-4447-9546-5BF641386BE4}" srcOrd="2" destOrd="0" parTransId="{59DF7492-F831-4A41-9DBF-A863285816D7}" sibTransId="{EB6B44AC-7AB4-40A2-AC5F-711AEE692A6B}"/>
+    <dgm:cxn modelId="{F1BAA056-6CB8-42B2-A552-47FF74E31AB2}" type="presOf" srcId="{4BE9C7D6-461A-44C8-B607-EDEF2EA077EC}" destId="{7577EDBA-79C8-47EE-9C48-8258D6199F02}" srcOrd="0" destOrd="4" presId="urn:microsoft.com/office/officeart/2009/3/layout/StepUpProcess"/>
+    <dgm:cxn modelId="{5B05E056-4355-4C9E-8588-F0CD70C6A39D}" type="presOf" srcId="{EE6CC463-806B-49F1-9D27-85973620214C}" destId="{074DB80F-68BF-4581-AF84-D0386B780F14}" srcOrd="0" destOrd="3" presId="urn:microsoft.com/office/officeart/2009/3/layout/StepUpProcess"/>
+    <dgm:cxn modelId="{AD9DED57-426F-4AF7-B9FD-95F1E64433AE}" srcId="{BD10A304-1F73-43DD-9545-9D1E21226479}" destId="{FA66AFF8-B7BF-47D8-920B-4AE5F5CCB30A}" srcOrd="1" destOrd="0" parTransId="{D1FBB999-A92C-469D-A5BC-0B4C22197FEC}" sibTransId="{926B8AE4-2FB8-4F61-8AC4-54E6D434A7F2}"/>
+    <dgm:cxn modelId="{B99C4A80-4DB8-405B-9732-4BE6FAECA59E}" type="presOf" srcId="{97A95825-49E0-4C73-8F5F-F18D87E69E6C}" destId="{C5F5F110-BA5D-47A9-BE05-32B627697E7C}" srcOrd="0" destOrd="3" presId="urn:microsoft.com/office/officeart/2009/3/layout/StepUpProcess"/>
+    <dgm:cxn modelId="{B77C2D82-C179-4C63-AA57-D1DFEEF5A433}" srcId="{BD10A304-1F73-43DD-9545-9D1E21226479}" destId="{13FBA582-C461-4BAD-99B9-26AE7DA54835}" srcOrd="7" destOrd="0" parTransId="{60D8CB22-A372-49CC-84E0-2B2A39EDFCFC}" sibTransId="{47ED8F71-952F-4462-88BC-1BE7EB6F9E7F}"/>
+    <dgm:cxn modelId="{FE883C88-B8CC-4A57-A60C-7CBE3578F379}" type="presOf" srcId="{FCE84D98-F65E-4313-A996-C9B3D7EBDD34}" destId="{170748FF-6039-443C-8193-92C430D0DFAA}" srcOrd="0" destOrd="1" presId="urn:microsoft.com/office/officeart/2009/3/layout/StepUpProcess"/>
+    <dgm:cxn modelId="{A4597088-4B87-4820-81FE-B0BAE363DB15}" type="presOf" srcId="{0CD4120B-D47E-4785-9E77-E9C10337775D}" destId="{074DB80F-68BF-4581-AF84-D0386B780F14}" srcOrd="0" destOrd="6" presId="urn:microsoft.com/office/officeart/2009/3/layout/StepUpProcess"/>
+    <dgm:cxn modelId="{AE93B38B-123E-4548-AF4E-284A6E7104D1}" srcId="{6474E90C-A3F5-4C40-8CEB-46B153A00DEE}" destId="{0010D89C-854E-448B-8127-DA3929F939E8}" srcOrd="0" destOrd="0" parTransId="{0A053686-71FD-4CB5-9AAD-451389B5416F}" sibTransId="{815CBACE-0264-47A5-A415-F84E67CE62D1}"/>
+    <dgm:cxn modelId="{9136108E-BD9C-441B-B53A-14CF87E18AF7}" type="presOf" srcId="{BD10A304-1F73-43DD-9545-9D1E21226479}" destId="{074DB80F-68BF-4581-AF84-D0386B780F14}" srcOrd="0" destOrd="0" presId="urn:microsoft.com/office/officeart/2009/3/layout/StepUpProcess"/>
+    <dgm:cxn modelId="{6E4B2691-D38D-4043-A8AF-A0CF0F7A372D}" type="presOf" srcId="{DA143095-1394-4517-9AD3-54285DD8A43B}" destId="{12426410-9ECE-4540-990B-004F5AD61A12}" srcOrd="0" destOrd="3" presId="urn:microsoft.com/office/officeart/2009/3/layout/StepUpProcess"/>
+    <dgm:cxn modelId="{60232E93-8FB7-41A4-87C7-7EDFDF74BB7A}" type="presOf" srcId="{E951F7F4-3E2F-40F5-BC80-BFE018C1F4DB}" destId="{BE86AFED-F9A0-4F8A-8A27-B836B6B098D1}" srcOrd="0" destOrd="2" presId="urn:microsoft.com/office/officeart/2009/3/layout/StepUpProcess"/>
+    <dgm:cxn modelId="{7915E895-3B0F-42D5-BDE8-26DB43D3BE57}" type="presOf" srcId="{922EFE4D-47F8-46C3-B467-3FB1F4D3DAE7}" destId="{7577EDBA-79C8-47EE-9C48-8258D6199F02}" srcOrd="0" destOrd="1" presId="urn:microsoft.com/office/officeart/2009/3/layout/StepUpProcess"/>
+    <dgm:cxn modelId="{89447D9C-8E4E-4578-9CA2-7AA1F4CE77E7}" type="presOf" srcId="{5461AE26-F7D0-458B-AEB1-88F36C1DCC9B}" destId="{7577EDBA-79C8-47EE-9C48-8258D6199F02}" srcOrd="0" destOrd="3" presId="urn:microsoft.com/office/officeart/2009/3/layout/StepUpProcess"/>
     <dgm:cxn modelId="{F73E479E-5383-4652-83E4-6AAC254B8592}" type="presOf" srcId="{751AAAA0-FD1A-474D-A8CA-BF7C3BFEE3B9}" destId="{12426410-9ECE-4540-990B-004F5AD61A12}" srcOrd="0" destOrd="1" presId="urn:microsoft.com/office/officeart/2009/3/layout/StepUpProcess"/>
-    <dgm:cxn modelId="{D0794A49-4C58-4D75-AD10-20CD20475A2B}" type="presOf" srcId="{A1286503-101C-4D1A-BFA0-02F11B235340}" destId="{074DB80F-68BF-4581-AF84-D0386B780F14}" srcOrd="0" destOrd="4" presId="urn:microsoft.com/office/officeart/2009/3/layout/StepUpProcess"/>
-    <dgm:cxn modelId="{2298BF1B-966E-4966-8AD9-B0EDD901F0B7}" type="presOf" srcId="{E8E0BA16-10CE-416E-9136-84998F596AE2}" destId="{BE86AFED-F9A0-4F8A-8A27-B836B6B098D1}" srcOrd="0" destOrd="1" presId="urn:microsoft.com/office/officeart/2009/3/layout/StepUpProcess"/>
-    <dgm:cxn modelId="{F1BAA056-6CB8-42B2-A552-47FF74E31AB2}" type="presOf" srcId="{4BE9C7D6-461A-44C8-B607-EDEF2EA077EC}" destId="{7577EDBA-79C8-47EE-9C48-8258D6199F02}" srcOrd="0" destOrd="4" presId="urn:microsoft.com/office/officeart/2009/3/layout/StepUpProcess"/>
-    <dgm:cxn modelId="{97CC5824-09CC-465D-AFF4-18B539F9D065}" type="presOf" srcId="{0010D89C-854E-448B-8127-DA3929F939E8}" destId="{5C43E3DF-F0B8-40ED-80D3-88AAF8CEA4CB}" srcOrd="0" destOrd="0" presId="urn:microsoft.com/office/officeart/2009/3/layout/StepUpProcess"/>
+    <dgm:cxn modelId="{FBFD0AA0-9810-4D8B-90EB-308D7010E43E}" type="presOf" srcId="{7E4FA352-9615-4E98-B8A3-FD4448E55B02}" destId="{074DB80F-68BF-4581-AF84-D0386B780F14}" srcOrd="0" destOrd="7" presId="urn:microsoft.com/office/officeart/2009/3/layout/StepUpProcess"/>
+    <dgm:cxn modelId="{D273A2A0-0911-405A-BBA4-F8AC2D4015CC}" type="presOf" srcId="{FA66AFF8-B7BF-47D8-920B-4AE5F5CCB30A}" destId="{074DB80F-68BF-4581-AF84-D0386B780F14}" srcOrd="0" destOrd="2" presId="urn:microsoft.com/office/officeart/2009/3/layout/StepUpProcess"/>
+    <dgm:cxn modelId="{CB71E6A5-97F7-42E4-80D3-DEBCA96FF241}" srcId="{BD10A304-1F73-43DD-9545-9D1E21226479}" destId="{25953BB6-850A-47EF-A2B2-98ACD9BBD186}" srcOrd="0" destOrd="0" parTransId="{A77C307B-DC84-4B4B-B3E4-1E1EAB8380EF}" sibTransId="{85E0FC6C-0E1F-4A68-938D-E103717A4CE3}"/>
     <dgm:cxn modelId="{19BE8CA6-AC47-47AF-B71E-521FD4CFFA24}" srcId="{CE924409-C179-4A2D-B64D-C1667C924238}" destId="{97A95825-49E0-4C73-8F5F-F18D87E69E6C}" srcOrd="2" destOrd="0" parTransId="{043D2A7A-B426-42D5-8E97-E57ABA5CD506}" sibTransId="{ADF8E347-7E86-4DF6-B9F1-F5F0B780096C}"/>
-    <dgm:cxn modelId="{C3A44365-9B22-4CD9-9BF5-55706FA57043}" type="presOf" srcId="{01F32B2A-131E-4E9C-A1D5-1461015E0B2C}" destId="{12426410-9ECE-4540-990B-004F5AD61A12}" srcOrd="0" destOrd="0" presId="urn:microsoft.com/office/officeart/2009/3/layout/StepUpProcess"/>
-    <dgm:cxn modelId="{B99C4A80-4DB8-405B-9732-4BE6FAECA59E}" type="presOf" srcId="{97A95825-49E0-4C73-8F5F-F18D87E69E6C}" destId="{C5F5F110-BA5D-47A9-BE05-32B627697E7C}" srcOrd="0" destOrd="3" presId="urn:microsoft.com/office/officeart/2009/3/layout/StepUpProcess"/>
+    <dgm:cxn modelId="{B970CDA8-6C09-486D-87F3-10BA87CC10C3}" srcId="{9F2B29A3-676C-48AE-825C-3DC60DBF2AE2}" destId="{E951F7F4-3E2F-40F5-BC80-BFE018C1F4DB}" srcOrd="1" destOrd="0" parTransId="{F1248C2D-57B5-4C80-A1CE-5E7E6F471B15}" sibTransId="{4CAFAB52-14FC-433C-948B-9D2D22B128B3}"/>
+    <dgm:cxn modelId="{BD74EBA8-41FF-4F7A-A9BA-3F7D1C992210}" srcId="{BD10A304-1F73-43DD-9545-9D1E21226479}" destId="{CF4F6786-0163-44E8-A7A2-DFEB228CDE01}" srcOrd="4" destOrd="0" parTransId="{E840309A-1748-4175-8942-B0F4A5C27DCF}" sibTransId="{96706024-6147-4AE0-A8D3-2D288121A0CD}"/>
+    <dgm:cxn modelId="{E3A269AE-4240-4AC0-80AC-44E8AA301791}" srcId="{01F32B2A-131E-4E9C-A1D5-1461015E0B2C}" destId="{751AAAA0-FD1A-474D-A8CA-BF7C3BFEE3B9}" srcOrd="0" destOrd="0" parTransId="{53846A0A-0F2A-438C-9E20-486F2C404199}" sibTransId="{80BAE9E0-019A-4BA0-849D-AF902A506F59}"/>
+    <dgm:cxn modelId="{27ACC6B0-7789-4841-9A6F-B22539B9A744}" srcId="{01F32B2A-131E-4E9C-A1D5-1461015E0B2C}" destId="{DA143095-1394-4517-9AD3-54285DD8A43B}" srcOrd="2" destOrd="0" parTransId="{6210CABA-2451-4C98-9705-462D0DB659AE}" sibTransId="{36D015D5-5AD9-461D-832A-6EA994E789B8}"/>
+    <dgm:cxn modelId="{15D482B8-ABBF-4B83-9697-86A32B42E76C}" type="presOf" srcId="{6474E90C-A3F5-4C40-8CEB-46B153A00DEE}" destId="{B8CD9E79-3CCF-4E7E-8116-56B764458029}" srcOrd="0" destOrd="0" presId="urn:microsoft.com/office/officeart/2009/3/layout/StepUpProcess"/>
+    <dgm:cxn modelId="{4E7777BC-B488-4932-A07D-1D8DDA805C99}" type="presOf" srcId="{037EC5A9-860F-45A9-97E8-A8AEEA9BB793}" destId="{7577EDBA-79C8-47EE-9C48-8258D6199F02}" srcOrd="0" destOrd="0" presId="urn:microsoft.com/office/officeart/2009/3/layout/StepUpProcess"/>
     <dgm:cxn modelId="{596440C4-7175-4B94-9C3E-479BC33E36C6}" srcId="{CE924409-C179-4A2D-B64D-C1667C924238}" destId="{1DD8B8D3-226B-49C2-8005-4A91E508846C}" srcOrd="3" destOrd="0" parTransId="{C70B4F40-4E1E-4421-BAC4-7B503CCAF138}" sibTransId="{6E835272-27B6-4018-964C-93E39AD1AD6A}"/>
-    <dgm:cxn modelId="{0BF5620A-B547-450F-9BA4-3A5421A8E374}" srcId="{9F2B29A3-676C-48AE-825C-3DC60DBF2AE2}" destId="{E8E0BA16-10CE-416E-9136-84998F596AE2}" srcOrd="0" destOrd="0" parTransId="{6D3E105B-45E6-424E-B1D5-A553183D47AE}" sibTransId="{B7C06EB8-35FC-4988-9A19-996AFBDCA4DB}"/>
-    <dgm:cxn modelId="{86B4FB07-3C60-4EBD-8E76-5E72C2E0AB90}" srcId="{037EC5A9-860F-45A9-97E8-A8AEEA9BB793}" destId="{266FBCAC-8055-4D37-AE88-C83AA214ACFC}" srcOrd="1" destOrd="0" parTransId="{EF20783E-2A4A-4E1F-8E4B-60244D876521}" sibTransId="{39F87B8E-0C0E-4761-B82F-E2DDCD7410C5}"/>
-    <dgm:cxn modelId="{4A47BA19-6F43-48D7-808A-4FFD39949DC7}" type="presOf" srcId="{B97F914E-93D2-4D63-AE6C-21B1DB78616D}" destId="{C5F5F110-BA5D-47A9-BE05-32B627697E7C}" srcOrd="0" destOrd="2" presId="urn:microsoft.com/office/officeart/2009/3/layout/StepUpProcess"/>
-    <dgm:cxn modelId="{CB71E6A5-97F7-42E4-80D3-DEBCA96FF241}" srcId="{BD10A304-1F73-43DD-9545-9D1E21226479}" destId="{25953BB6-850A-47EF-A2B2-98ACD9BBD186}" srcOrd="0" destOrd="0" parTransId="{A77C307B-DC84-4B4B-B3E4-1E1EAB8380EF}" sibTransId="{85E0FC6C-0E1F-4A68-938D-E103717A4CE3}"/>
+    <dgm:cxn modelId="{8DFF85C7-89BF-4185-A1A8-802B62F42F9F}" type="presOf" srcId="{CF4F6786-0163-44E8-A7A2-DFEB228CDE01}" destId="{074DB80F-68BF-4581-AF84-D0386B780F14}" srcOrd="0" destOrd="5" presId="urn:microsoft.com/office/officeart/2009/3/layout/StepUpProcess"/>
+    <dgm:cxn modelId="{C14F12D1-CD57-46AA-A6D1-2F64C42F76B3}" srcId="{6474E90C-A3F5-4C40-8CEB-46B153A00DEE}" destId="{9299490E-690A-47A2-BF79-343CFAE5FE79}" srcOrd="4" destOrd="0" parTransId="{5519E34E-0331-4FED-B2C5-80A87D5E3315}" sibTransId="{CA92195C-701C-44C3-9ABA-F4B7BC75B593}"/>
+    <dgm:cxn modelId="{15B38CD7-8A1E-468F-8DE6-5AEE996A15FA}" srcId="{6474E90C-A3F5-4C40-8CEB-46B153A00DEE}" destId="{01F32B2A-131E-4E9C-A1D5-1461015E0B2C}" srcOrd="2" destOrd="0" parTransId="{C513A95C-F65A-45F8-BA4C-B38C763C8C9C}" sibTransId="{86B05AE7-D473-4F37-BE51-3CE8676E20FC}"/>
+    <dgm:cxn modelId="{E22326DC-AAAD-429A-BBB8-9CAFD1F3E29A}" srcId="{6474E90C-A3F5-4C40-8CEB-46B153A00DEE}" destId="{BD10A304-1F73-43DD-9545-9D1E21226479}" srcOrd="1" destOrd="0" parTransId="{FF06F63D-4F49-40CC-B0EE-81F5A9E5E354}" sibTransId="{BD5CE1BD-F027-429D-A35F-548BC446F45F}"/>
+    <dgm:cxn modelId="{D6E0EDDD-0A64-4261-A6DE-CF6D90E87EB7}" srcId="{037EC5A9-860F-45A9-97E8-A8AEEA9BB793}" destId="{5461AE26-F7D0-458B-AEB1-88F36C1DCC9B}" srcOrd="2" destOrd="0" parTransId="{395CF524-AC1D-4E72-A1BD-16D8B39E7530}" sibTransId="{47B01F7C-6179-4482-8701-9A07A89D779E}"/>
+    <dgm:cxn modelId="{D0D5B7E0-C92C-4B9E-9816-357ED6E27279}" type="presOf" srcId="{13FBA582-C461-4BAD-99B9-26AE7DA54835}" destId="{074DB80F-68BF-4581-AF84-D0386B780F14}" srcOrd="0" destOrd="8" presId="urn:microsoft.com/office/officeart/2009/3/layout/StepUpProcess"/>
+    <dgm:cxn modelId="{88F9E9EF-7EC7-41F2-B426-2BA2B98415A5}" srcId="{9299490E-690A-47A2-BF79-343CFAE5FE79}" destId="{FCE84D98-F65E-4313-A996-C9B3D7EBDD34}" srcOrd="0" destOrd="0" parTransId="{87D56A33-4A12-4823-BB95-BF0B8AD83D55}" sibTransId="{D77242C3-146A-4E7E-896D-2903DB57AA5F}"/>
     <dgm:cxn modelId="{43B400F0-125B-45F3-9730-F32F17E195DA}" srcId="{BD10A304-1F73-43DD-9545-9D1E21226479}" destId="{7E4FA352-9615-4E98-B8A3-FD4448E55B02}" srcOrd="6" destOrd="0" parTransId="{E9B88198-E08C-4D72-9544-96832FE5773B}" sibTransId="{DFA308B2-D334-4058-86F6-4B030916BD87}"/>
-    <dgm:cxn modelId="{0258DA0D-C91C-443D-81F4-7B6A5C31306D}" type="presOf" srcId="{9F2B29A3-676C-48AE-825C-3DC60DBF2AE2}" destId="{BE86AFED-F9A0-4F8A-8A27-B836B6B098D1}" srcOrd="0" destOrd="0" presId="urn:microsoft.com/office/officeart/2009/3/layout/StepUpProcess"/>
-    <dgm:cxn modelId="{AD9DED57-426F-4AF7-B9FD-95F1E64433AE}" srcId="{BD10A304-1F73-43DD-9545-9D1E21226479}" destId="{FA66AFF8-B7BF-47D8-920B-4AE5F5CCB30A}" srcOrd="1" destOrd="0" parTransId="{D1FBB999-A92C-469D-A5BC-0B4C22197FEC}" sibTransId="{926B8AE4-2FB8-4F61-8AC4-54E6D434A7F2}"/>
-    <dgm:cxn modelId="{63E1B369-A07A-4AF4-8ACA-6D0289E80719}" srcId="{6474E90C-A3F5-4C40-8CEB-46B153A00DEE}" destId="{037EC5A9-860F-45A9-97E8-A8AEEA9BB793}" srcOrd="6" destOrd="0" parTransId="{965C5703-C172-43BA-A947-D2654C3E41F8}" sibTransId="{C02B8F31-CDDD-4163-8613-368B89AB05F2}"/>
-    <dgm:cxn modelId="{082AE83C-0F42-43B0-BB02-A36D712BAF7A}" srcId="{BD10A304-1F73-43DD-9545-9D1E21226479}" destId="{0CD4120B-D47E-4785-9E77-E9C10337775D}" srcOrd="5" destOrd="0" parTransId="{775394F6-A4A9-4424-A0E8-6D46946F5B58}" sibTransId="{5E9CC7AC-8D8C-4DFA-A2B9-17F05C5AB103}"/>
-    <dgm:cxn modelId="{D273A2A0-0911-405A-BBA4-F8AC2D4015CC}" type="presOf" srcId="{FA66AFF8-B7BF-47D8-920B-4AE5F5CCB30A}" destId="{074DB80F-68BF-4581-AF84-D0386B780F14}" srcOrd="0" destOrd="2" presId="urn:microsoft.com/office/officeart/2009/3/layout/StepUpProcess"/>
-    <dgm:cxn modelId="{FE883C88-B8CC-4A57-A60C-7CBE3578F379}" type="presOf" srcId="{FCE84D98-F65E-4313-A996-C9B3D7EBDD34}" destId="{170748FF-6039-443C-8193-92C430D0DFAA}" srcOrd="0" destOrd="1" presId="urn:microsoft.com/office/officeart/2009/3/layout/StepUpProcess"/>
-    <dgm:cxn modelId="{4E7777BC-B488-4932-A07D-1D8DDA805C99}" type="presOf" srcId="{037EC5A9-860F-45A9-97E8-A8AEEA9BB793}" destId="{7577EDBA-79C8-47EE-9C48-8258D6199F02}" srcOrd="0" destOrd="0" presId="urn:microsoft.com/office/officeart/2009/3/layout/StepUpProcess"/>
-    <dgm:cxn modelId="{B77C2D82-C179-4C63-AA57-D1DFEEF5A433}" srcId="{BD10A304-1F73-43DD-9545-9D1E21226479}" destId="{13FBA582-C461-4BAD-99B9-26AE7DA54835}" srcOrd="7" destOrd="0" parTransId="{60D8CB22-A372-49CC-84E0-2B2A39EDFCFC}" sibTransId="{47ED8F71-952F-4462-88BC-1BE7EB6F9E7F}"/>
-    <dgm:cxn modelId="{61DE9222-ED43-4411-A227-A9576786E346}" srcId="{6474E90C-A3F5-4C40-8CEB-46B153A00DEE}" destId="{9F2B29A3-676C-48AE-825C-3DC60DBF2AE2}" srcOrd="3" destOrd="0" parTransId="{3B7E9C7A-3EA1-4A88-A8B1-9E17FD1DBB3E}" sibTransId="{05F740F7-02EF-46A6-BCD4-1932D8C87C34}"/>
-    <dgm:cxn modelId="{15D482B8-ABBF-4B83-9697-86A32B42E76C}" type="presOf" srcId="{6474E90C-A3F5-4C40-8CEB-46B153A00DEE}" destId="{B8CD9E79-3CCF-4E7E-8116-56B764458029}" srcOrd="0" destOrd="0" presId="urn:microsoft.com/office/officeart/2009/3/layout/StepUpProcess"/>
-    <dgm:cxn modelId="{7915E895-3B0F-42D5-BDE8-26DB43D3BE57}" type="presOf" srcId="{922EFE4D-47F8-46C3-B467-3FB1F4D3DAE7}" destId="{7577EDBA-79C8-47EE-9C48-8258D6199F02}" srcOrd="0" destOrd="1" presId="urn:microsoft.com/office/officeart/2009/3/layout/StepUpProcess"/>
-    <dgm:cxn modelId="{9136108E-BD9C-441B-B53A-14CF87E18AF7}" type="presOf" srcId="{BD10A304-1F73-43DD-9545-9D1E21226479}" destId="{074DB80F-68BF-4581-AF84-D0386B780F14}" srcOrd="0" destOrd="0" presId="urn:microsoft.com/office/officeart/2009/3/layout/StepUpProcess"/>
-    <dgm:cxn modelId="{6C885D36-EA41-4E3E-AB2F-530415C94F72}" type="presOf" srcId="{2E844D7E-8FE8-4447-9546-5BF641386BE4}" destId="{BE86AFED-F9A0-4F8A-8A27-B836B6B098D1}" srcOrd="0" destOrd="3" presId="urn:microsoft.com/office/officeart/2009/3/layout/StepUpProcess"/>
-    <dgm:cxn modelId="{C896745D-32AB-4630-A4C9-46AE35CAEA16}" type="presOf" srcId="{CE924409-C179-4A2D-B64D-C1667C924238}" destId="{C5F5F110-BA5D-47A9-BE05-32B627697E7C}" srcOrd="0" destOrd="0" presId="urn:microsoft.com/office/officeart/2009/3/layout/StepUpProcess"/>
-    <dgm:cxn modelId="{B970CDA8-6C09-486D-87F3-10BA87CC10C3}" srcId="{9F2B29A3-676C-48AE-825C-3DC60DBF2AE2}" destId="{E951F7F4-3E2F-40F5-BC80-BFE018C1F4DB}" srcOrd="1" destOrd="0" parTransId="{F1248C2D-57B5-4C80-A1CE-5E7E6F471B15}" sibTransId="{4CAFAB52-14FC-433C-948B-9D2D22B128B3}"/>
-    <dgm:cxn modelId="{AE93B38B-123E-4548-AF4E-284A6E7104D1}" srcId="{6474E90C-A3F5-4C40-8CEB-46B153A00DEE}" destId="{0010D89C-854E-448B-8127-DA3929F939E8}" srcOrd="0" destOrd="0" parTransId="{0A053686-71FD-4CB5-9AAD-451389B5416F}" sibTransId="{815CBACE-0264-47A5-A415-F84E67CE62D1}"/>
-    <dgm:cxn modelId="{5B05E056-4355-4C9E-8588-F0CD70C6A39D}" type="presOf" srcId="{EE6CC463-806B-49F1-9D27-85973620214C}" destId="{074DB80F-68BF-4581-AF84-D0386B780F14}" srcOrd="0" destOrd="3" presId="urn:microsoft.com/office/officeart/2009/3/layout/StepUpProcess"/>
-    <dgm:cxn modelId="{FBFD0AA0-9810-4D8B-90EB-308D7010E43E}" type="presOf" srcId="{7E4FA352-9615-4E98-B8A3-FD4448E55B02}" destId="{074DB80F-68BF-4581-AF84-D0386B780F14}" srcOrd="0" destOrd="7" presId="urn:microsoft.com/office/officeart/2009/3/layout/StepUpProcess"/>
-    <dgm:cxn modelId="{15B38CD7-8A1E-468F-8DE6-5AEE996A15FA}" srcId="{6474E90C-A3F5-4C40-8CEB-46B153A00DEE}" destId="{01F32B2A-131E-4E9C-A1D5-1461015E0B2C}" srcOrd="2" destOrd="0" parTransId="{C513A95C-F65A-45F8-BA4C-B38C763C8C9C}" sibTransId="{86B05AE7-D473-4F37-BE51-3CE8676E20FC}"/>
+    <dgm:cxn modelId="{F4F9CAF1-01F4-4AB6-9EC0-6D602469B096}" srcId="{CE924409-C179-4A2D-B64D-C1667C924238}" destId="{B97F914E-93D2-4D63-AE6C-21B1DB78616D}" srcOrd="1" destOrd="0" parTransId="{0665C497-B18A-4EDC-93C5-AC6876B09A17}" sibTransId="{8189EBEF-3309-4294-8D03-6642E2CD037A}"/>
+    <dgm:cxn modelId="{CD848CF2-E4A3-45DB-B9BB-FBC287BDE59C}" type="presOf" srcId="{2EBE0A9F-2B2E-4C90-ACF1-A3020FD7B251}" destId="{C5F5F110-BA5D-47A9-BE05-32B627697E7C}" srcOrd="0" destOrd="1" presId="urn:microsoft.com/office/officeart/2009/3/layout/StepUpProcess"/>
     <dgm:cxn modelId="{8E4ADBF6-7252-48FC-8390-A3990FA1EF4B}" srcId="{01F32B2A-131E-4E9C-A1D5-1461015E0B2C}" destId="{8E0C9345-2A16-4BE3-8E86-AA4D49067A7F}" srcOrd="1" destOrd="0" parTransId="{14FAA190-32F9-42BB-A65D-2307C322D396}" sibTransId="{927B7B74-25E4-436C-ADF8-AEE73E6E8340}"/>
-    <dgm:cxn modelId="{88F9E9EF-7EC7-41F2-B426-2BA2B98415A5}" srcId="{9299490E-690A-47A2-BF79-343CFAE5FE79}" destId="{FCE84D98-F65E-4313-A996-C9B3D7EBDD34}" srcOrd="0" destOrd="0" parTransId="{87D56A33-4A12-4823-BB95-BF0B8AD83D55}" sibTransId="{D77242C3-146A-4E7E-896D-2903DB57AA5F}"/>
-    <dgm:cxn modelId="{D5D9D066-03C7-499E-BC25-10844D15C44B}" type="presOf" srcId="{8E0C9345-2A16-4BE3-8E86-AA4D49067A7F}" destId="{12426410-9ECE-4540-990B-004F5AD61A12}" srcOrd="0" destOrd="2" presId="urn:microsoft.com/office/officeart/2009/3/layout/StepUpProcess"/>
-    <dgm:cxn modelId="{CD848CF2-E4A3-45DB-B9BB-FBC287BDE59C}" type="presOf" srcId="{2EBE0A9F-2B2E-4C90-ACF1-A3020FD7B251}" destId="{C5F5F110-BA5D-47A9-BE05-32B627697E7C}" srcOrd="0" destOrd="1" presId="urn:microsoft.com/office/officeart/2009/3/layout/StepUpProcess"/>
-    <dgm:cxn modelId="{3FDD9922-917A-4B8C-8227-A2B10608F731}" type="presOf" srcId="{25953BB6-850A-47EF-A2B2-98ACD9BBD186}" destId="{074DB80F-68BF-4581-AF84-D0386B780F14}" srcOrd="0" destOrd="1" presId="urn:microsoft.com/office/officeart/2009/3/layout/StepUpProcess"/>
-    <dgm:cxn modelId="{6CD03455-961E-4C9D-A840-748AA20E2BAB}" srcId="{BD10A304-1F73-43DD-9545-9D1E21226479}" destId="{EE6CC463-806B-49F1-9D27-85973620214C}" srcOrd="2" destOrd="0" parTransId="{EDB78E5F-2374-4BE3-9191-627E4C1A88C2}" sibTransId="{CD35F4D9-030E-448B-8470-FAEF90CD08CD}"/>
-    <dgm:cxn modelId="{323DD34C-9266-49AD-83BA-374612208AEC}" srcId="{037EC5A9-860F-45A9-97E8-A8AEEA9BB793}" destId="{4BE9C7D6-461A-44C8-B607-EDEF2EA077EC}" srcOrd="3" destOrd="0" parTransId="{21ED4C84-2CAB-47DE-B1D0-EEEEB48B552F}" sibTransId="{A31ACD74-4C55-4E1B-8BF0-1A889A0EBBCF}"/>
-    <dgm:cxn modelId="{26B98641-5BB7-468A-A496-259B5263EB31}" srcId="{037EC5A9-860F-45A9-97E8-A8AEEA9BB793}" destId="{922EFE4D-47F8-46C3-B467-3FB1F4D3DAE7}" srcOrd="0" destOrd="0" parTransId="{B562972B-83BB-4C51-AE66-6611FC0484BC}" sibTransId="{A1353CEC-4052-4C7C-A1D4-61FF73AD4BF3}"/>
-    <dgm:cxn modelId="{C14F12D1-CD57-46AA-A6D1-2F64C42F76B3}" srcId="{6474E90C-A3F5-4C40-8CEB-46B153A00DEE}" destId="{9299490E-690A-47A2-BF79-343CFAE5FE79}" srcOrd="4" destOrd="0" parTransId="{5519E34E-0331-4FED-B2C5-80A87D5E3315}" sibTransId="{CA92195C-701C-44C3-9ABA-F4B7BC75B593}"/>
-    <dgm:cxn modelId="{44E7C80A-C63B-4697-BEEC-F40FE819AFB5}" type="presOf" srcId="{1DD8B8D3-226B-49C2-8005-4A91E508846C}" destId="{C5F5F110-BA5D-47A9-BE05-32B627697E7C}" srcOrd="0" destOrd="4" presId="urn:microsoft.com/office/officeart/2009/3/layout/StepUpProcess"/>
-    <dgm:cxn modelId="{714F4B39-6556-4C0C-A8F4-1AFFCBBC1CCF}" srcId="{CE924409-C179-4A2D-B64D-C1667C924238}" destId="{2EBE0A9F-2B2E-4C90-ACF1-A3020FD7B251}" srcOrd="0" destOrd="0" parTransId="{1C17A13E-522B-472E-B60D-ED0B56F458C9}" sibTransId="{0B787E35-75DD-415C-8C78-69DFE5BDD12D}"/>
-    <dgm:cxn modelId="{796A9A11-4EE8-4CB6-A640-23509BC79688}" srcId="{BD10A304-1F73-43DD-9545-9D1E21226479}" destId="{A1286503-101C-4D1A-BFA0-02F11B235340}" srcOrd="3" destOrd="0" parTransId="{A09C0865-2C33-4203-A575-3FB8B0463913}" sibTransId="{26949491-263A-4D5F-B058-36C67CBF157A}"/>
-    <dgm:cxn modelId="{F4F9CAF1-01F4-4AB6-9EC0-6D602469B096}" srcId="{CE924409-C179-4A2D-B64D-C1667C924238}" destId="{B97F914E-93D2-4D63-AE6C-21B1DB78616D}" srcOrd="1" destOrd="0" parTransId="{0665C497-B18A-4EDC-93C5-AC6876B09A17}" sibTransId="{8189EBEF-3309-4294-8D03-6642E2CD037A}"/>
-    <dgm:cxn modelId="{CF4C2B66-FD39-45E9-BE5C-B464C37250E9}" type="presOf" srcId="{266FBCAC-8055-4D37-AE88-C83AA214ACFC}" destId="{7577EDBA-79C8-47EE-9C48-8258D6199F02}" srcOrd="0" destOrd="2" presId="urn:microsoft.com/office/officeart/2009/3/layout/StepUpProcess"/>
-    <dgm:cxn modelId="{89447D9C-8E4E-4578-9CA2-7AA1F4CE77E7}" type="presOf" srcId="{5461AE26-F7D0-458B-AEB1-88F36C1DCC9B}" destId="{7577EDBA-79C8-47EE-9C48-8258D6199F02}" srcOrd="0" destOrd="3" presId="urn:microsoft.com/office/officeart/2009/3/layout/StepUpProcess"/>
-    <dgm:cxn modelId="{BD74EBA8-41FF-4F7A-A9BA-3F7D1C992210}" srcId="{BD10A304-1F73-43DD-9545-9D1E21226479}" destId="{CF4F6786-0163-44E8-A7A2-DFEB228CDE01}" srcOrd="4" destOrd="0" parTransId="{E840309A-1748-4175-8942-B0F4A5C27DCF}" sibTransId="{96706024-6147-4AE0-A8D3-2D288121A0CD}"/>
-    <dgm:cxn modelId="{E22326DC-AAAD-429A-BBB8-9CAFD1F3E29A}" srcId="{6474E90C-A3F5-4C40-8CEB-46B153A00DEE}" destId="{BD10A304-1F73-43DD-9545-9D1E21226479}" srcOrd="1" destOrd="0" parTransId="{FF06F63D-4F49-40CC-B0EE-81F5A9E5E354}" sibTransId="{BD5CE1BD-F027-429D-A35F-548BC446F45F}"/>
-    <dgm:cxn modelId="{C5E55304-620F-404E-82A8-9A6F75606ECF}" type="presOf" srcId="{9299490E-690A-47A2-BF79-343CFAE5FE79}" destId="{170748FF-6039-443C-8193-92C430D0DFAA}" srcOrd="0" destOrd="0" presId="urn:microsoft.com/office/officeart/2009/3/layout/StepUpProcess"/>
-    <dgm:cxn modelId="{60232E93-8FB7-41A4-87C7-7EDFDF74BB7A}" type="presOf" srcId="{E951F7F4-3E2F-40F5-BC80-BFE018C1F4DB}" destId="{BE86AFED-F9A0-4F8A-8A27-B836B6B098D1}" srcOrd="0" destOrd="2" presId="urn:microsoft.com/office/officeart/2009/3/layout/StepUpProcess"/>
-    <dgm:cxn modelId="{E3A269AE-4240-4AC0-80AC-44E8AA301791}" srcId="{01F32B2A-131E-4E9C-A1D5-1461015E0B2C}" destId="{751AAAA0-FD1A-474D-A8CA-BF7C3BFEE3B9}" srcOrd="0" destOrd="0" parTransId="{53846A0A-0F2A-438C-9E20-486F2C404199}" sibTransId="{80BAE9E0-019A-4BA0-849D-AF902A506F59}"/>
-    <dgm:cxn modelId="{A4597088-4B87-4820-81FE-B0BAE363DB15}" type="presOf" srcId="{0CD4120B-D47E-4785-9E77-E9C10337775D}" destId="{074DB80F-68BF-4581-AF84-D0386B780F14}" srcOrd="0" destOrd="6" presId="urn:microsoft.com/office/officeart/2009/3/layout/StepUpProcess"/>
-    <dgm:cxn modelId="{6E4B2691-D38D-4043-A8AF-A0CF0F7A372D}" type="presOf" srcId="{DA143095-1394-4517-9AD3-54285DD8A43B}" destId="{12426410-9ECE-4540-990B-004F5AD61A12}" srcOrd="0" destOrd="3" presId="urn:microsoft.com/office/officeart/2009/3/layout/StepUpProcess"/>
-    <dgm:cxn modelId="{D6E0EDDD-0A64-4261-A6DE-CF6D90E87EB7}" srcId="{037EC5A9-860F-45A9-97E8-A8AEEA9BB793}" destId="{5461AE26-F7D0-458B-AEB1-88F36C1DCC9B}" srcOrd="2" destOrd="0" parTransId="{395CF524-AC1D-4E72-A1BD-16D8B39E7530}" sibTransId="{47B01F7C-6179-4482-8701-9A07A89D779E}"/>
-    <dgm:cxn modelId="{8DFF85C7-89BF-4185-A1A8-802B62F42F9F}" type="presOf" srcId="{CF4F6786-0163-44E8-A7A2-DFEB228CDE01}" destId="{074DB80F-68BF-4581-AF84-D0386B780F14}" srcOrd="0" destOrd="5" presId="urn:microsoft.com/office/officeart/2009/3/layout/StepUpProcess"/>
-    <dgm:cxn modelId="{D0D5B7E0-C92C-4B9E-9816-357ED6E27279}" type="presOf" srcId="{13FBA582-C461-4BAD-99B9-26AE7DA54835}" destId="{074DB80F-68BF-4581-AF84-D0386B780F14}" srcOrd="0" destOrd="8" presId="urn:microsoft.com/office/officeart/2009/3/layout/StepUpProcess"/>
-    <dgm:cxn modelId="{27ACC6B0-7789-4841-9A6F-B22539B9A744}" srcId="{01F32B2A-131E-4E9C-A1D5-1461015E0B2C}" destId="{DA143095-1394-4517-9AD3-54285DD8A43B}" srcOrd="2" destOrd="0" parTransId="{6210CABA-2451-4C98-9705-462D0DB659AE}" sibTransId="{36D015D5-5AD9-461D-832A-6EA994E789B8}"/>
-    <dgm:cxn modelId="{40F0A875-0765-4769-8E84-FF710BEDC598}" srcId="{9F2B29A3-676C-48AE-825C-3DC60DBF2AE2}" destId="{2E844D7E-8FE8-4447-9546-5BF641386BE4}" srcOrd="2" destOrd="0" parTransId="{59DF7492-F831-4A41-9DBF-A863285816D7}" sibTransId="{EB6B44AC-7AB4-40A2-AC5F-711AEE692A6B}"/>
     <dgm:cxn modelId="{52184B58-EAFF-42F7-AE45-073BF2481115}" type="presParOf" srcId="{B8CD9E79-3CCF-4E7E-8116-56B764458029}" destId="{CFBD1DC5-E9B3-4ADF-B430-C3CC6449018F}" srcOrd="0" destOrd="0" presId="urn:microsoft.com/office/officeart/2009/3/layout/StepUpProcess"/>
     <dgm:cxn modelId="{61589B01-A5E3-48B5-8D24-595BCF134110}" type="presParOf" srcId="{CFBD1DC5-E9B3-4ADF-B430-C3CC6449018F}" destId="{96BAAB4C-475F-4B8D-8BB8-95B0A9B849EF}" srcOrd="0" destOrd="0" presId="urn:microsoft.com/office/officeart/2009/3/layout/StepUpProcess"/>
     <dgm:cxn modelId="{8480CCCD-A33E-4D6C-AD5C-9B6944EF7FAD}" type="presParOf" srcId="{CFBD1DC5-E9B3-4ADF-B430-C3CC6449018F}" destId="{5C43E3DF-F0B8-40ED-80D3-88AAF8CEA4CB}" srcOrd="1" destOrd="0" presId="urn:microsoft.com/office/officeart/2009/3/layout/StepUpProcess"/>
@@ -2594,7 +2547,7 @@
         </a:bodyPr>
         <a:lstStyle/>
         <a:p>
-          <a:pPr lvl="0" algn="l" defTabSz="488950">
+          <a:pPr marL="0" lvl="0" indent="0" algn="l" defTabSz="488950">
             <a:lnSpc>
               <a:spcPct val="90000"/>
             </a:lnSpc>
@@ -2604,6 +2557,7 @@
             <a:spcAft>
               <a:spcPct val="35000"/>
             </a:spcAft>
+            <a:buNone/>
           </a:pPr>
           <a:r>
             <a:rPr lang="en-US" sz="1100" b="1" kern="1200" dirty="0">
@@ -2832,7 +2786,7 @@
         </a:bodyPr>
         <a:lstStyle/>
         <a:p>
-          <a:pPr lvl="0" algn="l" defTabSz="488950">
+          <a:pPr marL="0" lvl="0" indent="0" algn="l" defTabSz="488950">
             <a:lnSpc>
               <a:spcPct val="90000"/>
             </a:lnSpc>
@@ -2842,6 +2796,7 @@
             <a:spcAft>
               <a:spcPct val="35000"/>
             </a:spcAft>
+            <a:buNone/>
           </a:pPr>
           <a:r>
             <a:rPr lang="en-US" sz="1100" b="1" kern="1200" dirty="0">
@@ -2861,7 +2816,7 @@
             <a:spcAft>
               <a:spcPct val="15000"/>
             </a:spcAft>
-            <a:buChar char="••"/>
+            <a:buChar char="•"/>
           </a:pPr>
           <a:r>
             <a:rPr lang="en-US" sz="1100" b="0" kern="1200" dirty="0">
@@ -2881,7 +2836,7 @@
             <a:spcAft>
               <a:spcPct val="15000"/>
             </a:spcAft>
-            <a:buChar char="••"/>
+            <a:buChar char="•"/>
           </a:pPr>
           <a:r>
             <a:rPr lang="en-US" sz="1100" b="0" kern="1200" dirty="0">
@@ -2901,7 +2856,7 @@
             <a:spcAft>
               <a:spcPct val="15000"/>
             </a:spcAft>
-            <a:buChar char="••"/>
+            <a:buChar char="•"/>
           </a:pPr>
           <a:r>
             <a:rPr lang="en-US" sz="1100" b="0" kern="1200" dirty="0">
@@ -2921,7 +2876,7 @@
             <a:spcAft>
               <a:spcPct val="15000"/>
             </a:spcAft>
-            <a:buChar char="••"/>
+            <a:buChar char="•"/>
           </a:pPr>
           <a:r>
             <a:rPr lang="en-US" sz="1100" b="0" kern="1200" dirty="0">
@@ -2941,7 +2896,7 @@
             <a:spcAft>
               <a:spcPct val="15000"/>
             </a:spcAft>
-            <a:buChar char="••"/>
+            <a:buChar char="•"/>
           </a:pPr>
           <a:r>
             <a:rPr lang="en-US" sz="1100" b="0" kern="1200" dirty="0">
@@ -2961,7 +2916,7 @@
             <a:spcAft>
               <a:spcPct val="15000"/>
             </a:spcAft>
-            <a:buChar char="••"/>
+            <a:buChar char="•"/>
           </a:pPr>
           <a:r>
             <a:rPr lang="en-US" sz="1100" b="0" kern="1200" dirty="0">
@@ -2981,7 +2936,7 @@
             <a:spcAft>
               <a:spcPct val="15000"/>
             </a:spcAft>
-            <a:buChar char="••"/>
+            <a:buChar char="•"/>
           </a:pPr>
           <a:r>
             <a:rPr lang="en-US" sz="1100" b="0" kern="1200" dirty="0">
@@ -3001,7 +2956,7 @@
             <a:spcAft>
               <a:spcPct val="15000"/>
             </a:spcAft>
-            <a:buChar char="••"/>
+            <a:buChar char="•"/>
           </a:pPr>
           <a:r>
             <a:rPr lang="en-US" sz="1100" b="0" kern="1200" dirty="0">
@@ -3230,7 +3185,7 @@
         </a:bodyPr>
         <a:lstStyle/>
         <a:p>
-          <a:pPr lvl="0" algn="l" defTabSz="488950">
+          <a:pPr marL="0" lvl="0" indent="0" algn="l" defTabSz="488950">
             <a:lnSpc>
               <a:spcPct val="90000"/>
             </a:lnSpc>
@@ -3240,6 +3195,7 @@
             <a:spcAft>
               <a:spcPct val="35000"/>
             </a:spcAft>
+            <a:buNone/>
           </a:pPr>
           <a:r>
             <a:rPr lang="en-US" sz="1100" b="1" kern="1200" dirty="0">
@@ -3259,7 +3215,7 @@
             <a:spcAft>
               <a:spcPct val="15000"/>
             </a:spcAft>
-            <a:buChar char="••"/>
+            <a:buChar char="•"/>
           </a:pPr>
           <a:r>
             <a:rPr lang="en-US" sz="1100" b="0" kern="1200" dirty="0">
@@ -3279,7 +3235,7 @@
             <a:spcAft>
               <a:spcPct val="15000"/>
             </a:spcAft>
-            <a:buChar char="••"/>
+            <a:buChar char="•"/>
           </a:pPr>
           <a:r>
             <a:rPr lang="en-US" sz="1100" b="0" kern="1200" dirty="0">
@@ -3299,7 +3255,7 @@
             <a:spcAft>
               <a:spcPct val="15000"/>
             </a:spcAft>
-            <a:buChar char="••"/>
+            <a:buChar char="•"/>
           </a:pPr>
           <a:r>
             <a:rPr lang="en-US" sz="1100" b="0" kern="1200">
@@ -3531,7 +3487,7 @@
         </a:bodyPr>
         <a:lstStyle/>
         <a:p>
-          <a:pPr lvl="0" algn="l" defTabSz="488950">
+          <a:pPr marL="0" lvl="0" indent="0" algn="l" defTabSz="488950">
             <a:lnSpc>
               <a:spcPct val="90000"/>
             </a:lnSpc>
@@ -3541,6 +3497,7 @@
             <a:spcAft>
               <a:spcPct val="35000"/>
             </a:spcAft>
+            <a:buNone/>
           </a:pPr>
           <a:r>
             <a:rPr lang="en-US" sz="1100" b="1" kern="1200" dirty="0">
@@ -3560,7 +3517,7 @@
             <a:spcAft>
               <a:spcPct val="15000"/>
             </a:spcAft>
-            <a:buChar char="••"/>
+            <a:buChar char="•"/>
           </a:pPr>
           <a:r>
             <a:rPr lang="en-US" sz="1100" b="0" kern="1200" dirty="0">
@@ -3580,7 +3537,7 @@
             <a:spcAft>
               <a:spcPct val="15000"/>
             </a:spcAft>
-            <a:buChar char="••"/>
+            <a:buChar char="•"/>
           </a:pPr>
           <a:r>
             <a:rPr lang="en-US" sz="1100" b="0" kern="1200" dirty="0">
@@ -3600,7 +3557,7 @@
             <a:spcAft>
               <a:spcPct val="15000"/>
             </a:spcAft>
-            <a:buChar char="••"/>
+            <a:buChar char="•"/>
           </a:pPr>
           <a:r>
             <a:rPr lang="en-US" sz="1100" b="0" kern="1200" dirty="0">
@@ -3829,7 +3786,7 @@
         </a:bodyPr>
         <a:lstStyle/>
         <a:p>
-          <a:pPr lvl="0" algn="l" defTabSz="488950">
+          <a:pPr marL="0" lvl="0" indent="0" algn="l" defTabSz="488950">
             <a:lnSpc>
               <a:spcPct val="90000"/>
             </a:lnSpc>
@@ -3839,6 +3796,7 @@
             <a:spcAft>
               <a:spcPct val="35000"/>
             </a:spcAft>
+            <a:buNone/>
           </a:pPr>
           <a:r>
             <a:rPr lang="en-US" sz="1100" b="1" kern="1200" dirty="0">
@@ -3858,7 +3816,7 @@
             <a:spcAft>
               <a:spcPct val="15000"/>
             </a:spcAft>
-            <a:buChar char="••"/>
+            <a:buChar char="•"/>
           </a:pPr>
           <a:r>
             <a:rPr lang="en-US" sz="1100" b="0" kern="1200" dirty="0">
@@ -4087,7 +4045,7 @@
         </a:bodyPr>
         <a:lstStyle/>
         <a:p>
-          <a:pPr lvl="0" algn="l" defTabSz="488950">
+          <a:pPr marL="0" lvl="0" indent="0" algn="l" defTabSz="488950">
             <a:lnSpc>
               <a:spcPct val="90000"/>
             </a:lnSpc>
@@ -4097,6 +4055,7 @@
             <a:spcAft>
               <a:spcPct val="35000"/>
             </a:spcAft>
+            <a:buNone/>
           </a:pPr>
           <a:r>
             <a:rPr lang="en-US" sz="1100" b="1" kern="1200" dirty="0">
@@ -4116,7 +4075,7 @@
             <a:spcAft>
               <a:spcPct val="15000"/>
             </a:spcAft>
-            <a:buChar char="••"/>
+            <a:buChar char="•"/>
           </a:pPr>
           <a:r>
             <a:rPr lang="en-US" sz="1100" b="0" kern="1200" dirty="0">
@@ -4136,7 +4095,7 @@
             <a:spcAft>
               <a:spcPct val="15000"/>
             </a:spcAft>
-            <a:buChar char="••"/>
+            <a:buChar char="•"/>
           </a:pPr>
           <a:r>
             <a:rPr lang="en-US" sz="1100" b="0" kern="1200" dirty="0">
@@ -4156,7 +4115,7 @@
             <a:spcAft>
               <a:spcPct val="15000"/>
             </a:spcAft>
-            <a:buChar char="••"/>
+            <a:buChar char="•"/>
           </a:pPr>
           <a:r>
             <a:rPr lang="en-US" sz="1100" b="0" kern="1200">
@@ -4179,7 +4138,7 @@
             <a:spcAft>
               <a:spcPct val="15000"/>
             </a:spcAft>
-            <a:buChar char="••"/>
+            <a:buChar char="•"/>
           </a:pPr>
           <a:endParaRPr lang="en-US" sz="1100" b="0" kern="1200" dirty="0">
             <a:solidFill>
@@ -4408,7 +4367,7 @@
         </a:bodyPr>
         <a:lstStyle/>
         <a:p>
-          <a:pPr lvl="0" algn="l" defTabSz="488950">
+          <a:pPr marL="0" lvl="0" indent="0" algn="l" defTabSz="488950">
             <a:lnSpc>
               <a:spcPct val="90000"/>
             </a:lnSpc>
@@ -4418,6 +4377,7 @@
             <a:spcAft>
               <a:spcPct val="35000"/>
             </a:spcAft>
+            <a:buNone/>
           </a:pPr>
           <a:r>
             <a:rPr lang="en-US" sz="1100" b="1" kern="1200" dirty="0">
@@ -4437,7 +4397,7 @@
             <a:spcAft>
               <a:spcPct val="15000"/>
             </a:spcAft>
-            <a:buChar char="••"/>
+            <a:buChar char="•"/>
           </a:pPr>
           <a:r>
             <a:rPr lang="en-US" sz="1100" b="0" kern="1200" dirty="0">
@@ -4457,7 +4417,7 @@
             <a:spcAft>
               <a:spcPct val="15000"/>
             </a:spcAft>
-            <a:buChar char="••"/>
+            <a:buChar char="•"/>
           </a:pPr>
           <a:r>
             <a:rPr lang="en-US" sz="1100" b="0" kern="1200" dirty="0">
@@ -4477,7 +4437,7 @@
             <a:spcAft>
               <a:spcPct val="15000"/>
             </a:spcAft>
-            <a:buChar char="••"/>
+            <a:buChar char="•"/>
           </a:pPr>
           <a:r>
             <a:rPr lang="en-US" sz="1100" b="0" kern="1200" dirty="0">
@@ -4497,7 +4457,7 @@
             <a:spcAft>
               <a:spcPct val="15000"/>
             </a:spcAft>
-            <a:buChar char="••"/>
+            <a:buChar char="•"/>
           </a:pPr>
           <a:r>
             <a:rPr lang="en-US" sz="1100" b="0" kern="1200" dirty="0">
@@ -6324,27 +6284,18 @@
           <a:bodyPr/>
           <a:lstStyle/>
           <a:p>
-            <a:fld id="{795E7D87-CD48-43C8-A7EA-8D4BB480ED50}" type="slidenum">
-              <a:rPr lang="en-US" smtClean="0">
-                <a:solidFill>
-                  <a:prstClr val="black"/>
-                </a:solidFill>
-              </a:rPr>
-              <a:pPr/>
-              <a:t>16</a:t>
+            <a:fld id="{372B4D55-8C27-4C2C-B1CD-E79AEC43B316}" type="slidenum">
+              <a:rPr lang="en-US" smtClean="0"/>
+              <a:t>15</a:t>
             </a:fld>
-            <a:endParaRPr lang="en-US">
-              <a:solidFill>
-                <a:prstClr val="black"/>
-              </a:solidFill>
-            </a:endParaRPr>
+            <a:endParaRPr lang="en-US"/>
           </a:p>
         </p:txBody>
       </p:sp>
     </p:spTree>
     <p:extLst>
       <p:ext uri="{BB962C8B-B14F-4D97-AF65-F5344CB8AC3E}">
-        <p14:creationId xmlns:p14="http://schemas.microsoft.com/office/powerpoint/2010/main" val="3342317537"/>
+        <p14:creationId xmlns:p14="http://schemas.microsoft.com/office/powerpoint/2010/main" val="2711185950"/>
       </p:ext>
     </p:extLst>
   </p:cSld>
@@ -6398,24 +6349,7 @@
           <a:bodyPr/>
           <a:lstStyle/>
           <a:p>
-            <a:pPr marL="0" marR="0" lvl="0" indent="0" algn="l" defTabSz="914400" rtl="0" eaLnBrk="1" fontAlgn="auto" latinLnBrk="0" hangingPunct="1">
-              <a:lnSpc>
-                <a:spcPct val="100000"/>
-              </a:lnSpc>
-              <a:spcBef>
-                <a:spcPts val="0"/>
-              </a:spcBef>
-              <a:spcAft>
-                <a:spcPts val="0"/>
-              </a:spcAft>
-              <a:buClrTx/>
-              <a:buSzTx/>
-              <a:buFontTx/>
-              <a:buNone/>
-              <a:tabLst/>
-              <a:defRPr/>
-            </a:pPr>
-            <a:endParaRPr lang="en-US" baseline="0" dirty="0"/>
+            <a:endParaRPr lang="en-US" dirty="0"/>
           </a:p>
         </p:txBody>
       </p:sp>
@@ -6435,17 +6369,26 @@
           <a:lstStyle/>
           <a:p>
             <a:fld id="{795E7D87-CD48-43C8-A7EA-8D4BB480ED50}" type="slidenum">
-              <a:rPr lang="en-US" smtClean="0"/>
-              <a:t>17</a:t>
+              <a:rPr lang="en-US" smtClean="0">
+                <a:solidFill>
+                  <a:prstClr val="black"/>
+                </a:solidFill>
+              </a:rPr>
+              <a:pPr/>
+              <a:t>16</a:t>
             </a:fld>
-            <a:endParaRPr lang="en-US"/>
+            <a:endParaRPr lang="en-US">
+              <a:solidFill>
+                <a:prstClr val="black"/>
+              </a:solidFill>
+            </a:endParaRPr>
           </a:p>
         </p:txBody>
       </p:sp>
     </p:spTree>
     <p:extLst>
       <p:ext uri="{BB962C8B-B14F-4D97-AF65-F5344CB8AC3E}">
-        <p14:creationId xmlns:p14="http://schemas.microsoft.com/office/powerpoint/2010/main" val="3354213934"/>
+        <p14:creationId xmlns:p14="http://schemas.microsoft.com/office/powerpoint/2010/main" val="3342317537"/>
       </p:ext>
     </p:extLst>
   </p:cSld>
@@ -6625,7 +6568,7 @@
           <a:p>
             <a:fld id="{9ED73DBF-282D-4756-9D64-E939A17BC891}" type="slidenum">
               <a:rPr lang="en-US" smtClean="0"/>
-              <a:t>18</a:t>
+              <a:t>17</a:t>
             </a:fld>
             <a:endParaRPr lang="en-US"/>
           </a:p>
@@ -6688,15 +6631,24 @@
           <a:bodyPr/>
           <a:lstStyle/>
           <a:p>
-            <a:r>
-              <a:rPr lang="en-US" dirty="0"/>
-              <a:t>Here’s a quick list of the CDW projects so far.  Some were wrapped</a:t>
-            </a:r>
-            <a:r>
-              <a:rPr lang="en-US" baseline="0" dirty="0"/>
-              <a:t> up in less than a day.  Some, like POPS, have been ongoing for 2 years.</a:t>
-            </a:r>
-            <a:endParaRPr lang="en-US" dirty="0"/>
+            <a:pPr marL="0" marR="0" lvl="0" indent="0" algn="l" defTabSz="914400" rtl="0" eaLnBrk="1" fontAlgn="auto" latinLnBrk="0" hangingPunct="1">
+              <a:lnSpc>
+                <a:spcPct val="100000"/>
+              </a:lnSpc>
+              <a:spcBef>
+                <a:spcPts val="0"/>
+              </a:spcBef>
+              <a:spcAft>
+                <a:spcPts val="0"/>
+              </a:spcAft>
+              <a:buClrTx/>
+              <a:buSzTx/>
+              <a:buFontTx/>
+              <a:buNone/>
+              <a:tabLst/>
+              <a:defRPr/>
+            </a:pPr>
+            <a:endParaRPr lang="en-US" baseline="0" dirty="0"/>
           </a:p>
         </p:txBody>
       </p:sp>
@@ -6715,9 +6667,9 @@
           <a:bodyPr/>
           <a:lstStyle/>
           <a:p>
-            <a:fld id="{372B4D55-8C27-4C2C-B1CD-E79AEC43B316}" type="slidenum">
+            <a:fld id="{795E7D87-CD48-43C8-A7EA-8D4BB480ED50}" type="slidenum">
               <a:rPr lang="en-US" smtClean="0"/>
-              <a:t>20</a:t>
+              <a:t>19</a:t>
             </a:fld>
             <a:endParaRPr lang="en-US"/>
           </a:p>
@@ -6726,7 +6678,7 @@
     </p:spTree>
     <p:extLst>
       <p:ext uri="{BB962C8B-B14F-4D97-AF65-F5344CB8AC3E}">
-        <p14:creationId xmlns:p14="http://schemas.microsoft.com/office/powerpoint/2010/main" val="2540605065"/>
+        <p14:creationId xmlns:p14="http://schemas.microsoft.com/office/powerpoint/2010/main" val="3354213934"/>
       </p:ext>
     </p:extLst>
   </p:cSld>
@@ -6782,20 +6734,11 @@
           <a:p>
             <a:r>
               <a:rPr lang="en-US" dirty="0"/>
-              <a:t>In short, we work closely with the oversight boards to</a:t>
+              <a:t>Our projects have been spread across several research groups.  We</a:t>
             </a:r>
             <a:r>
               <a:rPr lang="en-US" baseline="0" dirty="0"/>
-              <a:t> maintain compliance &amp; improve efficiency.  A new governance board is being created that’s co-chair by the informatics heads of the hospital and of the clinics.  I’m excited that this will speed up parts of our process for those studies that don’t require an IRB.</a:t>
-            </a:r>
-          </a:p>
-          <a:p>
-            <a:endParaRPr lang="en-US" baseline="0" dirty="0"/>
-          </a:p>
-          <a:p>
-            <a:r>
-              <a:rPr lang="en-US" baseline="0" dirty="0"/>
-              <a:t>[8 min cumulative]</a:t>
+              <a:t> haven’t done much marketing, so it makes sense that the majority come from our own department.</a:t>
             </a:r>
             <a:endParaRPr lang="en-US" dirty="0"/>
           </a:p>
@@ -6818,7 +6761,7 @@
           <a:p>
             <a:fld id="{372B4D55-8C27-4C2C-B1CD-E79AEC43B316}" type="slidenum">
               <a:rPr lang="en-US" smtClean="0"/>
-              <a:t>24</a:t>
+              <a:t>21</a:t>
             </a:fld>
             <a:endParaRPr lang="en-US"/>
           </a:p>
@@ -6827,7 +6770,7 @@
     </p:spTree>
     <p:extLst>
       <p:ext uri="{BB962C8B-B14F-4D97-AF65-F5344CB8AC3E}">
-        <p14:creationId xmlns:p14="http://schemas.microsoft.com/office/powerpoint/2010/main" val="369336152"/>
+        <p14:creationId xmlns:p14="http://schemas.microsoft.com/office/powerpoint/2010/main" val="4220948244"/>
       </p:ext>
     </p:extLst>
   </p:cSld>
@@ -6881,59 +6824,15 @@
           <a:bodyPr/>
           <a:lstStyle/>
           <a:p>
-            <a:pPr marL="0" marR="0" lvl="0" indent="0" algn="l" defTabSz="914400" rtl="0" eaLnBrk="1" fontAlgn="auto" latinLnBrk="0" hangingPunct="1">
-              <a:lnSpc>
-                <a:spcPct val="100000"/>
-              </a:lnSpc>
-              <a:spcBef>
-                <a:spcPts val="0"/>
-              </a:spcBef>
-              <a:spcAft>
-                <a:spcPts val="0"/>
-              </a:spcAft>
-              <a:buClrTx/>
-              <a:buSzTx/>
-              <a:buFontTx/>
-              <a:buNone/>
-              <a:tabLst/>
-              <a:defRPr/>
-            </a:pPr>
+            <a:r>
+              <a:rPr lang="en-US" dirty="0"/>
+              <a:t>Here’s a quick list of the CDW projects so far.  Some were wrapped</a:t>
+            </a:r>
             <a:r>
               <a:rPr lang="en-US" baseline="0" dirty="0"/>
-              <a:t>Here are the data sources for the research projects that we’ve assisted with.  Roughly in descending order of frequency. </a:t>
+              <a:t> up in less than a day.  Some, like POPS, have been ongoing for 2 years.</a:t>
             </a:r>
             <a:endParaRPr lang="en-US" dirty="0"/>
-          </a:p>
-          <a:p>
-            <a:r>
-              <a:rPr lang="en-US" dirty="0"/>
-              <a:t>Most of our projects</a:t>
-            </a:r>
-            <a:r>
-              <a:rPr lang="en-US" baseline="0" dirty="0"/>
-              <a:t> involve inpatient EMRs, outpatient EMRs, and billing systems</a:t>
-            </a:r>
-            <a:r>
-              <a:rPr lang="en-US" dirty="0"/>
-              <a:t>.</a:t>
-            </a:r>
-          </a:p>
-          <a:p>
-            <a:endParaRPr lang="en-US" baseline="0" dirty="0"/>
-          </a:p>
-          <a:p>
-            <a:r>
-              <a:rPr lang="en-US" baseline="0" dirty="0"/>
-              <a:t>In some ways, our experience started with datasets from external collaborators, such as the </a:t>
-            </a:r>
-            <a:r>
-              <a:rPr lang="en-US" baseline="0" dirty="0" err="1"/>
-              <a:t>Dept</a:t>
-            </a:r>
-            <a:r>
-              <a:rPr lang="en-US" baseline="0" dirty="0"/>
-              <a:t> of Health, and grew from there.</a:t>
-            </a:r>
           </a:p>
         </p:txBody>
       </p:sp>
@@ -6952,9 +6851,9 @@
           <a:bodyPr/>
           <a:lstStyle/>
           <a:p>
-            <a:fld id="{795E7D87-CD48-43C8-A7EA-8D4BB480ED50}" type="slidenum">
+            <a:fld id="{372B4D55-8C27-4C2C-B1CD-E79AEC43B316}" type="slidenum">
               <a:rPr lang="en-US" smtClean="0"/>
-              <a:t>26</a:t>
+              <a:t>22</a:t>
             </a:fld>
             <a:endParaRPr lang="en-US"/>
           </a:p>
@@ -6963,7 +6862,7 @@
     </p:spTree>
     <p:extLst>
       <p:ext uri="{BB962C8B-B14F-4D97-AF65-F5344CB8AC3E}">
-        <p14:creationId xmlns:p14="http://schemas.microsoft.com/office/powerpoint/2010/main" val="3059933623"/>
+        <p14:creationId xmlns:p14="http://schemas.microsoft.com/office/powerpoint/2010/main" val="2540605065"/>
       </p:ext>
     </p:extLst>
   </p:cSld>
@@ -7017,24 +6916,24 @@
           <a:bodyPr/>
           <a:lstStyle/>
           <a:p>
-            <a:pPr marL="0" marR="0" lvl="0" indent="0" algn="l" defTabSz="914400" rtl="0" eaLnBrk="1" fontAlgn="auto" latinLnBrk="0" hangingPunct="1">
-              <a:lnSpc>
-                <a:spcPct val="100000"/>
-              </a:lnSpc>
-              <a:spcBef>
-                <a:spcPts val="0"/>
-              </a:spcBef>
-              <a:spcAft>
-                <a:spcPts val="0"/>
-              </a:spcAft>
-              <a:buClrTx/>
-              <a:buSzTx/>
-              <a:buFontTx/>
-              <a:buNone/>
-              <a:tabLst/>
-              <a:defRPr/>
-            </a:pPr>
+            <a:r>
+              <a:rPr lang="en-US" dirty="0"/>
+              <a:t>In short, we work closely with the oversight boards to</a:t>
+            </a:r>
+            <a:r>
+              <a:rPr lang="en-US" baseline="0" dirty="0"/>
+              <a:t> maintain compliance &amp; improve efficiency.  A new governance board is being created that’s co-chair by the informatics heads of the hospital and of the clinics.  I’m excited that this will speed up parts of our process for those studies that don’t require an IRB.</a:t>
+            </a:r>
+          </a:p>
+          <a:p>
             <a:endParaRPr lang="en-US" baseline="0" dirty="0"/>
+          </a:p>
+          <a:p>
+            <a:r>
+              <a:rPr lang="en-US" baseline="0" dirty="0"/>
+              <a:t>[8 min cumulative]</a:t>
+            </a:r>
+            <a:endParaRPr lang="en-US" dirty="0"/>
           </a:p>
         </p:txBody>
       </p:sp>
@@ -7053,9 +6952,9 @@
           <a:bodyPr/>
           <a:lstStyle/>
           <a:p>
-            <a:fld id="{795E7D87-CD48-43C8-A7EA-8D4BB480ED50}" type="slidenum">
+            <a:fld id="{372B4D55-8C27-4C2C-B1CD-E79AEC43B316}" type="slidenum">
               <a:rPr lang="en-US" smtClean="0"/>
-              <a:t>30</a:t>
+              <a:t>26</a:t>
             </a:fld>
             <a:endParaRPr lang="en-US"/>
           </a:p>
@@ -7064,7 +6963,7 @@
     </p:spTree>
     <p:extLst>
       <p:ext uri="{BB962C8B-B14F-4D97-AF65-F5344CB8AC3E}">
-        <p14:creationId xmlns:p14="http://schemas.microsoft.com/office/powerpoint/2010/main" val="2302146041"/>
+        <p14:creationId xmlns:p14="http://schemas.microsoft.com/office/powerpoint/2010/main" val="369336152"/>
       </p:ext>
     </p:extLst>
   </p:cSld>
@@ -7135,7 +7034,42 @@
               <a:tabLst/>
               <a:defRPr/>
             </a:pPr>
+            <a:r>
+              <a:rPr lang="en-US" baseline="0" dirty="0"/>
+              <a:t>Here are the data sources for the research projects that we’ve assisted with.  Roughly in descending order of frequency. </a:t>
+            </a:r>
+            <a:endParaRPr lang="en-US" dirty="0"/>
+          </a:p>
+          <a:p>
+            <a:r>
+              <a:rPr lang="en-US" dirty="0"/>
+              <a:t>Most of our projects</a:t>
+            </a:r>
+            <a:r>
+              <a:rPr lang="en-US" baseline="0" dirty="0"/>
+              <a:t> involve inpatient EMRs, outpatient EMRs, and billing systems</a:t>
+            </a:r>
+            <a:r>
+              <a:rPr lang="en-US" dirty="0"/>
+              <a:t>.</a:t>
+            </a:r>
+          </a:p>
+          <a:p>
             <a:endParaRPr lang="en-US" baseline="0" dirty="0"/>
+          </a:p>
+          <a:p>
+            <a:r>
+              <a:rPr lang="en-US" baseline="0" dirty="0"/>
+              <a:t>In some ways, our experience started with datasets from external collaborators, such as the </a:t>
+            </a:r>
+            <a:r>
+              <a:rPr lang="en-US" baseline="0" dirty="0" err="1"/>
+              <a:t>Dept</a:t>
+            </a:r>
+            <a:r>
+              <a:rPr lang="en-US" baseline="0" dirty="0"/>
+              <a:t> of Health, and grew from there.</a:t>
+            </a:r>
           </a:p>
         </p:txBody>
       </p:sp>
@@ -7156,7 +7090,7 @@
           <a:p>
             <a:fld id="{795E7D87-CD48-43C8-A7EA-8D4BB480ED50}" type="slidenum">
               <a:rPr lang="en-US" smtClean="0"/>
-              <a:t>31</a:t>
+              <a:t>28</a:t>
             </a:fld>
             <a:endParaRPr lang="en-US"/>
           </a:p>
@@ -7165,7 +7099,7 @@
     </p:spTree>
     <p:extLst>
       <p:ext uri="{BB962C8B-B14F-4D97-AF65-F5344CB8AC3E}">
-        <p14:creationId xmlns:p14="http://schemas.microsoft.com/office/powerpoint/2010/main" val="2167329322"/>
+        <p14:creationId xmlns:p14="http://schemas.microsoft.com/office/powerpoint/2010/main" val="3059933623"/>
       </p:ext>
     </p:extLst>
   </p:cSld>
@@ -7219,7 +7153,24 @@
           <a:bodyPr/>
           <a:lstStyle/>
           <a:p>
-            <a:endParaRPr lang="en-US" dirty="0"/>
+            <a:pPr marL="0" marR="0" lvl="0" indent="0" algn="l" defTabSz="914400" rtl="0" eaLnBrk="1" fontAlgn="auto" latinLnBrk="0" hangingPunct="1">
+              <a:lnSpc>
+                <a:spcPct val="100000"/>
+              </a:lnSpc>
+              <a:spcBef>
+                <a:spcPts val="0"/>
+              </a:spcBef>
+              <a:spcAft>
+                <a:spcPts val="0"/>
+              </a:spcAft>
+              <a:buClrTx/>
+              <a:buSzTx/>
+              <a:buFontTx/>
+              <a:buNone/>
+              <a:tabLst/>
+              <a:defRPr/>
+            </a:pPr>
+            <a:endParaRPr lang="en-US" baseline="0" dirty="0"/>
           </a:p>
         </p:txBody>
       </p:sp>
@@ -7238,9 +7189,9 @@
           <a:bodyPr/>
           <a:lstStyle/>
           <a:p>
-            <a:fld id="{372B4D55-8C27-4C2C-B1CD-E79AEC43B316}" type="slidenum">
+            <a:fld id="{795E7D87-CD48-43C8-A7EA-8D4BB480ED50}" type="slidenum">
               <a:rPr lang="en-US" smtClean="0"/>
-              <a:t>33</a:t>
+              <a:t>32</a:t>
             </a:fld>
             <a:endParaRPr lang="en-US"/>
           </a:p>
@@ -7249,7 +7200,108 @@
     </p:spTree>
     <p:extLst>
       <p:ext uri="{BB962C8B-B14F-4D97-AF65-F5344CB8AC3E}">
-        <p14:creationId xmlns:p14="http://schemas.microsoft.com/office/powerpoint/2010/main" val="3988755010"/>
+        <p14:creationId xmlns:p14="http://schemas.microsoft.com/office/powerpoint/2010/main" val="2302146041"/>
+      </p:ext>
+    </p:extLst>
+  </p:cSld>
+  <p:clrMapOvr>
+    <a:masterClrMapping/>
+  </p:clrMapOvr>
+</p:notes>
+</file>
+
+<file path=ppt/notesSlides/notesSlide19.xml><?xml version="1.0" encoding="utf-8"?>
+<p:notes xmlns:a="http://schemas.openxmlformats.org/drawingml/2006/main" xmlns:r="http://schemas.openxmlformats.org/officeDocument/2006/relationships" xmlns:p="http://schemas.openxmlformats.org/presentationml/2006/main">
+  <p:cSld>
+    <p:spTree>
+      <p:nvGrpSpPr>
+        <p:cNvPr id="1" name=""/>
+        <p:cNvGrpSpPr/>
+        <p:nvPr/>
+      </p:nvGrpSpPr>
+      <p:grpSpPr>
+        <a:xfrm>
+          <a:off x="0" y="0"/>
+          <a:ext cx="0" cy="0"/>
+          <a:chOff x="0" y="0"/>
+          <a:chExt cx="0" cy="0"/>
+        </a:xfrm>
+      </p:grpSpPr>
+      <p:sp>
+        <p:nvSpPr>
+          <p:cNvPr id="2" name="Slide Image Placeholder 1"/>
+          <p:cNvSpPr>
+            <a:spLocks noGrp="1" noRot="1" noChangeAspect="1"/>
+          </p:cNvSpPr>
+          <p:nvPr>
+            <p:ph type="sldImg"/>
+          </p:nvPr>
+        </p:nvSpPr>
+        <p:spPr/>
+      </p:sp>
+      <p:sp>
+        <p:nvSpPr>
+          <p:cNvPr id="3" name="Notes Placeholder 2"/>
+          <p:cNvSpPr>
+            <a:spLocks noGrp="1"/>
+          </p:cNvSpPr>
+          <p:nvPr>
+            <p:ph type="body" idx="1"/>
+          </p:nvPr>
+        </p:nvSpPr>
+        <p:spPr/>
+        <p:txBody>
+          <a:bodyPr/>
+          <a:lstStyle/>
+          <a:p>
+            <a:pPr marL="0" marR="0" lvl="0" indent="0" algn="l" defTabSz="914400" rtl="0" eaLnBrk="1" fontAlgn="auto" latinLnBrk="0" hangingPunct="1">
+              <a:lnSpc>
+                <a:spcPct val="100000"/>
+              </a:lnSpc>
+              <a:spcBef>
+                <a:spcPts val="0"/>
+              </a:spcBef>
+              <a:spcAft>
+                <a:spcPts val="0"/>
+              </a:spcAft>
+              <a:buClrTx/>
+              <a:buSzTx/>
+              <a:buFontTx/>
+              <a:buNone/>
+              <a:tabLst/>
+              <a:defRPr/>
+            </a:pPr>
+            <a:endParaRPr lang="en-US" baseline="0" dirty="0"/>
+          </a:p>
+        </p:txBody>
+      </p:sp>
+      <p:sp>
+        <p:nvSpPr>
+          <p:cNvPr id="4" name="Slide Number Placeholder 3"/>
+          <p:cNvSpPr>
+            <a:spLocks noGrp="1"/>
+          </p:cNvSpPr>
+          <p:nvPr>
+            <p:ph type="sldNum" sz="quarter" idx="10"/>
+          </p:nvPr>
+        </p:nvSpPr>
+        <p:spPr/>
+        <p:txBody>
+          <a:bodyPr/>
+          <a:lstStyle/>
+          <a:p>
+            <a:fld id="{795E7D87-CD48-43C8-A7EA-8D4BB480ED50}" type="slidenum">
+              <a:rPr lang="en-US" smtClean="0"/>
+              <a:t>33</a:t>
+            </a:fld>
+            <a:endParaRPr lang="en-US"/>
+          </a:p>
+        </p:txBody>
+      </p:sp>
+    </p:spTree>
+    <p:extLst>
+      <p:ext uri="{BB962C8B-B14F-4D97-AF65-F5344CB8AC3E}">
+        <p14:creationId xmlns:p14="http://schemas.microsoft.com/office/powerpoint/2010/main" val="2167329322"/>
       </p:ext>
     </p:extLst>
   </p:cSld>
@@ -7431,6 +7483,90 @@
     <p:extLst>
       <p:ext uri="{BB962C8B-B14F-4D97-AF65-F5344CB8AC3E}">
         <p14:creationId xmlns:p14="http://schemas.microsoft.com/office/powerpoint/2010/main" val="2935106526"/>
+      </p:ext>
+    </p:extLst>
+  </p:cSld>
+  <p:clrMapOvr>
+    <a:masterClrMapping/>
+  </p:clrMapOvr>
+</p:notes>
+</file>
+
+<file path=ppt/notesSlides/notesSlide20.xml><?xml version="1.0" encoding="utf-8"?>
+<p:notes xmlns:a="http://schemas.openxmlformats.org/drawingml/2006/main" xmlns:r="http://schemas.openxmlformats.org/officeDocument/2006/relationships" xmlns:p="http://schemas.openxmlformats.org/presentationml/2006/main">
+  <p:cSld>
+    <p:spTree>
+      <p:nvGrpSpPr>
+        <p:cNvPr id="1" name=""/>
+        <p:cNvGrpSpPr/>
+        <p:nvPr/>
+      </p:nvGrpSpPr>
+      <p:grpSpPr>
+        <a:xfrm>
+          <a:off x="0" y="0"/>
+          <a:ext cx="0" cy="0"/>
+          <a:chOff x="0" y="0"/>
+          <a:chExt cx="0" cy="0"/>
+        </a:xfrm>
+      </p:grpSpPr>
+      <p:sp>
+        <p:nvSpPr>
+          <p:cNvPr id="2" name="Slide Image Placeholder 1"/>
+          <p:cNvSpPr>
+            <a:spLocks noGrp="1" noRot="1" noChangeAspect="1"/>
+          </p:cNvSpPr>
+          <p:nvPr>
+            <p:ph type="sldImg"/>
+          </p:nvPr>
+        </p:nvSpPr>
+        <p:spPr/>
+      </p:sp>
+      <p:sp>
+        <p:nvSpPr>
+          <p:cNvPr id="3" name="Notes Placeholder 2"/>
+          <p:cNvSpPr>
+            <a:spLocks noGrp="1"/>
+          </p:cNvSpPr>
+          <p:nvPr>
+            <p:ph type="body" idx="1"/>
+          </p:nvPr>
+        </p:nvSpPr>
+        <p:spPr/>
+        <p:txBody>
+          <a:bodyPr/>
+          <a:lstStyle/>
+          <a:p>
+            <a:endParaRPr lang="en-US" dirty="0"/>
+          </a:p>
+        </p:txBody>
+      </p:sp>
+      <p:sp>
+        <p:nvSpPr>
+          <p:cNvPr id="4" name="Slide Number Placeholder 3"/>
+          <p:cNvSpPr>
+            <a:spLocks noGrp="1"/>
+          </p:cNvSpPr>
+          <p:nvPr>
+            <p:ph type="sldNum" sz="quarter" idx="10"/>
+          </p:nvPr>
+        </p:nvSpPr>
+        <p:spPr/>
+        <p:txBody>
+          <a:bodyPr/>
+          <a:lstStyle/>
+          <a:p>
+            <a:fld id="{372B4D55-8C27-4C2C-B1CD-E79AEC43B316}" type="slidenum">
+              <a:rPr lang="en-US" smtClean="0"/>
+              <a:t>35</a:t>
+            </a:fld>
+            <a:endParaRPr lang="en-US"/>
+          </a:p>
+        </p:txBody>
+      </p:sp>
+    </p:spTree>
+    <p:extLst>
+      <p:ext uri="{BB962C8B-B14F-4D97-AF65-F5344CB8AC3E}">
+        <p14:creationId xmlns:p14="http://schemas.microsoft.com/office/powerpoint/2010/main" val="3988755010"/>
       </p:ext>
     </p:extLst>
   </p:cSld>
@@ -8141,7 +8277,24 @@
           <a:bodyPr/>
           <a:lstStyle/>
           <a:p>
-            <a:endParaRPr lang="en-US" dirty="0"/>
+            <a:pPr marL="0" marR="0" lvl="0" indent="0" algn="l" defTabSz="914400" rtl="0" eaLnBrk="1" fontAlgn="auto" latinLnBrk="0" hangingPunct="1">
+              <a:lnSpc>
+                <a:spcPct val="100000"/>
+              </a:lnSpc>
+              <a:spcBef>
+                <a:spcPts val="0"/>
+              </a:spcBef>
+              <a:spcAft>
+                <a:spcPts val="0"/>
+              </a:spcAft>
+              <a:buClrTx/>
+              <a:buSzTx/>
+              <a:buFontTx/>
+              <a:buNone/>
+              <a:tabLst/>
+              <a:defRPr/>
+            </a:pPr>
+            <a:endParaRPr lang="en-US" baseline="0" dirty="0"/>
           </a:p>
         </p:txBody>
       </p:sp>
@@ -8160,9 +8313,9 @@
           <a:bodyPr/>
           <a:lstStyle/>
           <a:p>
-            <a:fld id="{372B4D55-8C27-4C2C-B1CD-E79AEC43B316}" type="slidenum">
+            <a:fld id="{795E7D87-CD48-43C8-A7EA-8D4BB480ED50}" type="slidenum">
               <a:rPr lang="en-US" smtClean="0"/>
-              <a:t>14</a:t>
+              <a:t>10</a:t>
             </a:fld>
             <a:endParaRPr lang="en-US"/>
           </a:p>
@@ -8171,7 +8324,7 @@
     </p:spTree>
     <p:extLst>
       <p:ext uri="{BB962C8B-B14F-4D97-AF65-F5344CB8AC3E}">
-        <p14:creationId xmlns:p14="http://schemas.microsoft.com/office/powerpoint/2010/main" val="2711185950"/>
+        <p14:creationId xmlns:p14="http://schemas.microsoft.com/office/powerpoint/2010/main" val="3399712453"/>
       </p:ext>
     </p:extLst>
   </p:cSld>
@@ -8227,13 +8380,34 @@
           <a:p>
             <a:r>
               <a:rPr lang="en-US" dirty="0"/>
-              <a:t>Our projects have been spread across several research groups.  We</a:t>
-            </a:r>
-            <a:r>
-              <a:rPr lang="en-US" baseline="0" dirty="0"/>
-              <a:t> haven’t done much marketing, so it makes sense that the majority come from our own department.</a:t>
-            </a:r>
+              <a:t>Data in the EMRs ranges from (1) nicely-structured tables where all the elements are neatly separated into their own columns to (2) free-text notes that are not consistent across records.  For unfunded projects, elements that belong to a standard are the best.  For instance, ICD codes are well-documented and consistently structured.  </a:t>
+            </a:r>
+          </a:p>
+          <a:p>
             <a:endParaRPr lang="en-US" dirty="0"/>
+          </a:p>
+          <a:p>
+            <a:r>
+              <a:rPr lang="en-US" dirty="0"/>
+              <a:t>On the other hand, HPI is simply typed into a keyboard by some human that rarely enters it the same way twice.  For unfunded projects, it’s typically best for us to extract the whole HPI paragraph, and you can manually review it and apply your clinical knowledge to determine the pieces relevant to your investigation.</a:t>
+            </a:r>
+          </a:p>
+          <a:p>
+            <a:endParaRPr lang="en-US" dirty="0"/>
+          </a:p>
+          <a:p>
+            <a:r>
+              <a:rPr lang="en-US" dirty="0"/>
+              <a:t>For funded projects, we have some tools that can parse semi-structured reports (</a:t>
+            </a:r>
+            <a:r>
+              <a:rPr lang="en-US" dirty="0" err="1"/>
+              <a:t>eg</a:t>
+            </a:r>
+            <a:r>
+              <a:rPr lang="en-US" dirty="0"/>
+              <a:t>, pull the left ventricular ejection fraction from an echo report).  In the future, we’ll have “EMERSE”, which is a medical informatics tools that helps extract structured info from free-text notes.</a:t>
+            </a:r>
           </a:p>
         </p:txBody>
       </p:sp>
@@ -8244,7 +8418,7 @@
             <a:spLocks noGrp="1"/>
           </p:cNvSpPr>
           <p:nvPr>
-            <p:ph type="sldNum" sz="quarter" idx="10"/>
+            <p:ph type="sldNum" sz="quarter" idx="5"/>
           </p:nvPr>
         </p:nvSpPr>
         <p:spPr/>
@@ -8254,7 +8428,7 @@
           <a:p>
             <a:fld id="{372B4D55-8C27-4C2C-B1CD-E79AEC43B316}" type="slidenum">
               <a:rPr lang="en-US" smtClean="0"/>
-              <a:t>15</a:t>
+              <a:t>12</a:t>
             </a:fld>
             <a:endParaRPr lang="en-US"/>
           </a:p>
@@ -8263,7 +8437,7 @@
     </p:spTree>
     <p:extLst>
       <p:ext uri="{BB962C8B-B14F-4D97-AF65-F5344CB8AC3E}">
-        <p14:creationId xmlns:p14="http://schemas.microsoft.com/office/powerpoint/2010/main" val="4220948244"/>
+        <p14:creationId xmlns:p14="http://schemas.microsoft.com/office/powerpoint/2010/main" val="1291135113"/>
       </p:ext>
     </p:extLst>
   </p:cSld>
@@ -11573,6 +11747,160 @@
           <a:chExt cx="0" cy="0"/>
         </a:xfrm>
       </p:grpSpPr>
+      <p:sp>
+        <p:nvSpPr>
+          <p:cNvPr id="2" name="Title 1"/>
+          <p:cNvSpPr>
+            <a:spLocks noGrp="1"/>
+          </p:cNvSpPr>
+          <p:nvPr>
+            <p:ph type="title"/>
+          </p:nvPr>
+        </p:nvSpPr>
+        <p:spPr>
+          <a:xfrm>
+            <a:off x="838200" y="0"/>
+            <a:ext cx="10515600" cy="861695"/>
+          </a:xfrm>
+        </p:spPr>
+        <p:txBody>
+          <a:bodyPr>
+            <a:normAutofit/>
+          </a:bodyPr>
+          <a:lstStyle/>
+          <a:p>
+            <a:pPr algn="ctr"/>
+            <a:r>
+              <a:rPr lang="en-US" b="1" i="1" dirty="0">
+                <a:solidFill>
+                  <a:srgbClr val="0070C0"/>
+                </a:solidFill>
+              </a:rPr>
+              <a:t>Timeline for Requests</a:t>
+            </a:r>
+          </a:p>
+        </p:txBody>
+      </p:sp>
+      <p:sp>
+        <p:nvSpPr>
+          <p:cNvPr id="3" name="Content Placeholder 2"/>
+          <p:cNvSpPr>
+            <a:spLocks noGrp="1"/>
+          </p:cNvSpPr>
+          <p:nvPr>
+            <p:ph idx="1"/>
+          </p:nvPr>
+        </p:nvSpPr>
+        <p:spPr>
+          <a:xfrm>
+            <a:off x="217170" y="780176"/>
+            <a:ext cx="11757660" cy="6077823"/>
+          </a:xfrm>
+        </p:spPr>
+        <p:txBody>
+          <a:bodyPr>
+            <a:normAutofit/>
+          </a:bodyPr>
+          <a:lstStyle/>
+          <a:p>
+            <a:pPr marL="0" indent="0">
+              <a:buNone/>
+            </a:pPr>
+            <a:r>
+              <a:rPr lang="en-US" dirty="0"/>
+              <a:t>We strongly recommend that you submit your request to CRDW before the IRB. </a:t>
+            </a:r>
+          </a:p>
+          <a:p>
+            <a:pPr marL="0" indent="0">
+              <a:buNone/>
+            </a:pPr>
+            <a:endParaRPr lang="en-US" dirty="0"/>
+          </a:p>
+          <a:p>
+            <a:pPr marL="514350" indent="-514350">
+              <a:buFont typeface="+mj-lt"/>
+              <a:buAutoNum type="arabicPeriod"/>
+            </a:pPr>
+            <a:r>
+              <a:rPr lang="en-US" dirty="0"/>
+              <a:t>We can help with the IRB language and avoid some of the common reasons the IRB rejects your initial application </a:t>
+            </a:r>
+          </a:p>
+          <a:p>
+            <a:pPr marL="514350" indent="-514350">
+              <a:buFont typeface="+mj-lt"/>
+              <a:buAutoNum type="arabicPeriod"/>
+            </a:pPr>
+            <a:endParaRPr lang="en-US" dirty="0"/>
+          </a:p>
+          <a:p>
+            <a:pPr marL="514350" indent="-514350">
+              <a:buFont typeface="+mj-lt"/>
+              <a:buAutoNum type="arabicPeriod"/>
+            </a:pPr>
+            <a:r>
+              <a:rPr lang="en-US" dirty="0"/>
+              <a:t>We need 6+ weeks for basic requests. It doesn't take us 6 weeks, but we have a lot of people asking for data. Please don't initially approach us a week before your research month begins. </a:t>
+            </a:r>
+            <a:br>
+              <a:rPr lang="en-US" dirty="0"/>
+            </a:br>
+            <a:br>
+              <a:rPr lang="en-US" dirty="0"/>
+            </a:br>
+            <a:r>
+              <a:rPr lang="en-US" dirty="0"/>
+              <a:t>There are a few cycles of communication between you and us (such as metadata files that specify the inclusion criteria meds and </a:t>
+            </a:r>
+            <a:r>
+              <a:rPr lang="en-US" dirty="0" err="1"/>
+              <a:t>dxs</a:t>
+            </a:r>
+            <a:r>
+              <a:rPr lang="en-US" dirty="0"/>
+              <a:t>).</a:t>
+            </a:r>
+            <a:endParaRPr lang="en-US" dirty="0">
+              <a:solidFill>
+                <a:schemeClr val="bg1">
+                  <a:lumMod val="50000"/>
+                </a:schemeClr>
+              </a:solidFill>
+            </a:endParaRPr>
+          </a:p>
+        </p:txBody>
+      </p:sp>
+    </p:spTree>
+    <p:extLst>
+      <p:ext uri="{BB962C8B-B14F-4D97-AF65-F5344CB8AC3E}">
+        <p14:creationId xmlns:p14="http://schemas.microsoft.com/office/powerpoint/2010/main" val="1224230082"/>
+      </p:ext>
+    </p:extLst>
+  </p:cSld>
+  <p:clrMapOvr>
+    <a:masterClrMapping/>
+  </p:clrMapOvr>
+</p:sld>
+</file>
+
+<file path=ppt/slides/slide11.xml><?xml version="1.0" encoding="utf-8"?>
+<p:sld xmlns:a="http://schemas.openxmlformats.org/drawingml/2006/main" xmlns:r="http://schemas.openxmlformats.org/officeDocument/2006/relationships" xmlns:p="http://schemas.openxmlformats.org/presentationml/2006/main">
+  <p:cSld>
+    <p:spTree>
+      <p:nvGrpSpPr>
+        <p:cNvPr id="1" name=""/>
+        <p:cNvGrpSpPr/>
+        <p:nvPr/>
+      </p:nvGrpSpPr>
+      <p:grpSpPr>
+        <a:xfrm>
+          <a:off x="0" y="0"/>
+          <a:ext cx="0" cy="0"/>
+          <a:chOff x="0" y="0"/>
+          <a:chExt cx="0" cy="0"/>
+        </a:xfrm>
+      </p:grpSpPr>
       <p:graphicFrame>
         <p:nvGraphicFramePr>
           <p:cNvPr id="7" name="Diagram 6"/>
@@ -12031,113 +12359,6 @@
 </p:sld>
 </file>
 
-<file path=ppt/slides/slide11.xml><?xml version="1.0" encoding="utf-8"?>
-<p:sld xmlns:a="http://schemas.openxmlformats.org/drawingml/2006/main" xmlns:r="http://schemas.openxmlformats.org/officeDocument/2006/relationships" xmlns:p="http://schemas.openxmlformats.org/presentationml/2006/main">
-  <p:cSld>
-    <p:spTree>
-      <p:nvGrpSpPr>
-        <p:cNvPr id="1" name=""/>
-        <p:cNvGrpSpPr/>
-        <p:nvPr/>
-      </p:nvGrpSpPr>
-      <p:grpSpPr>
-        <a:xfrm>
-          <a:off x="0" y="0"/>
-          <a:ext cx="0" cy="0"/>
-          <a:chOff x="0" y="0"/>
-          <a:chExt cx="0" cy="0"/>
-        </a:xfrm>
-      </p:grpSpPr>
-      <p:pic>
-        <p:nvPicPr>
-          <p:cNvPr id="5" name="Picture 4"/>
-          <p:cNvPicPr>
-            <a:picLocks noChangeAspect="1"/>
-          </p:cNvPicPr>
-          <p:nvPr/>
-        </p:nvPicPr>
-        <p:blipFill>
-          <a:blip r:embed="rId2"/>
-          <a:stretch>
-            <a:fillRect/>
-          </a:stretch>
-        </p:blipFill>
-        <p:spPr>
-          <a:xfrm>
-            <a:off x="566221" y="1042587"/>
-            <a:ext cx="10705682" cy="5708865"/>
-          </a:xfrm>
-          <a:prstGeom prst="rect">
-            <a:avLst/>
-          </a:prstGeom>
-        </p:spPr>
-      </p:pic>
-      <p:sp>
-        <p:nvSpPr>
-          <p:cNvPr id="6" name="Title 1"/>
-          <p:cNvSpPr txBox="1">
-            <a:spLocks/>
-          </p:cNvSpPr>
-          <p:nvPr/>
-        </p:nvSpPr>
-        <p:spPr>
-          <a:xfrm>
-            <a:off x="781050" y="78400"/>
-            <a:ext cx="10515600" cy="804594"/>
-          </a:xfrm>
-          <a:prstGeom prst="rect">
-            <a:avLst/>
-          </a:prstGeom>
-        </p:spPr>
-        <p:txBody>
-          <a:bodyPr vert="horz" lIns="91440" tIns="45720" rIns="91440" bIns="45720" rtlCol="0" anchor="ctr">
-            <a:normAutofit/>
-          </a:bodyPr>
-          <a:lstStyle>
-            <a:lvl1pPr algn="l" defTabSz="914400" rtl="0" eaLnBrk="1" latinLnBrk="0" hangingPunct="1">
-              <a:lnSpc>
-                <a:spcPct val="90000"/>
-              </a:lnSpc>
-              <a:spcBef>
-                <a:spcPct val="0"/>
-              </a:spcBef>
-              <a:buNone/>
-              <a:defRPr sz="4400" kern="1200">
-                <a:solidFill>
-                  <a:schemeClr val="tx1"/>
-                </a:solidFill>
-                <a:latin typeface="+mj-lt"/>
-                <a:ea typeface="+mj-ea"/>
-                <a:cs typeface="+mj-cs"/>
-              </a:defRPr>
-            </a:lvl1pPr>
-          </a:lstStyle>
-          <a:p>
-            <a:pPr algn="ctr"/>
-            <a:r>
-              <a:rPr lang="en-US" sz="3600" b="1" i="1" dirty="0">
-                <a:solidFill>
-                  <a:srgbClr val="0070C0"/>
-                </a:solidFill>
-              </a:rPr>
-              <a:t>Sample Rolling Eligibility Report</a:t>
-            </a:r>
-          </a:p>
-        </p:txBody>
-      </p:sp>
-    </p:spTree>
-    <p:extLst>
-      <p:ext uri="{BB962C8B-B14F-4D97-AF65-F5344CB8AC3E}">
-        <p14:creationId xmlns:p14="http://schemas.microsoft.com/office/powerpoint/2010/main" val="3942023187"/>
-      </p:ext>
-    </p:extLst>
-  </p:cSld>
-  <p:clrMapOvr>
-    <a:masterClrMapping/>
-  </p:clrMapOvr>
-</p:sld>
-</file>
-
 <file path=ppt/slides/slide12.xml><?xml version="1.0" encoding="utf-8"?>
 <p:sld xmlns:a="http://schemas.openxmlformats.org/drawingml/2006/main" xmlns:r="http://schemas.openxmlformats.org/officeDocument/2006/relationships" xmlns:p="http://schemas.openxmlformats.org/presentationml/2006/main">
   <p:cSld>
@@ -12164,7 +12385,7 @@
           <p:nvPr/>
         </p:nvPicPr>
         <p:blipFill>
-          <a:blip r:embed="rId2">
+          <a:blip r:embed="rId3">
             <a:extLst>
               <a:ext uri="{28A0092B-C50C-407E-A947-70E740481C1C}">
                 <a14:useLocalDpi xmlns:a14="http://schemas.microsoft.com/office/drawing/2010/main" val="0"/>
@@ -12219,18 +12440,13 @@
           <a:p>
             <a:pPr algn="ctr"/>
             <a:r>
-              <a:rPr lang="en-US" sz="3200" b="1" i="1" dirty="0" smtClean="0">
+              <a:rPr lang="en-US" sz="3200" b="1" i="1" dirty="0">
                 <a:solidFill>
                   <a:srgbClr val="0070C0"/>
                 </a:solidFill>
               </a:rPr>
               <a:t>Data Formats</a:t>
             </a:r>
-            <a:endParaRPr lang="en-US" sz="3200" b="1" i="1" dirty="0">
-              <a:solidFill>
-                <a:srgbClr val="0070C0"/>
-              </a:solidFill>
-            </a:endParaRPr>
           </a:p>
         </p:txBody>
       </p:sp>
@@ -12257,18 +12473,21 @@
           <a:lstStyle/>
           <a:p>
             <a:r>
-              <a:rPr lang="en-US" dirty="0" smtClean="0">
+              <a:rPr lang="en-US" dirty="0">
                 <a:solidFill>
                   <a:srgbClr val="000000"/>
                 </a:solidFill>
               </a:rPr>
               <a:t>Structured</a:t>
             </a:r>
-            <a:endParaRPr lang="en-US" dirty="0">
-              <a:solidFill>
-                <a:srgbClr val="000000"/>
-              </a:solidFill>
-            </a:endParaRPr>
+            <a:r>
+              <a:rPr lang="en-US" b="0" dirty="0">
+                <a:solidFill>
+                  <a:srgbClr val="000000"/>
+                </a:solidFill>
+              </a:rPr>
+              <a:t> (easier)</a:t>
+            </a:r>
           </a:p>
         </p:txBody>
       </p:sp>
@@ -12284,8 +12503,8 @@
         </p:nvSpPr>
         <p:spPr>
           <a:xfrm>
-            <a:off x="365044" y="1217942"/>
-            <a:ext cx="5618884" cy="2576136"/>
+            <a:off x="102028" y="1217942"/>
+            <a:ext cx="5881900" cy="2576136"/>
           </a:xfrm>
         </p:spPr>
         <p:txBody>
@@ -12295,40 +12514,40 @@
           <a:lstStyle/>
           <a:p>
             <a:r>
-              <a:rPr lang="en-US" sz="2200" dirty="0" smtClean="0"/>
+              <a:rPr lang="en-US" sz="2200" dirty="0"/>
               <a:t>Patient demographics</a:t>
             </a:r>
           </a:p>
           <a:p>
             <a:r>
-              <a:rPr lang="en-US" sz="2200" dirty="0" smtClean="0"/>
+              <a:rPr lang="en-US" sz="2200" dirty="0"/>
               <a:t>Problem list or billed diagnoses (ICD-10)</a:t>
             </a:r>
           </a:p>
           <a:p>
             <a:r>
-              <a:rPr lang="en-US" sz="2200" dirty="0" smtClean="0"/>
+              <a:rPr lang="en-US" sz="2200" dirty="0"/>
               <a:t>Visits/encounters</a:t>
             </a:r>
           </a:p>
           <a:p>
             <a:r>
-              <a:rPr lang="en-US" sz="2200" dirty="0" smtClean="0"/>
-              <a:t>Most lab results (LOINC)</a:t>
-            </a:r>
-          </a:p>
-          <a:p>
-            <a:r>
-              <a:rPr lang="en-US" sz="2200" dirty="0" smtClean="0"/>
+              <a:rPr lang="en-US" sz="2200" dirty="0"/>
               <a:t>Medications (GPI, </a:t>
             </a:r>
             <a:r>
-              <a:rPr lang="en-US" sz="2200" dirty="0" err="1" smtClean="0"/>
+              <a:rPr lang="en-US" sz="2200" dirty="0" err="1"/>
               <a:t>RxNorm</a:t>
             </a:r>
             <a:r>
-              <a:rPr lang="en-US" sz="2200" dirty="0" smtClean="0"/>
+              <a:rPr lang="en-US" sz="2200" dirty="0"/>
               <a:t>, NDC)</a:t>
+            </a:r>
+          </a:p>
+          <a:p>
+            <a:r>
+              <a:rPr lang="en-US" sz="2200" dirty="0"/>
+              <a:t>Most lab results (LOINC), but some are like this:</a:t>
             </a:r>
           </a:p>
         </p:txBody>
@@ -12354,10 +12573,13 @@
           <a:lstStyle/>
           <a:p>
             <a:r>
-              <a:rPr lang="en-US" dirty="0" smtClean="0"/>
+              <a:rPr lang="en-US" dirty="0"/>
               <a:t>Unstructured</a:t>
             </a:r>
-            <a:endParaRPr lang="en-US" dirty="0"/>
+            <a:r>
+              <a:rPr lang="en-US" b="0" dirty="0"/>
+              <a:t> (harder)</a:t>
+            </a:r>
           </a:p>
         </p:txBody>
       </p:sp>
@@ -12384,40 +12606,178 @@
           <a:lstStyle/>
           <a:p>
             <a:r>
-              <a:rPr lang="en-US" sz="2200" dirty="0" smtClean="0"/>
+              <a:rPr lang="en-US" sz="2200" dirty="0"/>
               <a:t>Diagnoses entered in the past medical history </a:t>
             </a:r>
           </a:p>
           <a:p>
             <a:r>
-              <a:rPr lang="en-US" sz="2200" dirty="0" smtClean="0"/>
+              <a:rPr lang="en-US" sz="2200" dirty="0"/>
               <a:t>Symptoms in HPI</a:t>
             </a:r>
           </a:p>
           <a:p>
             <a:r>
-              <a:rPr lang="en-US" sz="2200" dirty="0" smtClean="0"/>
+              <a:rPr lang="en-US" sz="2200" dirty="0"/>
               <a:t>Histories</a:t>
             </a:r>
           </a:p>
           <a:p>
             <a:r>
-              <a:rPr lang="en-US" sz="2200" dirty="0" smtClean="0"/>
+              <a:rPr lang="en-US" sz="2200" dirty="0"/>
               <a:t>Full notes</a:t>
             </a:r>
           </a:p>
           <a:p>
             <a:r>
-              <a:rPr lang="en-US" sz="2200" dirty="0" smtClean="0"/>
+              <a:rPr lang="en-US" sz="2200" dirty="0"/>
               <a:t>Some lab results</a:t>
             </a:r>
           </a:p>
           <a:p>
             <a:r>
-              <a:rPr lang="en-US" sz="2200" dirty="0" smtClean="0"/>
+              <a:rPr lang="en-US" sz="2200" dirty="0"/>
               <a:t>Radiology &amp; pathology reports</a:t>
             </a:r>
-            <a:endParaRPr lang="en-US" sz="2200" dirty="0"/>
+          </a:p>
+        </p:txBody>
+      </p:sp>
+      <p:pic>
+        <p:nvPicPr>
+          <p:cNvPr id="9" name="Picture 8">
+            <a:extLst>
+              <a:ext uri="{FF2B5EF4-FFF2-40B4-BE49-F238E27FC236}">
+                <a16:creationId xmlns:a16="http://schemas.microsoft.com/office/drawing/2014/main" id="{3798055A-2003-1E4B-1654-8A2DFAB033B4}"/>
+              </a:ext>
+            </a:extLst>
+          </p:cNvPr>
+          <p:cNvPicPr>
+            <a:picLocks noChangeAspect="1"/>
+          </p:cNvPicPr>
+          <p:nvPr/>
+        </p:nvPicPr>
+        <p:blipFill>
+          <a:blip r:embed="rId4"/>
+          <a:stretch>
+            <a:fillRect/>
+          </a:stretch>
+        </p:blipFill>
+        <p:spPr>
+          <a:xfrm>
+            <a:off x="102028" y="3429000"/>
+            <a:ext cx="5969212" cy="3359242"/>
+          </a:xfrm>
+          <a:prstGeom prst="rect">
+            <a:avLst/>
+          </a:prstGeom>
+        </p:spPr>
+      </p:pic>
+      <p:sp>
+        <p:nvSpPr>
+          <p:cNvPr id="10" name="TextBox 9">
+            <a:extLst>
+              <a:ext uri="{FF2B5EF4-FFF2-40B4-BE49-F238E27FC236}">
+                <a16:creationId xmlns:a16="http://schemas.microsoft.com/office/drawing/2014/main" id="{E28D7F38-8631-99DE-C520-8FB2CF13C88D}"/>
+              </a:ext>
+            </a:extLst>
+          </p:cNvPr>
+          <p:cNvSpPr txBox="1"/>
+          <p:nvPr/>
+        </p:nvSpPr>
+        <p:spPr>
+          <a:xfrm>
+            <a:off x="2987039" y="4127417"/>
+            <a:ext cx="2331407" cy="369332"/>
+          </a:xfrm>
+          <a:prstGeom prst="rect">
+            <a:avLst/>
+          </a:prstGeom>
+          <a:noFill/>
+        </p:spPr>
+        <p:txBody>
+          <a:bodyPr wrap="none" rtlCol="0">
+            <a:spAutoFit/>
+          </a:bodyPr>
+          <a:lstStyle/>
+          <a:p>
+            <a:r>
+              <a:rPr lang="en-US" dirty="0">
+                <a:solidFill>
+                  <a:srgbClr val="FF0000"/>
+                </a:solidFill>
+              </a:rPr>
+              <a:t>Saved to the flowsheet</a:t>
+            </a:r>
+          </a:p>
+        </p:txBody>
+      </p:sp>
+      <p:sp>
+        <p:nvSpPr>
+          <p:cNvPr id="11" name="TextBox 10">
+            <a:extLst>
+              <a:ext uri="{FF2B5EF4-FFF2-40B4-BE49-F238E27FC236}">
+                <a16:creationId xmlns:a16="http://schemas.microsoft.com/office/drawing/2014/main" id="{5D478695-3CBC-E2FF-B931-67DD286CF1DA}"/>
+              </a:ext>
+            </a:extLst>
+          </p:cNvPr>
+          <p:cNvSpPr txBox="1"/>
+          <p:nvPr/>
+        </p:nvSpPr>
+        <p:spPr>
+          <a:xfrm>
+            <a:off x="1615441" y="5324910"/>
+            <a:ext cx="3363548" cy="923330"/>
+          </a:xfrm>
+          <a:prstGeom prst="rect">
+            <a:avLst/>
+          </a:prstGeom>
+          <a:noFill/>
+        </p:spPr>
+        <p:txBody>
+          <a:bodyPr wrap="none" rtlCol="0">
+            <a:spAutoFit/>
+          </a:bodyPr>
+          <a:lstStyle/>
+          <a:p>
+            <a:pPr algn="r"/>
+            <a:r>
+              <a:rPr lang="en-US" dirty="0">
+                <a:solidFill>
+                  <a:srgbClr val="FF0000"/>
+                </a:solidFill>
+              </a:rPr>
+              <a:t>Has to be parsed out with regexes</a:t>
+            </a:r>
+            <a:br>
+              <a:rPr lang="en-US" dirty="0">
+                <a:solidFill>
+                  <a:srgbClr val="FF0000"/>
+                </a:solidFill>
+              </a:rPr>
+            </a:br>
+            <a:r>
+              <a:rPr lang="en-US" dirty="0">
+                <a:solidFill>
+                  <a:srgbClr val="FF0000"/>
+                </a:solidFill>
+              </a:rPr>
+              <a:t>and programming</a:t>
+            </a:r>
+            <a:br>
+              <a:rPr lang="en-US" dirty="0">
+                <a:solidFill>
+                  <a:srgbClr val="FF0000"/>
+                </a:solidFill>
+              </a:rPr>
+            </a:br>
+            <a:r>
+              <a:rPr lang="en-US" dirty="0">
+                <a:solidFill>
+                  <a:srgbClr val="FF0000"/>
+                </a:solidFill>
+              </a:rPr>
+              <a:t>(and funding)</a:t>
+            </a:r>
           </a:p>
         </p:txBody>
       </p:sp>
@@ -12735,30 +13095,45 @@
         </p:nvSpPr>
         <p:spPr>
           <a:xfrm>
-            <a:off x="565151" y="70785"/>
-            <a:ext cx="10515600" cy="640416"/>
+            <a:off x="793750" y="152401"/>
+            <a:ext cx="10515600" cy="768350"/>
           </a:xfrm>
         </p:spPr>
         <p:txBody>
           <a:bodyPr>
-            <a:normAutofit/>
+            <a:noAutofit/>
           </a:bodyPr>
           <a:lstStyle/>
           <a:p>
             <a:r>
-              <a:rPr lang="en-US" sz="3600" b="1" i="1" dirty="0">
+              <a:rPr lang="en-US" sz="3200" b="1" i="1" dirty="0">
                 <a:solidFill>
                   <a:srgbClr val="0070C0"/>
                 </a:solidFill>
               </a:rPr>
-              <a:t>N3C: National COVID Cohort Collaborative</a:t>
+              <a:t>Using Metadata to Transfer your </a:t>
+            </a:r>
+            <a:br>
+              <a:rPr lang="en-US" sz="3200" b="1" i="1" dirty="0">
+                <a:solidFill>
+                  <a:srgbClr val="0070C0"/>
+                </a:solidFill>
+              </a:rPr>
+            </a:br>
+            <a:r>
+              <a:rPr lang="en-US" sz="3200" b="1" i="1" dirty="0">
+                <a:solidFill>
+                  <a:srgbClr val="0070C0"/>
+                </a:solidFill>
+              </a:rPr>
+              <a:t>Clinical Knowledge into the Workflow</a:t>
             </a:r>
           </a:p>
         </p:txBody>
       </p:sp>
       <p:sp>
         <p:nvSpPr>
-          <p:cNvPr id="3" name="Content Placeholder 2"/>
+          <p:cNvPr id="6" name="Content Placeholder 5"/>
           <p:cNvSpPr>
             <a:spLocks noGrp="1"/>
           </p:cNvSpPr>
@@ -12768,122 +13143,174 @@
         </p:nvSpPr>
         <p:spPr>
           <a:xfrm>
-            <a:off x="565151" y="1239139"/>
-            <a:ext cx="10814050" cy="5447411"/>
+            <a:off x="139699" y="1060449"/>
+            <a:ext cx="11859795" cy="5727701"/>
           </a:xfrm>
         </p:spPr>
         <p:txBody>
           <a:bodyPr>
-            <a:noAutofit/>
+            <a:normAutofit/>
           </a:bodyPr>
           <a:lstStyle/>
           <a:p>
-            <a:pPr marL="457200" lvl="1" indent="-457200">
-              <a:buFontTx/>
-              <a:buChar char="-"/>
+            <a:pPr marL="0" indent="0">
+              <a:buNone/>
             </a:pPr>
             <a:r>
-              <a:rPr lang="en-US" sz="2800" dirty="0"/>
-              <a:t>60+ US institutions from 20+ statues contribute EHR data in an OMOP model</a:t>
-            </a:r>
-          </a:p>
-          <a:p>
-            <a:pPr marL="457200" lvl="1" indent="-457200">
-              <a:buFontTx/>
-              <a:buChar char="-"/>
+              <a:rPr lang="en-US" dirty="0">
+                <a:solidFill>
+                  <a:srgbClr val="000000"/>
+                </a:solidFill>
+              </a:rPr>
+              <a:t>The CRDW team requests specific codes (</a:t>
+            </a:r>
+            <a:r>
+              <a:rPr lang="en-US" dirty="0" err="1">
+                <a:solidFill>
+                  <a:srgbClr val="000000"/>
+                </a:solidFill>
+              </a:rPr>
+              <a:t>eg</a:t>
+            </a:r>
+            <a:r>
+              <a:rPr lang="en-US" dirty="0">
+                <a:solidFill>
+                  <a:srgbClr val="000000"/>
+                </a:solidFill>
+              </a:rPr>
+              <a:t>, ICDs).  The typical steps are</a:t>
+            </a:r>
+          </a:p>
+          <a:p>
+            <a:pPr marL="514350" indent="-514350">
+              <a:buAutoNum type="arabicPeriod"/>
             </a:pPr>
-            <a:endParaRPr lang="en-US" sz="2800" dirty="0"/>
-          </a:p>
-          <a:p>
-            <a:pPr marL="457200" lvl="1" indent="-457200">
-              <a:buFontTx/>
-              <a:buChar char="-"/>
+            <a:r>
+              <a:rPr lang="en-US" dirty="0">
+                <a:solidFill>
+                  <a:srgbClr val="000000"/>
+                </a:solidFill>
+              </a:rPr>
+              <a:t>You send us some keywords (</a:t>
+            </a:r>
+            <a:r>
+              <a:rPr lang="en-US" dirty="0" err="1">
+                <a:solidFill>
+                  <a:srgbClr val="000000"/>
+                </a:solidFill>
+              </a:rPr>
+              <a:t>eg</a:t>
+            </a:r>
+            <a:r>
+              <a:rPr lang="en-US" dirty="0">
+                <a:solidFill>
+                  <a:srgbClr val="000000"/>
+                </a:solidFill>
+              </a:rPr>
+              <a:t>, “ventricular” and “heart”)</a:t>
+            </a:r>
+          </a:p>
+          <a:p>
+            <a:pPr marL="514350" indent="-514350">
+              <a:buAutoNum type="arabicPeriod"/>
             </a:pPr>
             <a:r>
-              <a:rPr lang="en-US" sz="2800" dirty="0"/>
-              <a:t>Datasets are accessible only through a browser to NIH’s cluster</a:t>
-            </a:r>
-          </a:p>
-          <a:p>
-            <a:pPr marL="914400" lvl="2" indent="-457200">
-              <a:buFontTx/>
-              <a:buChar char="-"/>
+              <a:rPr lang="en-US" dirty="0">
+                <a:solidFill>
+                  <a:srgbClr val="000000"/>
+                </a:solidFill>
+              </a:rPr>
+              <a:t>We sweep the code list and send you ~100 possibilities.</a:t>
+            </a:r>
+          </a:p>
+          <a:p>
+            <a:pPr marL="514350" indent="-514350">
+              <a:buAutoNum type="arabicPeriod"/>
             </a:pPr>
             <a:r>
-              <a:rPr lang="en-US" sz="2400" dirty="0"/>
-              <a:t>Spark, Python, R</a:t>
-            </a:r>
-          </a:p>
-          <a:p>
-            <a:pPr marL="914400" lvl="2" indent="-457200">
-              <a:buFontTx/>
-              <a:buChar char="-"/>
+              <a:rPr lang="en-US" dirty="0">
+                <a:solidFill>
+                  <a:srgbClr val="000000"/>
+                </a:solidFill>
+              </a:rPr>
+              <a:t>You specify the exact ~30 codes that reflect the inclusion criteria</a:t>
+            </a:r>
+          </a:p>
+          <a:p>
+            <a:pPr marL="514350" indent="-514350">
+              <a:buAutoNum type="arabicPeriod"/>
             </a:pPr>
             <a:r>
-              <a:rPr lang="en-US" sz="2400" dirty="0"/>
-              <a:t>Lots of governance steps, but not as many as you’d think</a:t>
-            </a:r>
-          </a:p>
-          <a:p>
-            <a:pPr marL="914400" lvl="2" indent="-457200">
-              <a:buFontTx/>
-              <a:buChar char="-"/>
+              <a:rPr lang="en-US" dirty="0">
+                <a:solidFill>
+                  <a:srgbClr val="000000"/>
+                </a:solidFill>
+              </a:rPr>
+              <a:t>Some projects also use a “category” variable (</a:t>
+            </a:r>
+            <a:r>
+              <a:rPr lang="en-US" dirty="0" err="1">
+                <a:solidFill>
+                  <a:srgbClr val="000000"/>
+                </a:solidFill>
+              </a:rPr>
+              <a:t>eg</a:t>
+            </a:r>
+            <a:r>
+              <a:rPr lang="en-US" dirty="0">
+                <a:solidFill>
+                  <a:srgbClr val="000000"/>
+                </a:solidFill>
+              </a:rPr>
+              <a:t>, “acute” vs “chronic” failure)</a:t>
+            </a:r>
+          </a:p>
+          <a:p>
+            <a:pPr marL="0" indent="0">
+              <a:buNone/>
             </a:pPr>
-            <a:endParaRPr lang="en-US" sz="2400" dirty="0"/>
-          </a:p>
-          <a:p>
-            <a:pPr marL="457200" lvl="1" indent="-457200">
-              <a:buFontTx/>
-              <a:buChar char="-"/>
-            </a:pPr>
-            <a:r>
-              <a:rPr lang="en-US" sz="2800" dirty="0"/>
-              <a:t>We believe this type of collaboration will be important in the future</a:t>
-            </a:r>
-          </a:p>
-          <a:p>
-            <a:pPr marL="457200" lvl="1" indent="-457200">
-              <a:buFontTx/>
-              <a:buChar char="-"/>
-            </a:pPr>
-            <a:endParaRPr lang="en-US" sz="2800" dirty="0"/>
-          </a:p>
-          <a:p>
-            <a:pPr marL="457200" lvl="1" indent="-457200">
-              <a:buFontTx/>
-              <a:buChar char="-"/>
-            </a:pPr>
-            <a:r>
-              <a:rPr lang="en-US" sz="2800" dirty="0"/>
-              <a:t>We’re recruiting OU collaborators</a:t>
-            </a:r>
-          </a:p>
-          <a:p>
-            <a:pPr marL="914400" lvl="2" indent="-457200">
-              <a:buFontTx/>
-              <a:buChar char="-"/>
-            </a:pPr>
-            <a:r>
-              <a:rPr lang="en-US" sz="2400" dirty="0"/>
-              <a:t>particularly statisticians, data scientists, and clinicians </a:t>
-            </a:r>
-          </a:p>
-          <a:p>
-            <a:pPr marL="914400" lvl="2" indent="-457200">
-              <a:buFontTx/>
-              <a:buChar char="-"/>
-            </a:pPr>
-            <a:r>
-              <a:rPr lang="en-US" sz="2400" dirty="0"/>
-              <a:t>tell us if anyone has a research question, or want to join an existing project</a:t>
-            </a:r>
+            <a:endParaRPr lang="en-US" dirty="0">
+              <a:solidFill>
+                <a:srgbClr val="000000"/>
+              </a:solidFill>
+            </a:endParaRPr>
           </a:p>
         </p:txBody>
       </p:sp>
+      <p:pic>
+        <p:nvPicPr>
+          <p:cNvPr id="4" name="Picture 3">
+            <a:extLst>
+              <a:ext uri="{FF2B5EF4-FFF2-40B4-BE49-F238E27FC236}">
+                <a16:creationId xmlns:a16="http://schemas.microsoft.com/office/drawing/2014/main" id="{FBE0F441-FCB1-3385-D5F0-FFAB6710A13A}"/>
+              </a:ext>
+            </a:extLst>
+          </p:cNvPr>
+          <p:cNvPicPr>
+            <a:picLocks noChangeAspect="1"/>
+          </p:cNvPicPr>
+          <p:nvPr/>
+        </p:nvPicPr>
+        <p:blipFill>
+          <a:blip r:embed="rId2"/>
+          <a:stretch>
+            <a:fillRect/>
+          </a:stretch>
+        </p:blipFill>
+        <p:spPr>
+          <a:xfrm>
+            <a:off x="3271252" y="3549661"/>
+            <a:ext cx="8847221" cy="3238489"/>
+          </a:xfrm>
+          <a:prstGeom prst="rect">
+            <a:avLst/>
+          </a:prstGeom>
+        </p:spPr>
+      </p:pic>
     </p:spTree>
     <p:extLst>
       <p:ext uri="{BB962C8B-B14F-4D97-AF65-F5344CB8AC3E}">
-        <p14:creationId xmlns:p14="http://schemas.microsoft.com/office/powerpoint/2010/main" val="1806386402"/>
+        <p14:creationId xmlns:p14="http://schemas.microsoft.com/office/powerpoint/2010/main" val="1459023917"/>
       </p:ext>
     </p:extLst>
   </p:cSld>
@@ -12912,7 +13339,7 @@
       </p:grpSpPr>
       <p:sp>
         <p:nvSpPr>
-          <p:cNvPr id="8" name="Title 3"/>
+          <p:cNvPr id="2" name="Title 1"/>
           <p:cNvSpPr>
             <a:spLocks noGrp="1"/>
           </p:cNvSpPr>
@@ -12922,8 +13349,8 @@
         </p:nvSpPr>
         <p:spPr>
           <a:xfrm>
-            <a:off x="839788" y="365125"/>
-            <a:ext cx="10703628" cy="1325563"/>
+            <a:off x="565151" y="70785"/>
+            <a:ext cx="10515600" cy="640416"/>
           </a:xfrm>
         </p:spPr>
         <p:txBody>
@@ -12938,157 +13365,139 @@
                   <a:srgbClr val="0070C0"/>
                 </a:solidFill>
               </a:rPr>
-              <a:t>Since 2017, the CRDW has provided support for more than 194 projects.</a:t>
+              <a:t>N3C: National COVID Cohort Collaborative</a:t>
             </a:r>
           </a:p>
         </p:txBody>
       </p:sp>
       <p:sp>
         <p:nvSpPr>
-          <p:cNvPr id="11" name="Text Placeholder 10"/>
+          <p:cNvPr id="3" name="Content Placeholder 2"/>
           <p:cNvSpPr>
             <a:spLocks noGrp="1"/>
           </p:cNvSpPr>
           <p:nvPr>
-            <p:ph type="body" sz="quarter" idx="3"/>
+            <p:ph idx="1"/>
           </p:nvPr>
         </p:nvSpPr>
         <p:spPr>
           <a:xfrm>
-            <a:off x="324326" y="2006580"/>
-            <a:ext cx="5761246" cy="465898"/>
+            <a:off x="565151" y="1239139"/>
+            <a:ext cx="10814050" cy="5447411"/>
           </a:xfrm>
         </p:spPr>
         <p:txBody>
           <a:bodyPr>
-            <a:normAutofit/>
+            <a:noAutofit/>
           </a:bodyPr>
           <a:lstStyle/>
           <a:p>
-            <a:r>
-              <a:rPr lang="en-US" sz="2000" b="0" dirty="0"/>
-              <a:t>We currently 44 active projects.</a:t>
+            <a:pPr marL="457200" lvl="1" indent="-457200">
+              <a:buFontTx/>
+              <a:buChar char="-"/>
+            </a:pPr>
+            <a:r>
+              <a:rPr lang="en-US" sz="2800" dirty="0"/>
+              <a:t>60+ US institutions from 20+ statues contribute EHR data in an OMOP model</a:t>
+            </a:r>
+          </a:p>
+          <a:p>
+            <a:pPr marL="457200" lvl="1" indent="-457200">
+              <a:buFontTx/>
+              <a:buChar char="-"/>
+            </a:pPr>
+            <a:endParaRPr lang="en-US" sz="2800" dirty="0"/>
+          </a:p>
+          <a:p>
+            <a:pPr marL="457200" lvl="1" indent="-457200">
+              <a:buFontTx/>
+              <a:buChar char="-"/>
+            </a:pPr>
+            <a:r>
+              <a:rPr lang="en-US" sz="2800" dirty="0"/>
+              <a:t>Datasets are accessible only through a browser to NIH’s cluster</a:t>
+            </a:r>
+          </a:p>
+          <a:p>
+            <a:pPr marL="914400" lvl="2" indent="-457200">
+              <a:buFontTx/>
+              <a:buChar char="-"/>
+            </a:pPr>
+            <a:r>
+              <a:rPr lang="en-US" sz="2400" dirty="0"/>
+              <a:t>Spark, Python, R</a:t>
+            </a:r>
+          </a:p>
+          <a:p>
+            <a:pPr marL="914400" lvl="2" indent="-457200">
+              <a:buFontTx/>
+              <a:buChar char="-"/>
+            </a:pPr>
+            <a:r>
+              <a:rPr lang="en-US" sz="2400" dirty="0"/>
+              <a:t>Lots of governance steps, but not as many as you’d think</a:t>
+            </a:r>
+          </a:p>
+          <a:p>
+            <a:pPr marL="914400" lvl="2" indent="-457200">
+              <a:buFontTx/>
+              <a:buChar char="-"/>
+            </a:pPr>
+            <a:endParaRPr lang="en-US" sz="2400" dirty="0"/>
+          </a:p>
+          <a:p>
+            <a:pPr marL="457200" lvl="1" indent="-457200">
+              <a:buFontTx/>
+              <a:buChar char="-"/>
+            </a:pPr>
+            <a:r>
+              <a:rPr lang="en-US" sz="2800" dirty="0"/>
+              <a:t>We believe this type of collaboration will be important in the future</a:t>
+            </a:r>
+          </a:p>
+          <a:p>
+            <a:pPr marL="457200" lvl="1" indent="-457200">
+              <a:buFontTx/>
+              <a:buChar char="-"/>
+            </a:pPr>
+            <a:endParaRPr lang="en-US" sz="2800" dirty="0"/>
+          </a:p>
+          <a:p>
+            <a:pPr marL="457200" lvl="1" indent="-457200">
+              <a:buFontTx/>
+              <a:buChar char="-"/>
+            </a:pPr>
+            <a:r>
+              <a:rPr lang="en-US" sz="2800" dirty="0"/>
+              <a:t>We’re recruiting OU collaborators</a:t>
+            </a:r>
+          </a:p>
+          <a:p>
+            <a:pPr marL="914400" lvl="2" indent="-457200">
+              <a:buFontTx/>
+              <a:buChar char="-"/>
+            </a:pPr>
+            <a:r>
+              <a:rPr lang="en-US" sz="2400" dirty="0"/>
+              <a:t>particularly statisticians, data scientists, and clinicians </a:t>
+            </a:r>
+          </a:p>
+          <a:p>
+            <a:pPr marL="914400" lvl="2" indent="-457200">
+              <a:buFontTx/>
+              <a:buChar char="-"/>
+            </a:pPr>
+            <a:r>
+              <a:rPr lang="en-US" sz="2400" dirty="0"/>
+              <a:t>tell us if anyone has a research question, or want to join an existing project</a:t>
             </a:r>
           </a:p>
         </p:txBody>
       </p:sp>
-      <p:sp>
-        <p:nvSpPr>
-          <p:cNvPr id="10" name="Text Placeholder 10"/>
-          <p:cNvSpPr>
-            <a:spLocks noGrp="1"/>
-          </p:cNvSpPr>
-          <p:nvPr>
-            <p:ph type="body" sz="quarter" idx="3"/>
-          </p:nvPr>
-        </p:nvSpPr>
-        <p:spPr>
-          <a:xfrm>
-            <a:off x="7007362" y="2006580"/>
-            <a:ext cx="4785834" cy="653157"/>
-          </a:xfrm>
-        </p:spPr>
-        <p:txBody>
-          <a:bodyPr>
-            <a:normAutofit/>
-          </a:bodyPr>
-          <a:lstStyle/>
-          <a:p>
-            <a:r>
-              <a:rPr lang="en-US" sz="2000" b="0" dirty="0"/>
-              <a:t>Most requests are submitted by the below departments or specialties.</a:t>
-            </a:r>
-          </a:p>
-        </p:txBody>
-      </p:sp>
-      <p:sp>
-        <p:nvSpPr>
-          <p:cNvPr id="7" name="TextBox 6"/>
-          <p:cNvSpPr txBox="1"/>
-          <p:nvPr/>
-        </p:nvSpPr>
-        <p:spPr>
-          <a:xfrm>
-            <a:off x="9420139" y="6550223"/>
-            <a:ext cx="2838213" cy="307777"/>
-          </a:xfrm>
-          <a:prstGeom prst="rect">
-            <a:avLst/>
-          </a:prstGeom>
-          <a:noFill/>
-        </p:spPr>
-        <p:txBody>
-          <a:bodyPr wrap="none" rtlCol="0">
-            <a:spAutoFit/>
-          </a:bodyPr>
-          <a:lstStyle/>
-          <a:p>
-            <a:pPr latinLnBrk="1"/>
-            <a:r>
-              <a:rPr lang="en-US" sz="1400" i="1" dirty="0">
-                <a:solidFill>
-                  <a:schemeClr val="bg1">
-                    <a:lumMod val="85000"/>
-                  </a:schemeClr>
-                </a:solidFill>
-              </a:rPr>
-              <a:t>Chart &amp; table last updated Feb 2021</a:t>
-            </a:r>
-          </a:p>
-        </p:txBody>
-      </p:sp>
-      <p:pic>
-        <p:nvPicPr>
-          <p:cNvPr id="3" name="Picture 2"/>
-          <p:cNvPicPr>
-            <a:picLocks noChangeAspect="1"/>
-          </p:cNvPicPr>
-          <p:nvPr/>
-        </p:nvPicPr>
-        <p:blipFill>
-          <a:blip r:embed="rId3"/>
-          <a:stretch>
-            <a:fillRect/>
-          </a:stretch>
-        </p:blipFill>
-        <p:spPr>
-          <a:xfrm>
-            <a:off x="6085572" y="2722801"/>
-            <a:ext cx="5766808" cy="2983734"/>
-          </a:xfrm>
-          <a:prstGeom prst="rect">
-            <a:avLst/>
-          </a:prstGeom>
-        </p:spPr>
-      </p:pic>
-      <p:pic>
-        <p:nvPicPr>
-          <p:cNvPr id="5" name="Picture 4"/>
-          <p:cNvPicPr>
-            <a:picLocks noChangeAspect="1"/>
-          </p:cNvPicPr>
-          <p:nvPr/>
-        </p:nvPicPr>
-        <p:blipFill>
-          <a:blip r:embed="rId4"/>
-          <a:stretch>
-            <a:fillRect/>
-          </a:stretch>
-        </p:blipFill>
-        <p:spPr>
-          <a:xfrm>
-            <a:off x="324326" y="2687509"/>
-            <a:ext cx="5512267" cy="3019026"/>
-          </a:xfrm>
-          <a:prstGeom prst="rect">
-            <a:avLst/>
-          </a:prstGeom>
-        </p:spPr>
-      </p:pic>
     </p:spTree>
     <p:extLst>
       <p:ext uri="{BB962C8B-B14F-4D97-AF65-F5344CB8AC3E}">
-        <p14:creationId xmlns:p14="http://schemas.microsoft.com/office/powerpoint/2010/main" val="2299772323"/>
+        <p14:creationId xmlns:p14="http://schemas.microsoft.com/office/powerpoint/2010/main" val="1806386402"/>
       </p:ext>
     </p:extLst>
   </p:cSld>
@@ -13480,173 +13889,6 @@
 </file>
 
 <file path=ppt/slides/slide17.xml><?xml version="1.0" encoding="utf-8"?>
-<p:sld xmlns:a="http://schemas.openxmlformats.org/drawingml/2006/main" xmlns:r="http://schemas.openxmlformats.org/officeDocument/2006/relationships" xmlns:p="http://schemas.openxmlformats.org/presentationml/2006/main">
-  <p:cSld>
-    <p:spTree>
-      <p:nvGrpSpPr>
-        <p:cNvPr id="1" name=""/>
-        <p:cNvGrpSpPr/>
-        <p:nvPr/>
-      </p:nvGrpSpPr>
-      <p:grpSpPr>
-        <a:xfrm>
-          <a:off x="0" y="0"/>
-          <a:ext cx="0" cy="0"/>
-          <a:chOff x="0" y="0"/>
-          <a:chExt cx="0" cy="0"/>
-        </a:xfrm>
-      </p:grpSpPr>
-      <p:sp>
-        <p:nvSpPr>
-          <p:cNvPr id="2" name="Title 1"/>
-          <p:cNvSpPr>
-            <a:spLocks noGrp="1"/>
-          </p:cNvSpPr>
-          <p:nvPr>
-            <p:ph type="title"/>
-          </p:nvPr>
-        </p:nvSpPr>
-        <p:spPr>
-          <a:xfrm>
-            <a:off x="838200" y="0"/>
-            <a:ext cx="10515600" cy="1199213"/>
-          </a:xfrm>
-        </p:spPr>
-        <p:txBody>
-          <a:bodyPr>
-            <a:normAutofit/>
-          </a:bodyPr>
-          <a:lstStyle/>
-          <a:p>
-            <a:pPr algn="ctr"/>
-            <a:r>
-              <a:rPr lang="en-US" b="1" i="1" dirty="0">
-                <a:solidFill>
-                  <a:srgbClr val="0070C0"/>
-                </a:solidFill>
-              </a:rPr>
-              <a:t>Contributing to </a:t>
-            </a:r>
-            <a:r>
-              <a:rPr lang="en-US" b="1" i="1">
-                <a:solidFill>
-                  <a:srgbClr val="0070C0"/>
-                </a:solidFill>
-              </a:rPr>
-              <a:t>External Registries</a:t>
-            </a:r>
-            <a:endParaRPr lang="en-US" b="1" i="1" dirty="0">
-              <a:solidFill>
-                <a:srgbClr val="0070C0"/>
-              </a:solidFill>
-            </a:endParaRPr>
-          </a:p>
-        </p:txBody>
-      </p:sp>
-      <p:sp>
-        <p:nvSpPr>
-          <p:cNvPr id="3" name="Content Placeholder 2"/>
-          <p:cNvSpPr>
-            <a:spLocks noGrp="1"/>
-          </p:cNvSpPr>
-          <p:nvPr>
-            <p:ph idx="1"/>
-          </p:nvPr>
-        </p:nvSpPr>
-        <p:spPr>
-          <a:xfrm>
-            <a:off x="128187" y="989350"/>
-            <a:ext cx="11998295" cy="5761969"/>
-          </a:xfrm>
-        </p:spPr>
-        <p:txBody>
-          <a:bodyPr>
-            <a:normAutofit/>
-          </a:bodyPr>
-          <a:lstStyle/>
-          <a:p>
-            <a:pPr marL="0" indent="0">
-              <a:buNone/>
-            </a:pPr>
-            <a:r>
-              <a:rPr lang="en-US" dirty="0"/>
-              <a:t>Regarding decisions around data that leave OU …should there be policies involving</a:t>
-            </a:r>
-          </a:p>
-          <a:p>
-            <a:pPr marL="0" indent="0">
-              <a:buNone/>
-            </a:pPr>
-            <a:endParaRPr lang="en-US" dirty="0"/>
-          </a:p>
-          <a:p>
-            <a:pPr lvl="0"/>
-            <a:r>
-              <a:rPr lang="en-US" dirty="0"/>
-              <a:t>Only for a clearly defined research purpose (combined QI + research registry participation – e.g. NSQIP, TQIP, etc. -  should be handled by OUH)</a:t>
-            </a:r>
-          </a:p>
-          <a:p>
-            <a:pPr lvl="0"/>
-            <a:r>
-              <a:rPr lang="en-US" dirty="0" err="1"/>
-              <a:t>Deidentification</a:t>
-            </a:r>
-            <a:r>
-              <a:rPr lang="en-US" dirty="0"/>
-              <a:t> or limited data set</a:t>
-            </a:r>
-          </a:p>
-          <a:p>
-            <a:pPr lvl="0"/>
-            <a:r>
-              <a:rPr lang="en-US" dirty="0"/>
-              <a:t>Not-for-profit requirement of the business associate </a:t>
-            </a:r>
-            <a:r>
-              <a:rPr lang="en-US" dirty="0">
-                <a:solidFill>
-                  <a:schemeClr val="accent6"/>
-                </a:solidFill>
-              </a:rPr>
-              <a:t>(Beasley doesn’t like this restriction)</a:t>
-            </a:r>
-          </a:p>
-          <a:p>
-            <a:pPr marL="0" indent="0">
-              <a:buNone/>
-            </a:pPr>
-            <a:r>
-              <a:rPr lang="en-US" dirty="0"/>
-              <a:t> </a:t>
-            </a:r>
-          </a:p>
-          <a:p>
-            <a:pPr marL="0" indent="0">
-              <a:buNone/>
-            </a:pPr>
-            <a:r>
-              <a:rPr lang="en-US" dirty="0"/>
-              <a:t>Anything outside the stated review purview can still come to committee for recommendation before be passed to the OUH Leadership and data governance bodies </a:t>
-            </a:r>
-            <a:endParaRPr lang="en-US" sz="2800" dirty="0"/>
-          </a:p>
-        </p:txBody>
-      </p:sp>
-    </p:spTree>
-    <p:extLst>
-      <p:ext uri="{BB962C8B-B14F-4D97-AF65-F5344CB8AC3E}">
-        <p14:creationId xmlns:p14="http://schemas.microsoft.com/office/powerpoint/2010/main" val="1569038813"/>
-      </p:ext>
-    </p:extLst>
-  </p:cSld>
-  <p:clrMapOvr>
-    <a:masterClrMapping/>
-  </p:clrMapOvr>
-</p:sld>
-</file>
-
-<file path=ppt/slides/slide18.xml><?xml version="1.0" encoding="utf-8"?>
 <p:sld xmlns:a="http://schemas.openxmlformats.org/drawingml/2006/main" xmlns:r="http://schemas.openxmlformats.org/officeDocument/2006/relationships" xmlns:p="http://schemas.openxmlformats.org/presentationml/2006/main">
   <p:cSld>
     <p:spTree>
@@ -14122,7 +14364,7 @@
 </p:sld>
 </file>
 
-<file path=ppt/slides/slide19.xml><?xml version="1.0" encoding="utf-8"?>
+<file path=ppt/slides/slide18.xml><?xml version="1.0" encoding="utf-8"?>
 <p:sld xmlns:a="http://schemas.openxmlformats.org/drawingml/2006/main" xmlns:r="http://schemas.openxmlformats.org/officeDocument/2006/relationships" xmlns:p="http://schemas.openxmlformats.org/presentationml/2006/main">
   <p:cSld>
     <p:bg>
@@ -14196,6 +14438,173 @@
     <p:extLst>
       <p:ext uri="{BB962C8B-B14F-4D97-AF65-F5344CB8AC3E}">
         <p14:creationId xmlns:p14="http://schemas.microsoft.com/office/powerpoint/2010/main" val="2060120136"/>
+      </p:ext>
+    </p:extLst>
+  </p:cSld>
+  <p:clrMapOvr>
+    <a:masterClrMapping/>
+  </p:clrMapOvr>
+</p:sld>
+</file>
+
+<file path=ppt/slides/slide19.xml><?xml version="1.0" encoding="utf-8"?>
+<p:sld xmlns:a="http://schemas.openxmlformats.org/drawingml/2006/main" xmlns:r="http://schemas.openxmlformats.org/officeDocument/2006/relationships" xmlns:p="http://schemas.openxmlformats.org/presentationml/2006/main">
+  <p:cSld>
+    <p:spTree>
+      <p:nvGrpSpPr>
+        <p:cNvPr id="1" name=""/>
+        <p:cNvGrpSpPr/>
+        <p:nvPr/>
+      </p:nvGrpSpPr>
+      <p:grpSpPr>
+        <a:xfrm>
+          <a:off x="0" y="0"/>
+          <a:ext cx="0" cy="0"/>
+          <a:chOff x="0" y="0"/>
+          <a:chExt cx="0" cy="0"/>
+        </a:xfrm>
+      </p:grpSpPr>
+      <p:sp>
+        <p:nvSpPr>
+          <p:cNvPr id="2" name="Title 1"/>
+          <p:cNvSpPr>
+            <a:spLocks noGrp="1"/>
+          </p:cNvSpPr>
+          <p:nvPr>
+            <p:ph type="title"/>
+          </p:nvPr>
+        </p:nvSpPr>
+        <p:spPr>
+          <a:xfrm>
+            <a:off x="838200" y="0"/>
+            <a:ext cx="10515600" cy="1199213"/>
+          </a:xfrm>
+        </p:spPr>
+        <p:txBody>
+          <a:bodyPr>
+            <a:normAutofit/>
+          </a:bodyPr>
+          <a:lstStyle/>
+          <a:p>
+            <a:pPr algn="ctr"/>
+            <a:r>
+              <a:rPr lang="en-US" b="1" i="1" dirty="0">
+                <a:solidFill>
+                  <a:srgbClr val="0070C0"/>
+                </a:solidFill>
+              </a:rPr>
+              <a:t>Contributing to </a:t>
+            </a:r>
+            <a:r>
+              <a:rPr lang="en-US" b="1" i="1">
+                <a:solidFill>
+                  <a:srgbClr val="0070C0"/>
+                </a:solidFill>
+              </a:rPr>
+              <a:t>External Registries</a:t>
+            </a:r>
+            <a:endParaRPr lang="en-US" b="1" i="1" dirty="0">
+              <a:solidFill>
+                <a:srgbClr val="0070C0"/>
+              </a:solidFill>
+            </a:endParaRPr>
+          </a:p>
+        </p:txBody>
+      </p:sp>
+      <p:sp>
+        <p:nvSpPr>
+          <p:cNvPr id="3" name="Content Placeholder 2"/>
+          <p:cNvSpPr>
+            <a:spLocks noGrp="1"/>
+          </p:cNvSpPr>
+          <p:nvPr>
+            <p:ph idx="1"/>
+          </p:nvPr>
+        </p:nvSpPr>
+        <p:spPr>
+          <a:xfrm>
+            <a:off x="128187" y="989350"/>
+            <a:ext cx="11998295" cy="5761969"/>
+          </a:xfrm>
+        </p:spPr>
+        <p:txBody>
+          <a:bodyPr>
+            <a:normAutofit/>
+          </a:bodyPr>
+          <a:lstStyle/>
+          <a:p>
+            <a:pPr marL="0" indent="0">
+              <a:buNone/>
+            </a:pPr>
+            <a:r>
+              <a:rPr lang="en-US" dirty="0"/>
+              <a:t>Regarding decisions around data that leave OU …should there be policies involving</a:t>
+            </a:r>
+          </a:p>
+          <a:p>
+            <a:pPr marL="0" indent="0">
+              <a:buNone/>
+            </a:pPr>
+            <a:endParaRPr lang="en-US" dirty="0"/>
+          </a:p>
+          <a:p>
+            <a:pPr lvl="0"/>
+            <a:r>
+              <a:rPr lang="en-US" dirty="0"/>
+              <a:t>Only for a clearly defined research purpose (combined QI + research registry participation – e.g. NSQIP, TQIP, etc. -  should be handled by OUH)</a:t>
+            </a:r>
+          </a:p>
+          <a:p>
+            <a:pPr lvl="0"/>
+            <a:r>
+              <a:rPr lang="en-US" dirty="0" err="1"/>
+              <a:t>Deidentification</a:t>
+            </a:r>
+            <a:r>
+              <a:rPr lang="en-US" dirty="0"/>
+              <a:t> or limited data set</a:t>
+            </a:r>
+          </a:p>
+          <a:p>
+            <a:pPr lvl="0"/>
+            <a:r>
+              <a:rPr lang="en-US" dirty="0"/>
+              <a:t>Not-for-profit requirement of the business associate </a:t>
+            </a:r>
+            <a:r>
+              <a:rPr lang="en-US" dirty="0">
+                <a:solidFill>
+                  <a:schemeClr val="accent6"/>
+                </a:solidFill>
+              </a:rPr>
+              <a:t>(Beasley doesn’t like this restriction)</a:t>
+            </a:r>
+          </a:p>
+          <a:p>
+            <a:pPr marL="0" indent="0">
+              <a:buNone/>
+            </a:pPr>
+            <a:r>
+              <a:rPr lang="en-US" dirty="0"/>
+              <a:t> </a:t>
+            </a:r>
+          </a:p>
+          <a:p>
+            <a:pPr marL="0" indent="0">
+              <a:buNone/>
+            </a:pPr>
+            <a:r>
+              <a:rPr lang="en-US" dirty="0"/>
+              <a:t>Anything outside the stated review purview can still come to committee for recommendation before be passed to the OUH Leadership and data governance bodies </a:t>
+            </a:r>
+            <a:endParaRPr lang="en-US" sz="2800" dirty="0"/>
+          </a:p>
+        </p:txBody>
+      </p:sp>
+    </p:spTree>
+    <p:extLst>
+      <p:ext uri="{BB962C8B-B14F-4D97-AF65-F5344CB8AC3E}">
+        <p14:creationId xmlns:p14="http://schemas.microsoft.com/office/powerpoint/2010/main" val="1569038813"/>
       </p:ext>
     </p:extLst>
   </p:cSld>
@@ -14690,6 +15099,318 @@
           <a:chExt cx="0" cy="0"/>
         </a:xfrm>
       </p:grpSpPr>
+      <p:pic>
+        <p:nvPicPr>
+          <p:cNvPr id="5" name="Picture 4"/>
+          <p:cNvPicPr>
+            <a:picLocks noChangeAspect="1"/>
+          </p:cNvPicPr>
+          <p:nvPr/>
+        </p:nvPicPr>
+        <p:blipFill>
+          <a:blip r:embed="rId2"/>
+          <a:stretch>
+            <a:fillRect/>
+          </a:stretch>
+        </p:blipFill>
+        <p:spPr>
+          <a:xfrm>
+            <a:off x="566221" y="1042587"/>
+            <a:ext cx="10705682" cy="5708865"/>
+          </a:xfrm>
+          <a:prstGeom prst="rect">
+            <a:avLst/>
+          </a:prstGeom>
+        </p:spPr>
+      </p:pic>
+      <p:sp>
+        <p:nvSpPr>
+          <p:cNvPr id="6" name="Title 1"/>
+          <p:cNvSpPr txBox="1">
+            <a:spLocks/>
+          </p:cNvSpPr>
+          <p:nvPr/>
+        </p:nvSpPr>
+        <p:spPr>
+          <a:xfrm>
+            <a:off x="781050" y="78400"/>
+            <a:ext cx="10515600" cy="804594"/>
+          </a:xfrm>
+          <a:prstGeom prst="rect">
+            <a:avLst/>
+          </a:prstGeom>
+        </p:spPr>
+        <p:txBody>
+          <a:bodyPr vert="horz" lIns="91440" tIns="45720" rIns="91440" bIns="45720" rtlCol="0" anchor="ctr">
+            <a:normAutofit/>
+          </a:bodyPr>
+          <a:lstStyle>
+            <a:lvl1pPr algn="l" defTabSz="914400" rtl="0" eaLnBrk="1" latinLnBrk="0" hangingPunct="1">
+              <a:lnSpc>
+                <a:spcPct val="90000"/>
+              </a:lnSpc>
+              <a:spcBef>
+                <a:spcPct val="0"/>
+              </a:spcBef>
+              <a:buNone/>
+              <a:defRPr sz="4400" kern="1200">
+                <a:solidFill>
+                  <a:schemeClr val="tx1"/>
+                </a:solidFill>
+                <a:latin typeface="+mj-lt"/>
+                <a:ea typeface="+mj-ea"/>
+                <a:cs typeface="+mj-cs"/>
+              </a:defRPr>
+            </a:lvl1pPr>
+          </a:lstStyle>
+          <a:p>
+            <a:pPr algn="ctr"/>
+            <a:r>
+              <a:rPr lang="en-US" sz="3600" b="1" i="1" dirty="0">
+                <a:solidFill>
+                  <a:srgbClr val="0070C0"/>
+                </a:solidFill>
+              </a:rPr>
+              <a:t>Sample Rolling Eligibility Report</a:t>
+            </a:r>
+          </a:p>
+        </p:txBody>
+      </p:sp>
+    </p:spTree>
+    <p:extLst>
+      <p:ext uri="{BB962C8B-B14F-4D97-AF65-F5344CB8AC3E}">
+        <p14:creationId xmlns:p14="http://schemas.microsoft.com/office/powerpoint/2010/main" val="1587945687"/>
+      </p:ext>
+    </p:extLst>
+  </p:cSld>
+  <p:clrMapOvr>
+    <a:masterClrMapping/>
+  </p:clrMapOvr>
+</p:sld>
+</file>
+
+<file path=ppt/slides/slide21.xml><?xml version="1.0" encoding="utf-8"?>
+<p:sld xmlns:a="http://schemas.openxmlformats.org/drawingml/2006/main" xmlns:r="http://schemas.openxmlformats.org/officeDocument/2006/relationships" xmlns:p="http://schemas.openxmlformats.org/presentationml/2006/main">
+  <p:cSld>
+    <p:spTree>
+      <p:nvGrpSpPr>
+        <p:cNvPr id="1" name=""/>
+        <p:cNvGrpSpPr/>
+        <p:nvPr/>
+      </p:nvGrpSpPr>
+      <p:grpSpPr>
+        <a:xfrm>
+          <a:off x="0" y="0"/>
+          <a:ext cx="0" cy="0"/>
+          <a:chOff x="0" y="0"/>
+          <a:chExt cx="0" cy="0"/>
+        </a:xfrm>
+      </p:grpSpPr>
+      <p:sp>
+        <p:nvSpPr>
+          <p:cNvPr id="8" name="Title 3"/>
+          <p:cNvSpPr>
+            <a:spLocks noGrp="1"/>
+          </p:cNvSpPr>
+          <p:nvPr>
+            <p:ph type="title"/>
+          </p:nvPr>
+        </p:nvSpPr>
+        <p:spPr>
+          <a:xfrm>
+            <a:off x="839788" y="365125"/>
+            <a:ext cx="10703628" cy="1325563"/>
+          </a:xfrm>
+        </p:spPr>
+        <p:txBody>
+          <a:bodyPr>
+            <a:normAutofit/>
+          </a:bodyPr>
+          <a:lstStyle/>
+          <a:p>
+            <a:r>
+              <a:rPr lang="en-US" sz="3600" b="1" i="1" dirty="0">
+                <a:solidFill>
+                  <a:srgbClr val="0070C0"/>
+                </a:solidFill>
+              </a:rPr>
+              <a:t>Since 2017, the CRDW has provided support for more than 194 projects.</a:t>
+            </a:r>
+          </a:p>
+        </p:txBody>
+      </p:sp>
+      <p:sp>
+        <p:nvSpPr>
+          <p:cNvPr id="11" name="Text Placeholder 10"/>
+          <p:cNvSpPr>
+            <a:spLocks noGrp="1"/>
+          </p:cNvSpPr>
+          <p:nvPr>
+            <p:ph type="body" sz="quarter" idx="3"/>
+          </p:nvPr>
+        </p:nvSpPr>
+        <p:spPr>
+          <a:xfrm>
+            <a:off x="324326" y="2006580"/>
+            <a:ext cx="5761246" cy="465898"/>
+          </a:xfrm>
+        </p:spPr>
+        <p:txBody>
+          <a:bodyPr>
+            <a:normAutofit/>
+          </a:bodyPr>
+          <a:lstStyle/>
+          <a:p>
+            <a:r>
+              <a:rPr lang="en-US" sz="2000" b="0" dirty="0"/>
+              <a:t>We currently 44 active projects.</a:t>
+            </a:r>
+          </a:p>
+        </p:txBody>
+      </p:sp>
+      <p:sp>
+        <p:nvSpPr>
+          <p:cNvPr id="10" name="Text Placeholder 10"/>
+          <p:cNvSpPr>
+            <a:spLocks noGrp="1"/>
+          </p:cNvSpPr>
+          <p:nvPr>
+            <p:ph type="body" sz="quarter" idx="3"/>
+          </p:nvPr>
+        </p:nvSpPr>
+        <p:spPr>
+          <a:xfrm>
+            <a:off x="7007362" y="2006580"/>
+            <a:ext cx="4785834" cy="653157"/>
+          </a:xfrm>
+        </p:spPr>
+        <p:txBody>
+          <a:bodyPr>
+            <a:normAutofit/>
+          </a:bodyPr>
+          <a:lstStyle/>
+          <a:p>
+            <a:r>
+              <a:rPr lang="en-US" sz="2000" b="0" dirty="0"/>
+              <a:t>Most requests are submitted by the below departments or specialties.</a:t>
+            </a:r>
+          </a:p>
+        </p:txBody>
+      </p:sp>
+      <p:sp>
+        <p:nvSpPr>
+          <p:cNvPr id="7" name="TextBox 6"/>
+          <p:cNvSpPr txBox="1"/>
+          <p:nvPr/>
+        </p:nvSpPr>
+        <p:spPr>
+          <a:xfrm>
+            <a:off x="9420139" y="6550223"/>
+            <a:ext cx="2838213" cy="307777"/>
+          </a:xfrm>
+          <a:prstGeom prst="rect">
+            <a:avLst/>
+          </a:prstGeom>
+          <a:noFill/>
+        </p:spPr>
+        <p:txBody>
+          <a:bodyPr wrap="none" rtlCol="0">
+            <a:spAutoFit/>
+          </a:bodyPr>
+          <a:lstStyle/>
+          <a:p>
+            <a:pPr latinLnBrk="1"/>
+            <a:r>
+              <a:rPr lang="en-US" sz="1400" i="1" dirty="0">
+                <a:solidFill>
+                  <a:schemeClr val="bg1">
+                    <a:lumMod val="85000"/>
+                  </a:schemeClr>
+                </a:solidFill>
+              </a:rPr>
+              <a:t>Chart &amp; table last updated Feb 2021</a:t>
+            </a:r>
+          </a:p>
+        </p:txBody>
+      </p:sp>
+      <p:pic>
+        <p:nvPicPr>
+          <p:cNvPr id="3" name="Picture 2"/>
+          <p:cNvPicPr>
+            <a:picLocks noChangeAspect="1"/>
+          </p:cNvPicPr>
+          <p:nvPr/>
+        </p:nvPicPr>
+        <p:blipFill>
+          <a:blip r:embed="rId3"/>
+          <a:stretch>
+            <a:fillRect/>
+          </a:stretch>
+        </p:blipFill>
+        <p:spPr>
+          <a:xfrm>
+            <a:off x="6085572" y="2722801"/>
+            <a:ext cx="5766808" cy="2983734"/>
+          </a:xfrm>
+          <a:prstGeom prst="rect">
+            <a:avLst/>
+          </a:prstGeom>
+        </p:spPr>
+      </p:pic>
+      <p:pic>
+        <p:nvPicPr>
+          <p:cNvPr id="5" name="Picture 4"/>
+          <p:cNvPicPr>
+            <a:picLocks noChangeAspect="1"/>
+          </p:cNvPicPr>
+          <p:nvPr/>
+        </p:nvPicPr>
+        <p:blipFill>
+          <a:blip r:embed="rId4"/>
+          <a:stretch>
+            <a:fillRect/>
+          </a:stretch>
+        </p:blipFill>
+        <p:spPr>
+          <a:xfrm>
+            <a:off x="324326" y="2687509"/>
+            <a:ext cx="5512267" cy="3019026"/>
+          </a:xfrm>
+          <a:prstGeom prst="rect">
+            <a:avLst/>
+          </a:prstGeom>
+        </p:spPr>
+      </p:pic>
+    </p:spTree>
+    <p:extLst>
+      <p:ext uri="{BB962C8B-B14F-4D97-AF65-F5344CB8AC3E}">
+        <p14:creationId xmlns:p14="http://schemas.microsoft.com/office/powerpoint/2010/main" val="2299772323"/>
+      </p:ext>
+    </p:extLst>
+  </p:cSld>
+  <p:clrMapOvr>
+    <a:masterClrMapping/>
+  </p:clrMapOvr>
+</p:sld>
+</file>
+
+<file path=ppt/slides/slide22.xml><?xml version="1.0" encoding="utf-8"?>
+<p:sld xmlns:a="http://schemas.openxmlformats.org/drawingml/2006/main" xmlns:r="http://schemas.openxmlformats.org/officeDocument/2006/relationships" xmlns:p="http://schemas.openxmlformats.org/presentationml/2006/main">
+  <p:cSld>
+    <p:spTree>
+      <p:nvGrpSpPr>
+        <p:cNvPr id="1" name=""/>
+        <p:cNvGrpSpPr/>
+        <p:nvPr/>
+      </p:nvGrpSpPr>
+      <p:grpSpPr>
+        <a:xfrm>
+          <a:off x="0" y="0"/>
+          <a:ext cx="0" cy="0"/>
+          <a:chOff x="0" y="0"/>
+          <a:chExt cx="0" cy="0"/>
+        </a:xfrm>
+      </p:grpSpPr>
       <p:sp>
         <p:nvSpPr>
           <p:cNvPr id="2" name="Title 1"/>
@@ -18319,7 +19040,7 @@
 </p:sld>
 </file>
 
-<file path=ppt/slides/slide21.xml><?xml version="1.0" encoding="utf-8"?>
+<file path=ppt/slides/slide23.xml><?xml version="1.0" encoding="utf-8"?>
 <p:sld xmlns:a="http://schemas.openxmlformats.org/drawingml/2006/main" xmlns:r="http://schemas.openxmlformats.org/officeDocument/2006/relationships" xmlns:p="http://schemas.openxmlformats.org/presentationml/2006/main">
   <p:cSld>
     <p:spTree>
@@ -21824,7 +22545,7 @@
 </p:sld>
 </file>
 
-<file path=ppt/slides/slide22.xml><?xml version="1.0" encoding="utf-8"?>
+<file path=ppt/slides/slide24.xml><?xml version="1.0" encoding="utf-8"?>
 <p:sld xmlns:a="http://schemas.openxmlformats.org/drawingml/2006/main" xmlns:r="http://schemas.openxmlformats.org/officeDocument/2006/relationships" xmlns:p="http://schemas.openxmlformats.org/presentationml/2006/main">
   <p:cSld>
     <p:spTree>
@@ -24797,7 +25518,7 @@
 </p:sld>
 </file>
 
-<file path=ppt/slides/slide23.xml><?xml version="1.0" encoding="utf-8"?>
+<file path=ppt/slides/slide25.xml><?xml version="1.0" encoding="utf-8"?>
 <p:sld xmlns:a="http://schemas.openxmlformats.org/drawingml/2006/main" xmlns:r="http://schemas.openxmlformats.org/officeDocument/2006/relationships" xmlns:p="http://schemas.openxmlformats.org/presentationml/2006/main">
   <p:cSld>
     <p:spTree>
@@ -26475,14 +27196,6 @@
               </a:rPr>
               <a:t>Clinical Trials &amp; Other Research Studies Supported by the CRDW</a:t>
             </a:r>
-            <a:r>
-              <a:rPr lang="en-US" sz="7100" b="1" i="1" dirty="0">
-                <a:solidFill>
-                  <a:srgbClr val="0070C0"/>
-                </a:solidFill>
-              </a:rPr>
-              <a:t/>
-            </a:r>
             <a:br>
               <a:rPr lang="en-US" sz="7100" b="1" i="1" dirty="0">
                 <a:solidFill>
@@ -27997,7 +28710,7 @@
 </p:sld>
 </file>
 
-<file path=ppt/slides/slide24.xml><?xml version="1.0" encoding="utf-8"?>
+<file path=ppt/slides/slide26.xml><?xml version="1.0" encoding="utf-8"?>
 <p:sld xmlns:a="http://schemas.openxmlformats.org/drawingml/2006/main" xmlns:r="http://schemas.openxmlformats.org/officeDocument/2006/relationships" xmlns:p="http://schemas.openxmlformats.org/presentationml/2006/main">
   <p:cSld>
     <p:spTree>
@@ -28214,7 +28927,7 @@
 </p:sld>
 </file>
 
-<file path=ppt/slides/slide25.xml><?xml version="1.0" encoding="utf-8"?>
+<file path=ppt/slides/slide27.xml><?xml version="1.0" encoding="utf-8"?>
 <p:sld xmlns:a="http://schemas.openxmlformats.org/drawingml/2006/main" xmlns:r="http://schemas.openxmlformats.org/officeDocument/2006/relationships" xmlns:p="http://schemas.openxmlformats.org/presentationml/2006/main">
   <p:cSld>
     <p:spTree>
@@ -28399,7 +29112,7 @@
 </p:sld>
 </file>
 
-<file path=ppt/slides/slide26.xml><?xml version="1.0" encoding="utf-8"?>
+<file path=ppt/slides/slide28.xml><?xml version="1.0" encoding="utf-8"?>
 <p:sld xmlns:a="http://schemas.openxmlformats.org/drawingml/2006/main" xmlns:r="http://schemas.openxmlformats.org/officeDocument/2006/relationships" xmlns:p="http://schemas.openxmlformats.org/presentationml/2006/main">
   <p:cSld>
     <p:spTree>
@@ -28579,7 +29292,7 @@
 </p:sld>
 </file>
 
-<file path=ppt/slides/slide27.xml><?xml version="1.0" encoding="utf-8"?>
+<file path=ppt/slides/slide29.xml><?xml version="1.0" encoding="utf-8"?>
 <p:sld xmlns:a="http://schemas.openxmlformats.org/drawingml/2006/main" xmlns:r="http://schemas.openxmlformats.org/officeDocument/2006/relationships" xmlns:p="http://schemas.openxmlformats.org/presentationml/2006/main">
   <p:cSld>
     <p:spTree>
@@ -28690,7 +29403,291 @@
 </p:sld>
 </file>
 
-<file path=ppt/slides/slide28.xml><?xml version="1.0" encoding="utf-8"?>
+<file path=ppt/slides/slide3.xml><?xml version="1.0" encoding="utf-8"?>
+<p:sld xmlns:a="http://schemas.openxmlformats.org/drawingml/2006/main" xmlns:r="http://schemas.openxmlformats.org/officeDocument/2006/relationships" xmlns:p="http://schemas.openxmlformats.org/presentationml/2006/main">
+  <p:cSld>
+    <p:spTree>
+      <p:nvGrpSpPr>
+        <p:cNvPr id="1" name=""/>
+        <p:cNvGrpSpPr/>
+        <p:nvPr/>
+      </p:nvGrpSpPr>
+      <p:grpSpPr>
+        <a:xfrm>
+          <a:off x="0" y="0"/>
+          <a:ext cx="0" cy="0"/>
+          <a:chOff x="0" y="0"/>
+          <a:chExt cx="0" cy="0"/>
+        </a:xfrm>
+      </p:grpSpPr>
+      <p:sp>
+        <p:nvSpPr>
+          <p:cNvPr id="2" name="Title 1"/>
+          <p:cNvSpPr>
+            <a:spLocks noGrp="1"/>
+          </p:cNvSpPr>
+          <p:nvPr>
+            <p:ph type="title"/>
+          </p:nvPr>
+        </p:nvSpPr>
+        <p:spPr>
+          <a:xfrm>
+            <a:off x="838200" y="0"/>
+            <a:ext cx="10515600" cy="861695"/>
+          </a:xfrm>
+        </p:spPr>
+        <p:txBody>
+          <a:bodyPr>
+            <a:normAutofit/>
+          </a:bodyPr>
+          <a:lstStyle/>
+          <a:p>
+            <a:pPr algn="ctr"/>
+            <a:r>
+              <a:rPr lang="en-US" b="1" i="1" dirty="0">
+                <a:solidFill>
+                  <a:srgbClr val="0070C0"/>
+                </a:solidFill>
+              </a:rPr>
+              <a:t>HSC Data Sources</a:t>
+            </a:r>
+          </a:p>
+        </p:txBody>
+      </p:sp>
+      <p:sp>
+        <p:nvSpPr>
+          <p:cNvPr id="3" name="Content Placeholder 2"/>
+          <p:cNvSpPr>
+            <a:spLocks noGrp="1"/>
+          </p:cNvSpPr>
+          <p:nvPr>
+            <p:ph idx="1"/>
+          </p:nvPr>
+        </p:nvSpPr>
+        <p:spPr>
+          <a:xfrm>
+            <a:off x="217170" y="260430"/>
+            <a:ext cx="11757660" cy="6597570"/>
+          </a:xfrm>
+        </p:spPr>
+        <p:txBody>
+          <a:bodyPr>
+            <a:normAutofit fontScale="92500" lnSpcReduction="10000"/>
+          </a:bodyPr>
+          <a:lstStyle/>
+          <a:p>
+            <a:r>
+              <a:rPr lang="en-US" dirty="0"/>
+              <a:t>Patient</a:t>
+            </a:r>
+          </a:p>
+          <a:p>
+            <a:pPr lvl="1"/>
+            <a:r>
+              <a:rPr lang="en-US" dirty="0"/>
+              <a:t>Epic (we have the basics, and will be adding for a while)</a:t>
+            </a:r>
+          </a:p>
+          <a:p>
+            <a:pPr lvl="1"/>
+            <a:r>
+              <a:rPr lang="en-US" dirty="0"/>
+              <a:t>Legacy Outpatient (Centricity)</a:t>
+            </a:r>
+          </a:p>
+          <a:p>
+            <a:pPr lvl="1"/>
+            <a:r>
+              <a:rPr lang="en-US" dirty="0"/>
+              <a:t>Legacy Billing and Claims Data (GECB)</a:t>
+            </a:r>
+          </a:p>
+          <a:p>
+            <a:pPr lvl="1"/>
+            <a:r>
+              <a:rPr lang="en-US" dirty="0"/>
+              <a:t>Legacy Inpatient (Meditech) </a:t>
+            </a:r>
+          </a:p>
+          <a:p>
+            <a:pPr lvl="1"/>
+            <a:r>
+              <a:rPr lang="en-US" dirty="0"/>
+              <a:t>Dozens of departmental sources</a:t>
+            </a:r>
+          </a:p>
+          <a:p>
+            <a:pPr lvl="1"/>
+            <a:r>
+              <a:rPr lang="en-US" dirty="0"/>
+              <a:t>Biomedical Research Data</a:t>
+            </a:r>
+          </a:p>
+          <a:p>
+            <a:pPr marL="228600" lvl="1">
+              <a:spcBef>
+                <a:spcPts val="1000"/>
+              </a:spcBef>
+            </a:pPr>
+            <a:r>
+              <a:rPr lang="en-US" sz="2800" dirty="0"/>
+              <a:t>Provider</a:t>
+            </a:r>
+          </a:p>
+          <a:p>
+            <a:pPr marL="228600" lvl="1">
+              <a:spcBef>
+                <a:spcPts val="1000"/>
+              </a:spcBef>
+            </a:pPr>
+            <a:r>
+              <a:rPr lang="en-US" sz="2800" dirty="0"/>
+              <a:t>External Agencies</a:t>
+            </a:r>
+          </a:p>
+          <a:p>
+            <a:pPr marL="685800" lvl="2">
+              <a:spcBef>
+                <a:spcPts val="1000"/>
+              </a:spcBef>
+            </a:pPr>
+            <a:r>
+              <a:rPr lang="en-US" dirty="0"/>
+              <a:t>Service Provided (by the Health </a:t>
+            </a:r>
+            <a:r>
+              <a:rPr lang="en-US" dirty="0" err="1"/>
+              <a:t>Dept</a:t>
+            </a:r>
+            <a:r>
+              <a:rPr lang="en-US" dirty="0"/>
+              <a:t> of Oklahoma)</a:t>
+            </a:r>
+          </a:p>
+          <a:p>
+            <a:pPr marL="685800" lvl="2">
+              <a:spcBef>
+                <a:spcPts val="1000"/>
+              </a:spcBef>
+            </a:pPr>
+            <a:r>
+              <a:rPr lang="en-US" dirty="0"/>
+              <a:t>Child Protective Services (Oklahoma </a:t>
+            </a:r>
+            <a:r>
+              <a:rPr lang="en-US" dirty="0" err="1"/>
+              <a:t>Dept</a:t>
+            </a:r>
+            <a:r>
+              <a:rPr lang="en-US" dirty="0"/>
+              <a:t> of Human Services)</a:t>
+            </a:r>
+          </a:p>
+          <a:p>
+            <a:pPr marL="685800" lvl="2">
+              <a:spcBef>
+                <a:spcPts val="1000"/>
+              </a:spcBef>
+            </a:pPr>
+            <a:r>
+              <a:rPr lang="en-US" dirty="0"/>
+              <a:t>Immunization (Health </a:t>
+            </a:r>
+            <a:r>
+              <a:rPr lang="en-US" dirty="0" err="1"/>
+              <a:t>Dept</a:t>
+            </a:r>
+            <a:r>
+              <a:rPr lang="en-US" dirty="0"/>
+              <a:t> of Oklahoma)</a:t>
+            </a:r>
+          </a:p>
+          <a:p>
+            <a:pPr marL="685800" lvl="2">
+              <a:spcBef>
+                <a:spcPts val="1000"/>
+              </a:spcBef>
+            </a:pPr>
+            <a:r>
+              <a:rPr lang="en-US" dirty="0"/>
+              <a:t>Vital Records (Health </a:t>
+            </a:r>
+            <a:r>
+              <a:rPr lang="en-US" dirty="0" err="1"/>
+              <a:t>Dept</a:t>
+            </a:r>
+            <a:r>
+              <a:rPr lang="en-US" dirty="0"/>
+              <a:t> of Oklahoma)</a:t>
+            </a:r>
+            <a:endParaRPr lang="en-US" sz="2800" dirty="0"/>
+          </a:p>
+          <a:p>
+            <a:pPr marL="685800" lvl="2">
+              <a:spcBef>
+                <a:spcPts val="1000"/>
+              </a:spcBef>
+            </a:pPr>
+            <a:r>
+              <a:rPr lang="en-US" dirty="0"/>
+              <a:t>…</a:t>
+            </a:r>
+          </a:p>
+          <a:p>
+            <a:pPr marL="685800" lvl="2">
+              <a:spcBef>
+                <a:spcPts val="1000"/>
+              </a:spcBef>
+            </a:pPr>
+            <a:r>
+              <a:rPr lang="en-US" dirty="0"/>
+              <a:t>Multi-state collaborations (in the future)</a:t>
+            </a:r>
+          </a:p>
+          <a:p>
+            <a:pPr marL="228600" lvl="1">
+              <a:spcBef>
+                <a:spcPts val="1000"/>
+              </a:spcBef>
+            </a:pPr>
+            <a:r>
+              <a:rPr lang="en-US" sz="2800" dirty="0"/>
+              <a:t>Administrative Cost</a:t>
+            </a:r>
+          </a:p>
+          <a:p>
+            <a:pPr marL="228600" lvl="1">
+              <a:spcBef>
+                <a:spcPts val="1000"/>
+              </a:spcBef>
+            </a:pPr>
+            <a:r>
+              <a:rPr lang="en-US" sz="2800" dirty="0">
+                <a:solidFill>
+                  <a:schemeClr val="bg1">
+                    <a:lumMod val="50000"/>
+                  </a:schemeClr>
+                </a:solidFill>
+              </a:rPr>
+              <a:t>Employee &amp; Student</a:t>
+            </a:r>
+          </a:p>
+        </p:txBody>
+      </p:sp>
+    </p:spTree>
+    <p:extLst>
+      <p:ext uri="{BB962C8B-B14F-4D97-AF65-F5344CB8AC3E}">
+        <p14:creationId xmlns:p14="http://schemas.microsoft.com/office/powerpoint/2010/main" val="2124685461"/>
+      </p:ext>
+    </p:extLst>
+  </p:cSld>
+  <p:clrMapOvr>
+    <a:masterClrMapping/>
+  </p:clrMapOvr>
+</p:sld>
+</file>
+
+<file path=ppt/slides/slide30.xml><?xml version="1.0" encoding="utf-8"?>
 <p:sld xmlns:a="http://schemas.openxmlformats.org/drawingml/2006/main" xmlns:r="http://schemas.openxmlformats.org/officeDocument/2006/relationships" xmlns:p="http://schemas.openxmlformats.org/presentationml/2006/main">
   <p:cSld>
     <p:spTree>
@@ -28933,7 +29930,7 @@
 </p:sld>
 </file>
 
-<file path=ppt/slides/slide29.xml><?xml version="1.0" encoding="utf-8"?>
+<file path=ppt/slides/slide31.xml><?xml version="1.0" encoding="utf-8"?>
 <p:sld xmlns:a="http://schemas.openxmlformats.org/drawingml/2006/main" xmlns:r="http://schemas.openxmlformats.org/officeDocument/2006/relationships" xmlns:p="http://schemas.openxmlformats.org/presentationml/2006/main">
   <p:cSld>
     <p:spTree>
@@ -29118,291 +30115,7 @@
 </p:sld>
 </file>
 
-<file path=ppt/slides/slide3.xml><?xml version="1.0" encoding="utf-8"?>
-<p:sld xmlns:a="http://schemas.openxmlformats.org/drawingml/2006/main" xmlns:r="http://schemas.openxmlformats.org/officeDocument/2006/relationships" xmlns:p="http://schemas.openxmlformats.org/presentationml/2006/main">
-  <p:cSld>
-    <p:spTree>
-      <p:nvGrpSpPr>
-        <p:cNvPr id="1" name=""/>
-        <p:cNvGrpSpPr/>
-        <p:nvPr/>
-      </p:nvGrpSpPr>
-      <p:grpSpPr>
-        <a:xfrm>
-          <a:off x="0" y="0"/>
-          <a:ext cx="0" cy="0"/>
-          <a:chOff x="0" y="0"/>
-          <a:chExt cx="0" cy="0"/>
-        </a:xfrm>
-      </p:grpSpPr>
-      <p:sp>
-        <p:nvSpPr>
-          <p:cNvPr id="2" name="Title 1"/>
-          <p:cNvSpPr>
-            <a:spLocks noGrp="1"/>
-          </p:cNvSpPr>
-          <p:nvPr>
-            <p:ph type="title"/>
-          </p:nvPr>
-        </p:nvSpPr>
-        <p:spPr>
-          <a:xfrm>
-            <a:off x="838200" y="0"/>
-            <a:ext cx="10515600" cy="861695"/>
-          </a:xfrm>
-        </p:spPr>
-        <p:txBody>
-          <a:bodyPr>
-            <a:normAutofit/>
-          </a:bodyPr>
-          <a:lstStyle/>
-          <a:p>
-            <a:pPr algn="ctr"/>
-            <a:r>
-              <a:rPr lang="en-US" b="1" i="1" dirty="0">
-                <a:solidFill>
-                  <a:srgbClr val="0070C0"/>
-                </a:solidFill>
-              </a:rPr>
-              <a:t>HSC Data Sources</a:t>
-            </a:r>
-          </a:p>
-        </p:txBody>
-      </p:sp>
-      <p:sp>
-        <p:nvSpPr>
-          <p:cNvPr id="3" name="Content Placeholder 2"/>
-          <p:cNvSpPr>
-            <a:spLocks noGrp="1"/>
-          </p:cNvSpPr>
-          <p:nvPr>
-            <p:ph idx="1"/>
-          </p:nvPr>
-        </p:nvSpPr>
-        <p:spPr>
-          <a:xfrm>
-            <a:off x="217170" y="260430"/>
-            <a:ext cx="11757660" cy="6597570"/>
-          </a:xfrm>
-        </p:spPr>
-        <p:txBody>
-          <a:bodyPr>
-            <a:normAutofit fontScale="92500" lnSpcReduction="10000"/>
-          </a:bodyPr>
-          <a:lstStyle/>
-          <a:p>
-            <a:r>
-              <a:rPr lang="en-US" dirty="0"/>
-              <a:t>Patient</a:t>
-            </a:r>
-          </a:p>
-          <a:p>
-            <a:pPr lvl="1"/>
-            <a:r>
-              <a:rPr lang="en-US" dirty="0"/>
-              <a:t>Epic (we have the basics, and will be adding for a while)</a:t>
-            </a:r>
-          </a:p>
-          <a:p>
-            <a:pPr lvl="1"/>
-            <a:r>
-              <a:rPr lang="en-US" dirty="0"/>
-              <a:t>Legacy Outpatient (Centricity)</a:t>
-            </a:r>
-          </a:p>
-          <a:p>
-            <a:pPr lvl="1"/>
-            <a:r>
-              <a:rPr lang="en-US" dirty="0"/>
-              <a:t>Legacy Billing and Claims Data (GECB)</a:t>
-            </a:r>
-          </a:p>
-          <a:p>
-            <a:pPr lvl="1"/>
-            <a:r>
-              <a:rPr lang="en-US" dirty="0"/>
-              <a:t>Legacy Inpatient (Meditech) </a:t>
-            </a:r>
-          </a:p>
-          <a:p>
-            <a:pPr lvl="1"/>
-            <a:r>
-              <a:rPr lang="en-US" dirty="0"/>
-              <a:t>Dozens of departmental sources</a:t>
-            </a:r>
-          </a:p>
-          <a:p>
-            <a:pPr lvl="1"/>
-            <a:r>
-              <a:rPr lang="en-US" dirty="0"/>
-              <a:t>Biomedical Research Data</a:t>
-            </a:r>
-          </a:p>
-          <a:p>
-            <a:pPr marL="228600" lvl="1">
-              <a:spcBef>
-                <a:spcPts val="1000"/>
-              </a:spcBef>
-            </a:pPr>
-            <a:r>
-              <a:rPr lang="en-US" sz="2800" dirty="0"/>
-              <a:t>Provider</a:t>
-            </a:r>
-          </a:p>
-          <a:p>
-            <a:pPr marL="228600" lvl="1">
-              <a:spcBef>
-                <a:spcPts val="1000"/>
-              </a:spcBef>
-            </a:pPr>
-            <a:r>
-              <a:rPr lang="en-US" sz="2800" dirty="0"/>
-              <a:t>External Agencies</a:t>
-            </a:r>
-          </a:p>
-          <a:p>
-            <a:pPr marL="685800" lvl="2">
-              <a:spcBef>
-                <a:spcPts val="1000"/>
-              </a:spcBef>
-            </a:pPr>
-            <a:r>
-              <a:rPr lang="en-US" dirty="0"/>
-              <a:t>Service Provided (by the Health </a:t>
-            </a:r>
-            <a:r>
-              <a:rPr lang="en-US" dirty="0" err="1"/>
-              <a:t>Dept</a:t>
-            </a:r>
-            <a:r>
-              <a:rPr lang="en-US" dirty="0"/>
-              <a:t> of Oklahoma)</a:t>
-            </a:r>
-          </a:p>
-          <a:p>
-            <a:pPr marL="685800" lvl="2">
-              <a:spcBef>
-                <a:spcPts val="1000"/>
-              </a:spcBef>
-            </a:pPr>
-            <a:r>
-              <a:rPr lang="en-US" dirty="0"/>
-              <a:t>Child Protective Services (Oklahoma </a:t>
-            </a:r>
-            <a:r>
-              <a:rPr lang="en-US" dirty="0" err="1"/>
-              <a:t>Dept</a:t>
-            </a:r>
-            <a:r>
-              <a:rPr lang="en-US" dirty="0"/>
-              <a:t> of Human Services)</a:t>
-            </a:r>
-          </a:p>
-          <a:p>
-            <a:pPr marL="685800" lvl="2">
-              <a:spcBef>
-                <a:spcPts val="1000"/>
-              </a:spcBef>
-            </a:pPr>
-            <a:r>
-              <a:rPr lang="en-US" dirty="0"/>
-              <a:t>Immunization (Health </a:t>
-            </a:r>
-            <a:r>
-              <a:rPr lang="en-US" dirty="0" err="1"/>
-              <a:t>Dept</a:t>
-            </a:r>
-            <a:r>
-              <a:rPr lang="en-US" dirty="0"/>
-              <a:t> of Oklahoma)</a:t>
-            </a:r>
-          </a:p>
-          <a:p>
-            <a:pPr marL="685800" lvl="2">
-              <a:spcBef>
-                <a:spcPts val="1000"/>
-              </a:spcBef>
-            </a:pPr>
-            <a:r>
-              <a:rPr lang="en-US" dirty="0"/>
-              <a:t>Vital Records (Health </a:t>
-            </a:r>
-            <a:r>
-              <a:rPr lang="en-US" dirty="0" err="1"/>
-              <a:t>Dept</a:t>
-            </a:r>
-            <a:r>
-              <a:rPr lang="en-US" dirty="0"/>
-              <a:t> of Oklahoma)</a:t>
-            </a:r>
-            <a:endParaRPr lang="en-US" sz="2800" dirty="0"/>
-          </a:p>
-          <a:p>
-            <a:pPr marL="685800" lvl="2">
-              <a:spcBef>
-                <a:spcPts val="1000"/>
-              </a:spcBef>
-            </a:pPr>
-            <a:r>
-              <a:rPr lang="en-US" dirty="0"/>
-              <a:t>…</a:t>
-            </a:r>
-          </a:p>
-          <a:p>
-            <a:pPr marL="685800" lvl="2">
-              <a:spcBef>
-                <a:spcPts val="1000"/>
-              </a:spcBef>
-            </a:pPr>
-            <a:r>
-              <a:rPr lang="en-US" dirty="0"/>
-              <a:t>Multi-state collaborations (in the future)</a:t>
-            </a:r>
-          </a:p>
-          <a:p>
-            <a:pPr marL="228600" lvl="1">
-              <a:spcBef>
-                <a:spcPts val="1000"/>
-              </a:spcBef>
-            </a:pPr>
-            <a:r>
-              <a:rPr lang="en-US" sz="2800" dirty="0"/>
-              <a:t>Administrative Cost</a:t>
-            </a:r>
-          </a:p>
-          <a:p>
-            <a:pPr marL="228600" lvl="1">
-              <a:spcBef>
-                <a:spcPts val="1000"/>
-              </a:spcBef>
-            </a:pPr>
-            <a:r>
-              <a:rPr lang="en-US" sz="2800" dirty="0">
-                <a:solidFill>
-                  <a:schemeClr val="bg1">
-                    <a:lumMod val="50000"/>
-                  </a:schemeClr>
-                </a:solidFill>
-              </a:rPr>
-              <a:t>Employee &amp; Student</a:t>
-            </a:r>
-          </a:p>
-        </p:txBody>
-      </p:sp>
-    </p:spTree>
-    <p:extLst>
-      <p:ext uri="{BB962C8B-B14F-4D97-AF65-F5344CB8AC3E}">
-        <p14:creationId xmlns:p14="http://schemas.microsoft.com/office/powerpoint/2010/main" val="2124685461"/>
-      </p:ext>
-    </p:extLst>
-  </p:cSld>
-  <p:clrMapOvr>
-    <a:masterClrMapping/>
-  </p:clrMapOvr>
-</p:sld>
-</file>
-
-<file path=ppt/slides/slide30.xml><?xml version="1.0" encoding="utf-8"?>
+<file path=ppt/slides/slide32.xml><?xml version="1.0" encoding="utf-8"?>
 <p:sld xmlns:a="http://schemas.openxmlformats.org/drawingml/2006/main" xmlns:r="http://schemas.openxmlformats.org/officeDocument/2006/relationships" xmlns:p="http://schemas.openxmlformats.org/presentationml/2006/main">
   <p:cSld>
     <p:spTree>
@@ -29635,7 +30348,7 @@
 </p:sld>
 </file>
 
-<file path=ppt/slides/slide31.xml><?xml version="1.0" encoding="utf-8"?>
+<file path=ppt/slides/slide33.xml><?xml version="1.0" encoding="utf-8"?>
 <p:sld xmlns:a="http://schemas.openxmlformats.org/drawingml/2006/main" xmlns:r="http://schemas.openxmlformats.org/officeDocument/2006/relationships" xmlns:p="http://schemas.openxmlformats.org/presentationml/2006/main">
   <p:cSld>
     <p:spTree>
@@ -29807,7 +30520,7 @@
 </p:sld>
 </file>
 
-<file path=ppt/slides/slide32.xml><?xml version="1.0" encoding="utf-8"?>
+<file path=ppt/slides/slide34.xml><?xml version="1.0" encoding="utf-8"?>
 <p:sld xmlns:a="http://schemas.openxmlformats.org/drawingml/2006/main" xmlns:r="http://schemas.openxmlformats.org/officeDocument/2006/relationships" xmlns:p="http://schemas.openxmlformats.org/presentationml/2006/main">
   <p:cSld>
     <p:spTree>
@@ -30119,7 +30832,7 @@
 </p:sld>
 </file>
 
-<file path=ppt/slides/slide33.xml><?xml version="1.0" encoding="utf-8"?>
+<file path=ppt/slides/slide35.xml><?xml version="1.0" encoding="utf-8"?>
 <p:sld xmlns:a="http://schemas.openxmlformats.org/drawingml/2006/main" xmlns:r="http://schemas.openxmlformats.org/officeDocument/2006/relationships" xmlns:p="http://schemas.openxmlformats.org/presentationml/2006/main">
   <p:cSld>
     <p:spTree>
@@ -30392,18 +31105,13 @@
           <a:p>
             <a:pPr algn="ctr"/>
             <a:r>
-              <a:rPr lang="en-US" b="1" i="1" dirty="0" smtClean="0">
+              <a:rPr lang="en-US" b="1" i="1" dirty="0">
                 <a:solidFill>
                   <a:srgbClr val="0070C0"/>
                 </a:solidFill>
               </a:rPr>
               <a:t>Integration of Epic</a:t>
             </a:r>
-            <a:endParaRPr lang="en-US" b="1" i="1" dirty="0">
-              <a:solidFill>
-                <a:srgbClr val="0070C0"/>
-              </a:solidFill>
-            </a:endParaRPr>
           </a:p>
         </p:txBody>
       </p:sp>
@@ -30430,42 +31138,37 @@
           <a:lstStyle/>
           <a:p>
             <a:r>
-              <a:rPr lang="en-US" dirty="0" smtClean="0"/>
+              <a:rPr lang="en-US" dirty="0"/>
               <a:t>Current Tables – automatically updated nightly</a:t>
             </a:r>
-            <a:endParaRPr lang="en-US" dirty="0"/>
           </a:p>
           <a:p>
             <a:pPr lvl="1"/>
             <a:r>
-              <a:rPr lang="en-US" dirty="0" smtClean="0"/>
+              <a:rPr lang="en-US" dirty="0"/>
               <a:t>Patient</a:t>
             </a:r>
-            <a:endParaRPr lang="en-US" dirty="0"/>
           </a:p>
           <a:p>
             <a:pPr lvl="1"/>
             <a:r>
-              <a:rPr lang="en-US" dirty="0" smtClean="0"/>
+              <a:rPr lang="en-US" dirty="0"/>
               <a:t>Diagnosis</a:t>
             </a:r>
-            <a:endParaRPr lang="en-US" dirty="0"/>
           </a:p>
           <a:p>
             <a:pPr lvl="1"/>
             <a:r>
-              <a:rPr lang="en-US" dirty="0" smtClean="0"/>
+              <a:rPr lang="en-US" dirty="0"/>
               <a:t>Encounter</a:t>
             </a:r>
-            <a:endParaRPr lang="en-US" dirty="0"/>
           </a:p>
           <a:p>
             <a:pPr lvl="1"/>
             <a:r>
-              <a:rPr lang="en-US" dirty="0" smtClean="0"/>
+              <a:rPr lang="en-US" dirty="0"/>
               <a:t>Procedure</a:t>
             </a:r>
-            <a:endParaRPr lang="en-US" dirty="0"/>
           </a:p>
           <a:p>
             <a:pPr marL="228600" lvl="1">
@@ -30474,7 +31177,7 @@
               </a:spcBef>
             </a:pPr>
             <a:r>
-              <a:rPr lang="en-US" sz="2800" dirty="0" smtClean="0"/>
+              <a:rPr lang="en-US" sz="2800" dirty="0"/>
               <a:t>In Development</a:t>
             </a:r>
           </a:p>
@@ -30485,7 +31188,7 @@
               </a:spcBef>
             </a:pPr>
             <a:r>
-              <a:rPr lang="en-US" sz="2400" dirty="0" smtClean="0"/>
+              <a:rPr lang="en-US" sz="2400" dirty="0"/>
               <a:t>Medication</a:t>
             </a:r>
           </a:p>
@@ -30496,7 +31199,7 @@
               </a:spcBef>
             </a:pPr>
             <a:r>
-              <a:rPr lang="en-US" sz="2400" dirty="0" smtClean="0"/>
+              <a:rPr lang="en-US" sz="2400" dirty="0"/>
               <a:t>Medication Order</a:t>
             </a:r>
           </a:p>
@@ -30507,7 +31210,7 @@
               </a:spcBef>
             </a:pPr>
             <a:r>
-              <a:rPr lang="en-US" sz="2400" dirty="0" smtClean="0"/>
+              <a:rPr lang="en-US" sz="2400" dirty="0"/>
               <a:t>Procedure</a:t>
             </a:r>
           </a:p>
@@ -30518,10 +31221,9 @@
               </a:spcBef>
             </a:pPr>
             <a:r>
-              <a:rPr lang="en-US" sz="2400" dirty="0" smtClean="0"/>
+              <a:rPr lang="en-US" sz="2400" dirty="0"/>
               <a:t>Flowsheet</a:t>
             </a:r>
-            <a:endParaRPr lang="en-US" sz="2400" dirty="0" smtClean="0"/>
           </a:p>
           <a:p>
             <a:pPr marL="228600" lvl="1">
@@ -30530,7 +31232,7 @@
               </a:spcBef>
             </a:pPr>
             <a:r>
-              <a:rPr lang="en-US" sz="2800" dirty="0" smtClean="0"/>
+              <a:rPr lang="en-US" sz="2800" dirty="0"/>
               <a:t>Future</a:t>
             </a:r>
           </a:p>
@@ -30541,7 +31243,7 @@
               </a:spcBef>
             </a:pPr>
             <a:r>
-              <a:rPr lang="en-US" sz="2400" dirty="0" smtClean="0"/>
+              <a:rPr lang="en-US" sz="2400" dirty="0"/>
               <a:t>Labs</a:t>
             </a:r>
           </a:p>
@@ -30552,7 +31254,7 @@
               </a:spcBef>
             </a:pPr>
             <a:r>
-              <a:rPr lang="en-US" sz="2400" dirty="0" smtClean="0"/>
+              <a:rPr lang="en-US" sz="2400" dirty="0"/>
               <a:t>Orders</a:t>
             </a:r>
           </a:p>
@@ -30563,7 +31265,7 @@
               </a:spcBef>
             </a:pPr>
             <a:r>
-              <a:rPr lang="en-US" sz="2400" dirty="0" smtClean="0"/>
+              <a:rPr lang="en-US" sz="2400" dirty="0"/>
               <a:t>Immunizations</a:t>
             </a:r>
           </a:p>
@@ -30573,7 +31275,7 @@
                 <a:spcPts val="1000"/>
               </a:spcBef>
             </a:pPr>
-            <a:endParaRPr lang="en-US" sz="2400" dirty="0" smtClean="0"/>
+            <a:endParaRPr lang="en-US" sz="2400" dirty="0"/>
           </a:p>
           <a:p>
             <a:pPr marL="685800" lvl="2">
@@ -31458,6 +32160,158 @@
           </a:prstGeom>
         </p:spPr>
       </p:pic>
+      <p:sp>
+        <p:nvSpPr>
+          <p:cNvPr id="3" name="TextBox 2">
+            <a:extLst>
+              <a:ext uri="{FF2B5EF4-FFF2-40B4-BE49-F238E27FC236}">
+                <a16:creationId xmlns:a16="http://schemas.microsoft.com/office/drawing/2014/main" id="{C1B9B2DF-677A-B52A-C86B-195408AC3C24}"/>
+              </a:ext>
+            </a:extLst>
+          </p:cNvPr>
+          <p:cNvSpPr txBox="1"/>
+          <p:nvPr/>
+        </p:nvSpPr>
+        <p:spPr>
+          <a:xfrm>
+            <a:off x="3115734" y="48101"/>
+            <a:ext cx="4253653" cy="954107"/>
+          </a:xfrm>
+          <a:prstGeom prst="rect">
+            <a:avLst/>
+          </a:prstGeom>
+        </p:spPr>
+        <p:style>
+          <a:lnRef idx="1">
+            <a:schemeClr val="accent6"/>
+          </a:lnRef>
+          <a:fillRef idx="2">
+            <a:schemeClr val="accent6"/>
+          </a:fillRef>
+          <a:effectRef idx="1">
+            <a:schemeClr val="accent6"/>
+          </a:effectRef>
+          <a:fontRef idx="minor">
+            <a:schemeClr val="dk1"/>
+          </a:fontRef>
+        </p:style>
+        <p:txBody>
+          <a:bodyPr wrap="square">
+            <a:spAutoFit/>
+          </a:bodyPr>
+          <a:lstStyle/>
+          <a:p>
+            <a:r>
+              <a:rPr lang="en-US" sz="2800" dirty="0"/>
+              <a:t>First go to:</a:t>
+            </a:r>
+            <a:br>
+              <a:rPr lang="en-US" sz="2800" dirty="0"/>
+            </a:br>
+            <a:r>
+              <a:rPr lang="en-US" sz="2800" dirty="0">
+                <a:hlinkClick r:id="rId3"/>
+              </a:rPr>
+              <a:t>https://ouhsc.edu/bbmc/</a:t>
+            </a:r>
+            <a:endParaRPr lang="en-US" sz="2800" dirty="0"/>
+          </a:p>
+        </p:txBody>
+      </p:sp>
+      <p:cxnSp>
+        <p:nvCxnSpPr>
+          <p:cNvPr id="6" name="Straight Arrow Connector 5">
+            <a:extLst>
+              <a:ext uri="{FF2B5EF4-FFF2-40B4-BE49-F238E27FC236}">
+                <a16:creationId xmlns:a16="http://schemas.microsoft.com/office/drawing/2014/main" id="{80F68373-20E6-692C-4AE5-5D2EE12694EE}"/>
+              </a:ext>
+            </a:extLst>
+          </p:cNvPr>
+          <p:cNvCxnSpPr/>
+          <p:nvPr/>
+        </p:nvCxnSpPr>
+        <p:spPr>
+          <a:xfrm>
+            <a:off x="1063413" y="2797387"/>
+            <a:ext cx="1828800" cy="284480"/>
+          </a:xfrm>
+          <a:prstGeom prst="straightConnector1">
+            <a:avLst/>
+          </a:prstGeom>
+          <a:ln>
+            <a:tailEnd type="triangle"/>
+          </a:ln>
+        </p:spPr>
+        <p:style>
+          <a:lnRef idx="3">
+            <a:schemeClr val="accent6"/>
+          </a:lnRef>
+          <a:fillRef idx="0">
+            <a:schemeClr val="accent6"/>
+          </a:fillRef>
+          <a:effectRef idx="2">
+            <a:schemeClr val="accent6"/>
+          </a:effectRef>
+          <a:fontRef idx="minor">
+            <a:schemeClr val="tx1"/>
+          </a:fontRef>
+        </p:style>
+      </p:cxnSp>
+      <p:sp>
+        <p:nvSpPr>
+          <p:cNvPr id="7" name="TextBox 6">
+            <a:extLst>
+              <a:ext uri="{FF2B5EF4-FFF2-40B4-BE49-F238E27FC236}">
+                <a16:creationId xmlns:a16="http://schemas.microsoft.com/office/drawing/2014/main" id="{07CA8D07-32EA-6AE0-F380-86E99D2CC9C4}"/>
+              </a:ext>
+            </a:extLst>
+          </p:cNvPr>
+          <p:cNvSpPr txBox="1"/>
+          <p:nvPr/>
+        </p:nvSpPr>
+        <p:spPr>
+          <a:xfrm>
+            <a:off x="484295" y="2274167"/>
+            <a:ext cx="944878" cy="954107"/>
+          </a:xfrm>
+          <a:prstGeom prst="rect">
+            <a:avLst/>
+          </a:prstGeom>
+        </p:spPr>
+        <p:style>
+          <a:lnRef idx="1">
+            <a:schemeClr val="accent6"/>
+          </a:lnRef>
+          <a:fillRef idx="2">
+            <a:schemeClr val="accent6"/>
+          </a:fillRef>
+          <a:effectRef idx="1">
+            <a:schemeClr val="accent6"/>
+          </a:effectRef>
+          <a:fontRef idx="minor">
+            <a:schemeClr val="dk1"/>
+          </a:fontRef>
+        </p:style>
+        <p:txBody>
+          <a:bodyPr wrap="square">
+            <a:spAutoFit/>
+          </a:bodyPr>
+          <a:lstStyle/>
+          <a:p>
+            <a:r>
+              <a:rPr lang="en-US" sz="2800" dirty="0"/>
+              <a:t>Then</a:t>
+            </a:r>
+            <a:br>
+              <a:rPr lang="en-US" sz="2800" dirty="0"/>
+            </a:br>
+            <a:r>
+              <a:rPr lang="en-US" sz="2800" dirty="0"/>
+              <a:t>click</a:t>
+            </a:r>
+          </a:p>
+        </p:txBody>
+      </p:sp>
     </p:spTree>
     <p:extLst>
       <p:ext uri="{BB962C8B-B14F-4D97-AF65-F5344CB8AC3E}">
@@ -31510,7 +32364,7 @@
         </p:blipFill>
         <p:spPr>
           <a:xfrm>
-            <a:off x="1729696" y="0"/>
+            <a:off x="2088686" y="0"/>
             <a:ext cx="3618739" cy="6858000"/>
           </a:xfrm>
           <a:prstGeom prst="rect">
@@ -31540,7 +32394,7 @@
         </p:blipFill>
         <p:spPr>
           <a:xfrm>
-            <a:off x="5705324" y="0"/>
+            <a:off x="6064314" y="0"/>
             <a:ext cx="3592286" cy="6858000"/>
           </a:xfrm>
           <a:prstGeom prst="rect">
@@ -31548,6 +32402,141 @@
           </a:prstGeom>
         </p:spPr>
       </p:pic>
+      <p:cxnSp>
+        <p:nvCxnSpPr>
+          <p:cNvPr id="2" name="Straight Arrow Connector 1">
+            <a:extLst>
+              <a:ext uri="{FF2B5EF4-FFF2-40B4-BE49-F238E27FC236}">
+                <a16:creationId xmlns:a16="http://schemas.microsoft.com/office/drawing/2014/main" id="{5B026245-9D54-2A16-BA0A-A5E16196032F}"/>
+              </a:ext>
+            </a:extLst>
+          </p:cNvPr>
+          <p:cNvCxnSpPr/>
+          <p:nvPr/>
+        </p:nvCxnSpPr>
+        <p:spPr>
+          <a:xfrm>
+            <a:off x="1314034" y="3358794"/>
+            <a:ext cx="1828800" cy="284480"/>
+          </a:xfrm>
+          <a:prstGeom prst="straightConnector1">
+            <a:avLst/>
+          </a:prstGeom>
+          <a:ln>
+            <a:tailEnd type="triangle"/>
+          </a:ln>
+        </p:spPr>
+        <p:style>
+          <a:lnRef idx="3">
+            <a:schemeClr val="accent6"/>
+          </a:lnRef>
+          <a:fillRef idx="0">
+            <a:schemeClr val="accent6"/>
+          </a:fillRef>
+          <a:effectRef idx="2">
+            <a:schemeClr val="accent6"/>
+          </a:effectRef>
+          <a:fontRef idx="minor">
+            <a:schemeClr val="tx1"/>
+          </a:fontRef>
+        </p:style>
+      </p:cxnSp>
+      <p:sp>
+        <p:nvSpPr>
+          <p:cNvPr id="4" name="TextBox 3">
+            <a:extLst>
+              <a:ext uri="{FF2B5EF4-FFF2-40B4-BE49-F238E27FC236}">
+                <a16:creationId xmlns:a16="http://schemas.microsoft.com/office/drawing/2014/main" id="{8FD22920-21FC-BBDC-AF52-1391354F4B87}"/>
+              </a:ext>
+            </a:extLst>
+          </p:cNvPr>
+          <p:cNvSpPr txBox="1"/>
+          <p:nvPr/>
+        </p:nvSpPr>
+        <p:spPr>
+          <a:xfrm>
+            <a:off x="88053" y="2881740"/>
+            <a:ext cx="1774620" cy="954107"/>
+          </a:xfrm>
+          <a:prstGeom prst="rect">
+            <a:avLst/>
+          </a:prstGeom>
+        </p:spPr>
+        <p:style>
+          <a:lnRef idx="1">
+            <a:schemeClr val="accent6"/>
+          </a:lnRef>
+          <a:fillRef idx="2">
+            <a:schemeClr val="accent6"/>
+          </a:fillRef>
+          <a:effectRef idx="1">
+            <a:schemeClr val="accent6"/>
+          </a:effectRef>
+          <a:fontRef idx="minor">
+            <a:schemeClr val="dk1"/>
+          </a:fontRef>
+        </p:style>
+        <p:txBody>
+          <a:bodyPr wrap="square">
+            <a:spAutoFit/>
+          </a:bodyPr>
+          <a:lstStyle/>
+          <a:p>
+            <a:r>
+              <a:rPr lang="en-US" sz="2800" dirty="0"/>
+              <a:t>Then “Yes” to CRDW</a:t>
+            </a:r>
+          </a:p>
+        </p:txBody>
+      </p:sp>
+      <p:sp>
+        <p:nvSpPr>
+          <p:cNvPr id="6" name="TextBox 5">
+            <a:extLst>
+              <a:ext uri="{FF2B5EF4-FFF2-40B4-BE49-F238E27FC236}">
+                <a16:creationId xmlns:a16="http://schemas.microsoft.com/office/drawing/2014/main" id="{DCDC0CF7-20D7-0E6F-54FD-4BDB79B2201B}"/>
+              </a:ext>
+            </a:extLst>
+          </p:cNvPr>
+          <p:cNvSpPr txBox="1"/>
+          <p:nvPr/>
+        </p:nvSpPr>
+        <p:spPr>
+          <a:xfrm>
+            <a:off x="10103314" y="365447"/>
+            <a:ext cx="1774620" cy="954107"/>
+          </a:xfrm>
+          <a:prstGeom prst="rect">
+            <a:avLst/>
+          </a:prstGeom>
+        </p:spPr>
+        <p:style>
+          <a:lnRef idx="1">
+            <a:schemeClr val="accent6"/>
+          </a:lnRef>
+          <a:fillRef idx="2">
+            <a:schemeClr val="accent6"/>
+          </a:fillRef>
+          <a:effectRef idx="1">
+            <a:schemeClr val="accent6"/>
+          </a:effectRef>
+          <a:fontRef idx="minor">
+            <a:schemeClr val="dk1"/>
+          </a:fontRef>
+        </p:style>
+        <p:txBody>
+          <a:bodyPr wrap="square">
+            <a:spAutoFit/>
+          </a:bodyPr>
+          <a:lstStyle/>
+          <a:p>
+            <a:r>
+              <a:rPr lang="en-US" sz="2800" dirty="0"/>
+              <a:t>Then “Yes” to CRDW</a:t>
+            </a:r>
+          </a:p>
+        </p:txBody>
+      </p:sp>
     </p:spTree>
     <p:extLst>
       <p:ext uri="{BB962C8B-B14F-4D97-AF65-F5344CB8AC3E}">

--- a/publications/presentation-2024-01-peds-residents-qi/crdw-2024-01.pptx
+++ b/publications/presentation-2024-01-peds-residents-qi/crdw-2024-01.pptx
@@ -5844,7 +5844,7 @@
           <a:p>
             <a:fld id="{074B6824-7023-4228-BB04-DF38B9F7BAD4}" type="datetimeFigureOut">
               <a:rPr lang="en-US" smtClean="0"/>
-              <a:t>1/22/2024</a:t>
+              <a:t>1/23/2024</a:t>
             </a:fld>
             <a:endParaRPr lang="en-US"/>
           </a:p>
@@ -8576,7 +8576,7 @@
           <a:p>
             <a:fld id="{48D8CAB9-F02B-405D-B26E-A393DAA55285}" type="datetimeFigureOut">
               <a:rPr lang="en-US" smtClean="0"/>
-              <a:t>1/22/2024</a:t>
+              <a:t>1/23/2024</a:t>
             </a:fld>
             <a:endParaRPr lang="en-US"/>
           </a:p>
@@ -8768,7 +8768,7 @@
           <a:p>
             <a:fld id="{48D8CAB9-F02B-405D-B26E-A393DAA55285}" type="datetimeFigureOut">
               <a:rPr lang="en-US" smtClean="0"/>
-              <a:t>1/22/2024</a:t>
+              <a:t>1/23/2024</a:t>
             </a:fld>
             <a:endParaRPr lang="en-US"/>
           </a:p>
@@ -8946,7 +8946,7 @@
           <a:p>
             <a:fld id="{48D8CAB9-F02B-405D-B26E-A393DAA55285}" type="datetimeFigureOut">
               <a:rPr lang="en-US" smtClean="0"/>
-              <a:t>1/22/2024</a:t>
+              <a:t>1/23/2024</a:t>
             </a:fld>
             <a:endParaRPr lang="en-US"/>
           </a:p>
@@ -9114,7 +9114,7 @@
           <a:p>
             <a:fld id="{48D8CAB9-F02B-405D-B26E-A393DAA55285}" type="datetimeFigureOut">
               <a:rPr lang="en-US" smtClean="0"/>
-              <a:t>1/22/2024</a:t>
+              <a:t>1/23/2024</a:t>
             </a:fld>
             <a:endParaRPr lang="en-US"/>
           </a:p>
@@ -9359,7 +9359,7 @@
           <a:p>
             <a:fld id="{48D8CAB9-F02B-405D-B26E-A393DAA55285}" type="datetimeFigureOut">
               <a:rPr lang="en-US" smtClean="0"/>
-              <a:t>1/22/2024</a:t>
+              <a:t>1/23/2024</a:t>
             </a:fld>
             <a:endParaRPr lang="en-US"/>
           </a:p>
@@ -9588,7 +9588,7 @@
           <a:p>
             <a:fld id="{48D8CAB9-F02B-405D-B26E-A393DAA55285}" type="datetimeFigureOut">
               <a:rPr lang="en-US" smtClean="0"/>
-              <a:t>1/22/2024</a:t>
+              <a:t>1/23/2024</a:t>
             </a:fld>
             <a:endParaRPr lang="en-US"/>
           </a:p>
@@ -9952,7 +9952,7 @@
           <a:p>
             <a:fld id="{48D8CAB9-F02B-405D-B26E-A393DAA55285}" type="datetimeFigureOut">
               <a:rPr lang="en-US" smtClean="0"/>
-              <a:t>1/22/2024</a:t>
+              <a:t>1/23/2024</a:t>
             </a:fld>
             <a:endParaRPr lang="en-US"/>
           </a:p>
@@ -10069,7 +10069,7 @@
           <a:p>
             <a:fld id="{48D8CAB9-F02B-405D-B26E-A393DAA55285}" type="datetimeFigureOut">
               <a:rPr lang="en-US" smtClean="0"/>
-              <a:t>1/22/2024</a:t>
+              <a:t>1/23/2024</a:t>
             </a:fld>
             <a:endParaRPr lang="en-US"/>
           </a:p>
@@ -10164,7 +10164,7 @@
           <a:p>
             <a:fld id="{48D8CAB9-F02B-405D-B26E-A393DAA55285}" type="datetimeFigureOut">
               <a:rPr lang="en-US" smtClean="0"/>
-              <a:t>1/22/2024</a:t>
+              <a:t>1/23/2024</a:t>
             </a:fld>
             <a:endParaRPr lang="en-US"/>
           </a:p>
@@ -10439,7 +10439,7 @@
           <a:p>
             <a:fld id="{48D8CAB9-F02B-405D-B26E-A393DAA55285}" type="datetimeFigureOut">
               <a:rPr lang="en-US" smtClean="0"/>
-              <a:t>1/22/2024</a:t>
+              <a:t>1/23/2024</a:t>
             </a:fld>
             <a:endParaRPr lang="en-US"/>
           </a:p>
@@ -10691,7 +10691,7 @@
           <a:p>
             <a:fld id="{48D8CAB9-F02B-405D-B26E-A393DAA55285}" type="datetimeFigureOut">
               <a:rPr lang="en-US" smtClean="0"/>
-              <a:t>1/22/2024</a:t>
+              <a:t>1/23/2024</a:t>
             </a:fld>
             <a:endParaRPr lang="en-US"/>
           </a:p>
@@ -10902,7 +10902,7 @@
           <a:p>
             <a:fld id="{48D8CAB9-F02B-405D-B26E-A393DAA55285}" type="datetimeFigureOut">
               <a:rPr lang="en-US" smtClean="0"/>
-              <a:t>1/22/2024</a:t>
+              <a:t>1/23/2024</a:t>
             </a:fld>
             <a:endParaRPr lang="en-US"/>
           </a:p>
@@ -13220,20 +13220,52 @@
                   <a:srgbClr val="000000"/>
                 </a:solidFill>
               </a:rPr>
-              <a:t>We sweep the code list and send you ~100 possibilities.</a:t>
-            </a:r>
-          </a:p>
-          <a:p>
-            <a:pPr marL="514350" indent="-514350">
-              <a:buAutoNum type="arabicPeriod"/>
-            </a:pPr>
+              <a:t>We </a:t>
+            </a:r>
+            <a:r>
+              <a:rPr lang="en-US" i="1" dirty="0">
+                <a:solidFill>
+                  <a:srgbClr val="000000"/>
+                </a:solidFill>
+              </a:rPr>
+              <a:t>sweep</a:t>
+            </a:r>
             <a:r>
               <a:rPr lang="en-US" dirty="0">
                 <a:solidFill>
                   <a:srgbClr val="000000"/>
                 </a:solidFill>
               </a:rPr>
-              <a:t>You specify the exact ~30 codes that reflect the inclusion criteria</a:t>
+              <a:t> the code list and send you ~100 possibilities.</a:t>
+            </a:r>
+          </a:p>
+          <a:p>
+            <a:pPr marL="514350" indent="-514350">
+              <a:buAutoNum type="arabicPeriod"/>
+            </a:pPr>
+            <a:r>
+              <a:rPr lang="en-US" dirty="0">
+                <a:solidFill>
+                  <a:srgbClr val="000000"/>
+                </a:solidFill>
+              </a:rPr>
+              <a:t>You </a:t>
+            </a:r>
+            <a:r>
+              <a:rPr lang="en-US" i="1" dirty="0">
+                <a:solidFill>
+                  <a:srgbClr val="000000"/>
+                </a:solidFill>
+              </a:rPr>
+              <a:t>specify</a:t>
+            </a:r>
+            <a:r>
+              <a:rPr lang="en-US" dirty="0">
+                <a:solidFill>
+                  <a:srgbClr val="000000"/>
+                </a:solidFill>
+              </a:rPr>
+              <a:t> the ~30 exact codes that reflect the inclusion criteria</a:t>
             </a:r>
           </a:p>
           <a:p>
@@ -13571,7 +13603,7 @@
         </p:spPr>
         <p:txBody>
           <a:bodyPr>
-            <a:normAutofit/>
+            <a:normAutofit fontScale="85000" lnSpcReduction="20000"/>
           </a:bodyPr>
           <a:lstStyle/>
           <a:p>
@@ -13584,6 +13616,18 @@
             <a:r>
               <a:rPr lang="en-US" sz="2200" dirty="0"/>
               <a:t>Ashley Thumann, MHA</a:t>
+            </a:r>
+          </a:p>
+          <a:p>
+            <a:r>
+              <a:rPr lang="en-US" sz="2200" dirty="0"/>
+              <a:t>Geneva Marshall, MS</a:t>
+            </a:r>
+          </a:p>
+          <a:p>
+            <a:r>
+              <a:rPr lang="en-US" sz="2200" dirty="0"/>
+              <a:t>Arnold Kanagwa, MS</a:t>
             </a:r>
           </a:p>
           <a:p>
@@ -31133,7 +31177,7 @@
         </p:spPr>
         <p:txBody>
           <a:bodyPr>
-            <a:normAutofit lnSpcReduction="10000"/>
+            <a:normAutofit/>
           </a:bodyPr>
           <a:lstStyle/>
           <a:p>
@@ -31200,30 +31244,13 @@
             </a:pPr>
             <a:r>
               <a:rPr lang="en-US" sz="2400" dirty="0"/>
-              <a:t>Medication Order</a:t>
-            </a:r>
-          </a:p>
-          <a:p>
-            <a:pPr marL="685800" lvl="2">
-              <a:spcBef>
-                <a:spcPts val="1000"/>
-              </a:spcBef>
-            </a:pPr>
-            <a:r>
-              <a:rPr lang="en-US" sz="2400" dirty="0"/>
-              <a:t>Procedure</a:t>
-            </a:r>
-          </a:p>
-          <a:p>
-            <a:pPr marL="685800" lvl="2">
-              <a:spcBef>
-                <a:spcPts val="1000"/>
-              </a:spcBef>
-            </a:pPr>
-            <a:r>
-              <a:rPr lang="en-US" sz="2400" dirty="0"/>
-              <a:t>Flowsheet</a:t>
-            </a:r>
+              <a:t>Medication </a:t>
+            </a:r>
+            <a:r>
+              <a:rPr lang="en-US" sz="2400" dirty="0" err="1"/>
+              <a:t>OrderFlowsheet</a:t>
+            </a:r>
+            <a:endParaRPr lang="en-US" sz="2400" dirty="0"/>
           </a:p>
           <a:p>
             <a:pPr marL="228600" lvl="1">
@@ -32503,8 +32530,8 @@
         </p:nvSpPr>
         <p:spPr>
           <a:xfrm>
-            <a:off x="10103314" y="365447"/>
-            <a:ext cx="1774620" cy="954107"/>
+            <a:off x="9718765" y="365447"/>
+            <a:ext cx="2307771" cy="1384995"/>
           </a:xfrm>
           <a:prstGeom prst="rect">
             <a:avLst/>
@@ -32532,8 +32559,21 @@
           <a:p>
             <a:r>
               <a:rPr lang="en-US" sz="2800" dirty="0"/>
-              <a:t>Then “Yes” to CRDW</a:t>
-            </a:r>
+              <a:t>Then “CRDW”</a:t>
+            </a:r>
+          </a:p>
+          <a:p>
+            <a:r>
+              <a:rPr lang="en-US" sz="2800" dirty="0"/>
+              <a:t>Service</a:t>
+            </a:r>
+          </a:p>
+          <a:p>
+            <a:r>
+              <a:rPr lang="en-US" sz="2800" dirty="0" err="1"/>
+              <a:t>Reuqested</a:t>
+            </a:r>
+            <a:endParaRPr lang="en-US" sz="2800" dirty="0"/>
           </a:p>
         </p:txBody>
       </p:sp>

--- a/publications/presentation-2024-01-peds-residents-qi/crdw-2024-01.pptx
+++ b/publications/presentation-2024-01-peds-residents-qi/crdw-2024-01.pptx
@@ -5844,7 +5844,7 @@
           <a:p>
             <a:fld id="{074B6824-7023-4228-BB04-DF38B9F7BAD4}" type="datetimeFigureOut">
               <a:rPr lang="en-US" smtClean="0"/>
-              <a:t>1/23/2024</a:t>
+              <a:t>5/10/2024</a:t>
             </a:fld>
             <a:endParaRPr lang="en-US"/>
           </a:p>
@@ -6479,15 +6479,7 @@
             </a:pPr>
             <a:r>
               <a:rPr lang="en-US" baseline="0" dirty="0"/>
-              <a:t>When a investigation is approved by the IRB, we can develop a tiny database in </a:t>
-            </a:r>
-            <a:r>
-              <a:rPr lang="en-US" baseline="0" dirty="0" err="1"/>
-              <a:t>REDCap</a:t>
-            </a:r>
-            <a:r>
-              <a:rPr lang="en-US" baseline="0" dirty="0"/>
-              <a:t> that contains the dataset needed for their analysis (5</a:t>
+              <a:t>When an investigation is approved by the IRB, we can develop a tiny database in REDCap that contains the dataset needed for their analysis (5</a:t>
             </a:r>
             <a:r>
               <a:rPr lang="en-US" baseline="30000" dirty="0"/>
@@ -8576,7 +8568,7 @@
           <a:p>
             <a:fld id="{48D8CAB9-F02B-405D-B26E-A393DAA55285}" type="datetimeFigureOut">
               <a:rPr lang="en-US" smtClean="0"/>
-              <a:t>1/23/2024</a:t>
+              <a:t>5/10/2024</a:t>
             </a:fld>
             <a:endParaRPr lang="en-US"/>
           </a:p>
@@ -8768,7 +8760,7 @@
           <a:p>
             <a:fld id="{48D8CAB9-F02B-405D-B26E-A393DAA55285}" type="datetimeFigureOut">
               <a:rPr lang="en-US" smtClean="0"/>
-              <a:t>1/23/2024</a:t>
+              <a:t>5/10/2024</a:t>
             </a:fld>
             <a:endParaRPr lang="en-US"/>
           </a:p>
@@ -8946,7 +8938,7 @@
           <a:p>
             <a:fld id="{48D8CAB9-F02B-405D-B26E-A393DAA55285}" type="datetimeFigureOut">
               <a:rPr lang="en-US" smtClean="0"/>
-              <a:t>1/23/2024</a:t>
+              <a:t>5/10/2024</a:t>
             </a:fld>
             <a:endParaRPr lang="en-US"/>
           </a:p>
@@ -9114,7 +9106,7 @@
           <a:p>
             <a:fld id="{48D8CAB9-F02B-405D-B26E-A393DAA55285}" type="datetimeFigureOut">
               <a:rPr lang="en-US" smtClean="0"/>
-              <a:t>1/23/2024</a:t>
+              <a:t>5/10/2024</a:t>
             </a:fld>
             <a:endParaRPr lang="en-US"/>
           </a:p>
@@ -9359,7 +9351,7 @@
           <a:p>
             <a:fld id="{48D8CAB9-F02B-405D-B26E-A393DAA55285}" type="datetimeFigureOut">
               <a:rPr lang="en-US" smtClean="0"/>
-              <a:t>1/23/2024</a:t>
+              <a:t>5/10/2024</a:t>
             </a:fld>
             <a:endParaRPr lang="en-US"/>
           </a:p>
@@ -9588,7 +9580,7 @@
           <a:p>
             <a:fld id="{48D8CAB9-F02B-405D-B26E-A393DAA55285}" type="datetimeFigureOut">
               <a:rPr lang="en-US" smtClean="0"/>
-              <a:t>1/23/2024</a:t>
+              <a:t>5/10/2024</a:t>
             </a:fld>
             <a:endParaRPr lang="en-US"/>
           </a:p>
@@ -9952,7 +9944,7 @@
           <a:p>
             <a:fld id="{48D8CAB9-F02B-405D-B26E-A393DAA55285}" type="datetimeFigureOut">
               <a:rPr lang="en-US" smtClean="0"/>
-              <a:t>1/23/2024</a:t>
+              <a:t>5/10/2024</a:t>
             </a:fld>
             <a:endParaRPr lang="en-US"/>
           </a:p>
@@ -10069,7 +10061,7 @@
           <a:p>
             <a:fld id="{48D8CAB9-F02B-405D-B26E-A393DAA55285}" type="datetimeFigureOut">
               <a:rPr lang="en-US" smtClean="0"/>
-              <a:t>1/23/2024</a:t>
+              <a:t>5/10/2024</a:t>
             </a:fld>
             <a:endParaRPr lang="en-US"/>
           </a:p>
@@ -10164,7 +10156,7 @@
           <a:p>
             <a:fld id="{48D8CAB9-F02B-405D-B26E-A393DAA55285}" type="datetimeFigureOut">
               <a:rPr lang="en-US" smtClean="0"/>
-              <a:t>1/23/2024</a:t>
+              <a:t>5/10/2024</a:t>
             </a:fld>
             <a:endParaRPr lang="en-US"/>
           </a:p>
@@ -10439,7 +10431,7 @@
           <a:p>
             <a:fld id="{48D8CAB9-F02B-405D-B26E-A393DAA55285}" type="datetimeFigureOut">
               <a:rPr lang="en-US" smtClean="0"/>
-              <a:t>1/23/2024</a:t>
+              <a:t>5/10/2024</a:t>
             </a:fld>
             <a:endParaRPr lang="en-US"/>
           </a:p>
@@ -10691,7 +10683,7 @@
           <a:p>
             <a:fld id="{48D8CAB9-F02B-405D-B26E-A393DAA55285}" type="datetimeFigureOut">
               <a:rPr lang="en-US" smtClean="0"/>
-              <a:t>1/23/2024</a:t>
+              <a:t>5/10/2024</a:t>
             </a:fld>
             <a:endParaRPr lang="en-US"/>
           </a:p>
@@ -10902,7 +10894,7 @@
           <a:p>
             <a:fld id="{48D8CAB9-F02B-405D-B26E-A393DAA55285}" type="datetimeFigureOut">
               <a:rPr lang="en-US" smtClean="0"/>
-              <a:t>1/23/2024</a:t>
+              <a:t>5/10/2024</a:t>
             </a:fld>
             <a:endParaRPr lang="en-US"/>
           </a:p>
